--- a/2_spring and spring boot.pptx
+++ b/2_spring and spring boot.pptx
@@ -13,6 +13,11 @@
     <p:sldId id="261" r:id="rId7"/>
     <p:sldId id="262" r:id="rId8"/>
     <p:sldId id="263" r:id="rId9"/>
+    <p:sldId id="266" r:id="rId10"/>
+    <p:sldId id="264" r:id="rId11"/>
+    <p:sldId id="265" r:id="rId12"/>
+    <p:sldId id="267" r:id="rId13"/>
+    <p:sldId id="268" r:id="rId14"/>
   </p:sldIdLst>
   <p:sldSz cx="12192000" cy="6858000"/>
   <p:notesSz cx="6858000" cy="9144000"/>
@@ -111,6 +116,11 @@
       </a:defRPr>
     </a:lvl9pPr>
   </p:defaultTextStyle>
+  <p:extLst>
+    <p:ext uri="{EFAFB233-063F-42B5-8137-9DF3F51BA10A}">
+      <p15:sldGuideLst xmlns:p15="http://schemas.microsoft.com/office/powerpoint/2012/main"/>
+    </p:ext>
+  </p:extLst>
 </p:presentation>
 </file>
 
@@ -263,7 +273,7 @@
           <a:p>
             <a:fld id="{C4F0DE68-8E05-A345-866E-F8C1D50CC097}" type="datetimeFigureOut">
               <a:rPr lang="en-US" smtClean="0"/>
-              <a:t>7/9/24</a:t>
+              <a:t>7/11/24</a:t>
             </a:fld>
             <a:endParaRPr lang="en-US"/>
           </a:p>
@@ -463,7 +473,7 @@
           <a:p>
             <a:fld id="{C4F0DE68-8E05-A345-866E-F8C1D50CC097}" type="datetimeFigureOut">
               <a:rPr lang="en-US" smtClean="0"/>
-              <a:t>7/9/24</a:t>
+              <a:t>7/11/24</a:t>
             </a:fld>
             <a:endParaRPr lang="en-US"/>
           </a:p>
@@ -673,7 +683,7 @@
           <a:p>
             <a:fld id="{C4F0DE68-8E05-A345-866E-F8C1D50CC097}" type="datetimeFigureOut">
               <a:rPr lang="en-US" smtClean="0"/>
-              <a:t>7/9/24</a:t>
+              <a:t>7/11/24</a:t>
             </a:fld>
             <a:endParaRPr lang="en-US"/>
           </a:p>
@@ -873,7 +883,7 @@
           <a:p>
             <a:fld id="{C4F0DE68-8E05-A345-866E-F8C1D50CC097}" type="datetimeFigureOut">
               <a:rPr lang="en-US" smtClean="0"/>
-              <a:t>7/9/24</a:t>
+              <a:t>7/11/24</a:t>
             </a:fld>
             <a:endParaRPr lang="en-US"/>
           </a:p>
@@ -1149,7 +1159,7 @@
           <a:p>
             <a:fld id="{C4F0DE68-8E05-A345-866E-F8C1D50CC097}" type="datetimeFigureOut">
               <a:rPr lang="en-US" smtClean="0"/>
-              <a:t>7/9/24</a:t>
+              <a:t>7/11/24</a:t>
             </a:fld>
             <a:endParaRPr lang="en-US"/>
           </a:p>
@@ -1417,7 +1427,7 @@
           <a:p>
             <a:fld id="{C4F0DE68-8E05-A345-866E-F8C1D50CC097}" type="datetimeFigureOut">
               <a:rPr lang="en-US" smtClean="0"/>
-              <a:t>7/9/24</a:t>
+              <a:t>7/11/24</a:t>
             </a:fld>
             <a:endParaRPr lang="en-US"/>
           </a:p>
@@ -1832,7 +1842,7 @@
           <a:p>
             <a:fld id="{C4F0DE68-8E05-A345-866E-F8C1D50CC097}" type="datetimeFigureOut">
               <a:rPr lang="en-US" smtClean="0"/>
-              <a:t>7/9/24</a:t>
+              <a:t>7/11/24</a:t>
             </a:fld>
             <a:endParaRPr lang="en-US"/>
           </a:p>
@@ -1974,7 +1984,7 @@
           <a:p>
             <a:fld id="{C4F0DE68-8E05-A345-866E-F8C1D50CC097}" type="datetimeFigureOut">
               <a:rPr lang="en-US" smtClean="0"/>
-              <a:t>7/9/24</a:t>
+              <a:t>7/11/24</a:t>
             </a:fld>
             <a:endParaRPr lang="en-US"/>
           </a:p>
@@ -2087,7 +2097,7 @@
           <a:p>
             <a:fld id="{C4F0DE68-8E05-A345-866E-F8C1D50CC097}" type="datetimeFigureOut">
               <a:rPr lang="en-US" smtClean="0"/>
-              <a:t>7/9/24</a:t>
+              <a:t>7/11/24</a:t>
             </a:fld>
             <a:endParaRPr lang="en-US"/>
           </a:p>
@@ -2400,7 +2410,7 @@
           <a:p>
             <a:fld id="{C4F0DE68-8E05-A345-866E-F8C1D50CC097}" type="datetimeFigureOut">
               <a:rPr lang="en-US" smtClean="0"/>
-              <a:t>7/9/24</a:t>
+              <a:t>7/11/24</a:t>
             </a:fld>
             <a:endParaRPr lang="en-US"/>
           </a:p>
@@ -2689,7 +2699,7 @@
           <a:p>
             <a:fld id="{C4F0DE68-8E05-A345-866E-F8C1D50CC097}" type="datetimeFigureOut">
               <a:rPr lang="en-US" smtClean="0"/>
-              <a:t>7/9/24</a:t>
+              <a:t>7/11/24</a:t>
             </a:fld>
             <a:endParaRPr lang="en-US"/>
           </a:p>
@@ -2932,7 +2942,7 @@
           <a:p>
             <a:fld id="{C4F0DE68-8E05-A345-866E-F8C1D50CC097}" type="datetimeFigureOut">
               <a:rPr lang="en-US" smtClean="0"/>
-              <a:t>7/9/24</a:t>
+              <a:t>7/11/24</a:t>
             </a:fld>
             <a:endParaRPr lang="en-US"/>
           </a:p>
@@ -3444,6 +3454,1896 @@
   <p:clrMapOvr>
     <a:masterClrMapping/>
   </p:clrMapOvr>
+  <mc:AlternateContent xmlns:mc="http://schemas.openxmlformats.org/markup-compatibility/2006" xmlns:p14="http://schemas.microsoft.com/office/powerpoint/2010/main">
+    <mc:Choice Requires="p14">
+      <p:transition spd="med" p14:dur="700">
+        <p:fade/>
+      </p:transition>
+    </mc:Choice>
+    <mc:Fallback xmlns="">
+      <p:transition spd="med">
+        <p:fade/>
+      </p:transition>
+    </mc:Fallback>
+  </mc:AlternateContent>
+</p:sld>
+</file>
+
+<file path=ppt/slides/slide10.xml><?xml version="1.0" encoding="utf-8"?>
+<p:sld xmlns:a="http://schemas.openxmlformats.org/drawingml/2006/main" xmlns:r="http://schemas.openxmlformats.org/officeDocument/2006/relationships" xmlns:p="http://schemas.openxmlformats.org/presentationml/2006/main">
+  <p:cSld>
+    <p:bg>
+      <p:bgPr>
+        <a:blipFill dpi="0" rotWithShape="1">
+          <a:blip r:embed="rId2">
+            <a:lum/>
+          </a:blip>
+          <a:srcRect/>
+          <a:stretch>
+            <a:fillRect/>
+          </a:stretch>
+        </a:blipFill>
+        <a:effectLst/>
+      </p:bgPr>
+    </p:bg>
+    <p:spTree>
+      <p:nvGrpSpPr>
+        <p:cNvPr id="1" name=""/>
+        <p:cNvGrpSpPr/>
+        <p:nvPr/>
+      </p:nvGrpSpPr>
+      <p:grpSpPr>
+        <a:xfrm>
+          <a:off x="0" y="0"/>
+          <a:ext cx="0" cy="0"/>
+          <a:chOff x="0" y="0"/>
+          <a:chExt cx="0" cy="0"/>
+        </a:xfrm>
+      </p:grpSpPr>
+      <p:sp>
+        <p:nvSpPr>
+          <p:cNvPr id="2" name="Rectangle 1">
+            <a:extLst>
+              <a:ext uri="{FF2B5EF4-FFF2-40B4-BE49-F238E27FC236}">
+                <a16:creationId xmlns:a16="http://schemas.microsoft.com/office/drawing/2014/main" id="{48F9CE81-C1F0-B68D-8064-60FA8458DF94}"/>
+              </a:ext>
+            </a:extLst>
+          </p:cNvPr>
+          <p:cNvSpPr/>
+          <p:nvPr/>
+        </p:nvSpPr>
+        <p:spPr>
+          <a:xfrm>
+            <a:off x="906195" y="469579"/>
+            <a:ext cx="4012638" cy="923330"/>
+          </a:xfrm>
+          <a:prstGeom prst="rect">
+            <a:avLst/>
+          </a:prstGeom>
+          <a:noFill/>
+        </p:spPr>
+        <p:txBody>
+          <a:bodyPr wrap="none" lIns="91440" tIns="45720" rIns="91440" bIns="45720">
+            <a:spAutoFit/>
+            <a:scene3d>
+              <a:camera prst="orthographicFront"/>
+              <a:lightRig rig="soft" dir="t">
+                <a:rot lat="0" lon="0" rev="15600000"/>
+              </a:lightRig>
+            </a:scene3d>
+            <a:sp3d extrusionH="57150" prstMaterial="softEdge">
+              <a:bevelT w="25400" h="38100"/>
+            </a:sp3d>
+          </a:bodyPr>
+          <a:lstStyle/>
+          <a:p>
+            <a:pPr algn="ctr"/>
+            <a:r>
+              <a:rPr lang="en-GB" sz="5400" dirty="0">
+                <a:ln w="0"/>
+                <a:gradFill>
+                  <a:gsLst>
+                    <a:gs pos="0">
+                      <a:schemeClr val="accent5">
+                        <a:lumMod val="50000"/>
+                      </a:schemeClr>
+                    </a:gs>
+                    <a:gs pos="50000">
+                      <a:schemeClr val="accent5"/>
+                    </a:gs>
+                    <a:gs pos="100000">
+                      <a:schemeClr val="accent5">
+                        <a:lumMod val="60000"/>
+                        <a:lumOff val="40000"/>
+                      </a:schemeClr>
+                    </a:gs>
+                  </a:gsLst>
+                  <a:lin ang="5400000"/>
+                </a:gradFill>
+                <a:effectLst>
+                  <a:reflection blurRad="6350" stA="53000" endA="300" endPos="35500" dir="5400000" sy="-90000" algn="bl" rotWithShape="0"/>
+                </a:effectLst>
+                <a:latin typeface="Times New Roman" panose="02020603050405020304" pitchFamily="18" charset="0"/>
+                <a:cs typeface="Times New Roman" panose="02020603050405020304" pitchFamily="18" charset="0"/>
+              </a:rPr>
+              <a:t>Beans Scopes</a:t>
+            </a:r>
+          </a:p>
+        </p:txBody>
+      </p:sp>
+      <p:sp>
+        <p:nvSpPr>
+          <p:cNvPr id="3" name="TextBox 2">
+            <a:extLst>
+              <a:ext uri="{FF2B5EF4-FFF2-40B4-BE49-F238E27FC236}">
+                <a16:creationId xmlns:a16="http://schemas.microsoft.com/office/drawing/2014/main" id="{E634EB09-B96B-3B94-C9B4-780CAFDCDF1C}"/>
+              </a:ext>
+            </a:extLst>
+          </p:cNvPr>
+          <p:cNvSpPr txBox="1"/>
+          <p:nvPr/>
+        </p:nvSpPr>
+        <p:spPr>
+          <a:xfrm>
+            <a:off x="906195" y="1489961"/>
+            <a:ext cx="9134763" cy="5028556"/>
+          </a:xfrm>
+          <a:prstGeom prst="rect">
+            <a:avLst/>
+          </a:prstGeom>
+          <a:noFill/>
+        </p:spPr>
+        <p:txBody>
+          <a:bodyPr wrap="square" rtlCol="0">
+            <a:spAutoFit/>
+          </a:bodyPr>
+          <a:lstStyle/>
+          <a:p>
+            <a:pPr marL="285750" indent="-285750">
+              <a:lnSpc>
+                <a:spcPct val="150000"/>
+              </a:lnSpc>
+              <a:buFont typeface="Wingdings" pitchFamily="2" charset="2"/>
+              <a:buChar char="ü"/>
+            </a:pPr>
+            <a:r>
+              <a:rPr lang="en-US" b="1" dirty="0">
+                <a:latin typeface="Times New Roman" panose="02020603050405020304" pitchFamily="18" charset="0"/>
+                <a:cs typeface="Times New Roman" panose="02020603050405020304" pitchFamily="18" charset="0"/>
+              </a:rPr>
+              <a:t>Singleton: </a:t>
+            </a:r>
+            <a:r>
+              <a:rPr lang="en-US" dirty="0">
+                <a:latin typeface="Times New Roman" panose="02020603050405020304" pitchFamily="18" charset="0"/>
+                <a:cs typeface="Times New Roman" panose="02020603050405020304" pitchFamily="18" charset="0"/>
+              </a:rPr>
+              <a:t>Default) Scopes a single bean definition to a single object instance for each Spring IoC container</a:t>
+            </a:r>
+          </a:p>
+          <a:p>
+            <a:pPr marL="285750" indent="-285750">
+              <a:lnSpc>
+                <a:spcPct val="150000"/>
+              </a:lnSpc>
+              <a:buFont typeface="Wingdings" pitchFamily="2" charset="2"/>
+              <a:buChar char="ü"/>
+            </a:pPr>
+            <a:r>
+              <a:rPr lang="en-US" b="1" dirty="0">
+                <a:latin typeface="Times New Roman" panose="02020603050405020304" pitchFamily="18" charset="0"/>
+                <a:cs typeface="Times New Roman" panose="02020603050405020304" pitchFamily="18" charset="0"/>
+              </a:rPr>
+              <a:t>Prototype: </a:t>
+            </a:r>
+            <a:r>
+              <a:rPr lang="en-US" dirty="0">
+                <a:latin typeface="Times New Roman" panose="02020603050405020304" pitchFamily="18" charset="0"/>
+                <a:cs typeface="Times New Roman" panose="02020603050405020304" pitchFamily="18" charset="0"/>
+              </a:rPr>
+              <a:t>Scopes a single bean definition to any number of object instances.</a:t>
+            </a:r>
+          </a:p>
+          <a:p>
+            <a:pPr marL="285750" indent="-285750">
+              <a:lnSpc>
+                <a:spcPct val="150000"/>
+              </a:lnSpc>
+              <a:buFont typeface="Wingdings" pitchFamily="2" charset="2"/>
+              <a:buChar char="ü"/>
+            </a:pPr>
+            <a:r>
+              <a:rPr lang="en-US" b="1" dirty="0">
+                <a:latin typeface="Times New Roman" panose="02020603050405020304" pitchFamily="18" charset="0"/>
+                <a:cs typeface="Times New Roman" panose="02020603050405020304" pitchFamily="18" charset="0"/>
+              </a:rPr>
+              <a:t>Request: </a:t>
+            </a:r>
+            <a:r>
+              <a:rPr lang="en-US" dirty="0">
+                <a:latin typeface="Times New Roman" panose="02020603050405020304" pitchFamily="18" charset="0"/>
+                <a:cs typeface="Times New Roman" panose="02020603050405020304" pitchFamily="18" charset="0"/>
+              </a:rPr>
+              <a:t>Scopes a single bean definition to the lifecycle of a single HTTP request</a:t>
+            </a:r>
+            <a:r>
+              <a:rPr lang="en-US" b="1" dirty="0">
+                <a:latin typeface="Times New Roman" panose="02020603050405020304" pitchFamily="18" charset="0"/>
+                <a:cs typeface="Times New Roman" panose="02020603050405020304" pitchFamily="18" charset="0"/>
+              </a:rPr>
+              <a:t>. </a:t>
+            </a:r>
+            <a:r>
+              <a:rPr lang="en-US" dirty="0">
+                <a:latin typeface="Times New Roman" panose="02020603050405020304" pitchFamily="18" charset="0"/>
+                <a:cs typeface="Times New Roman" panose="02020603050405020304" pitchFamily="18" charset="0"/>
+              </a:rPr>
+              <a:t>That is, each HTTP request has its own instance of a bean created off the back of a single bean definition. Only valid in the context of a web-aware Spring </a:t>
+            </a:r>
+            <a:r>
+              <a:rPr lang="en-US" dirty="0" err="1">
+                <a:latin typeface="Times New Roman" panose="02020603050405020304" pitchFamily="18" charset="0"/>
+                <a:cs typeface="Times New Roman" panose="02020603050405020304" pitchFamily="18" charset="0"/>
+              </a:rPr>
+              <a:t>ApplicationContext</a:t>
+            </a:r>
+            <a:r>
+              <a:rPr lang="en-US" dirty="0">
+                <a:latin typeface="Times New Roman" panose="02020603050405020304" pitchFamily="18" charset="0"/>
+                <a:cs typeface="Times New Roman" panose="02020603050405020304" pitchFamily="18" charset="0"/>
+              </a:rPr>
+              <a:t>.</a:t>
+            </a:r>
+          </a:p>
+          <a:p>
+            <a:pPr marL="285750" indent="-285750">
+              <a:lnSpc>
+                <a:spcPct val="150000"/>
+              </a:lnSpc>
+              <a:buFont typeface="Wingdings" pitchFamily="2" charset="2"/>
+              <a:buChar char="ü"/>
+            </a:pPr>
+            <a:r>
+              <a:rPr lang="en-US" b="1" dirty="0">
+                <a:latin typeface="Times New Roman" panose="02020603050405020304" pitchFamily="18" charset="0"/>
+                <a:cs typeface="Times New Roman" panose="02020603050405020304" pitchFamily="18" charset="0"/>
+              </a:rPr>
+              <a:t>Session: </a:t>
+            </a:r>
+            <a:r>
+              <a:rPr lang="en-US" dirty="0">
+                <a:latin typeface="Times New Roman" panose="02020603050405020304" pitchFamily="18" charset="0"/>
+                <a:cs typeface="Times New Roman" panose="02020603050405020304" pitchFamily="18" charset="0"/>
+              </a:rPr>
+              <a:t>Scopes a single bean definition to the lifecycle of an HTTP Session. Only valid in the context of a web-aware Spring </a:t>
+            </a:r>
+            <a:r>
+              <a:rPr lang="en-US" dirty="0" err="1">
+                <a:latin typeface="Times New Roman" panose="02020603050405020304" pitchFamily="18" charset="0"/>
+                <a:cs typeface="Times New Roman" panose="02020603050405020304" pitchFamily="18" charset="0"/>
+              </a:rPr>
+              <a:t>ApplicationContext</a:t>
+            </a:r>
+            <a:r>
+              <a:rPr lang="en-US" dirty="0">
+                <a:latin typeface="Times New Roman" panose="02020603050405020304" pitchFamily="18" charset="0"/>
+                <a:cs typeface="Times New Roman" panose="02020603050405020304" pitchFamily="18" charset="0"/>
+              </a:rPr>
+              <a:t>.</a:t>
+            </a:r>
+          </a:p>
+          <a:p>
+            <a:pPr marL="285750" indent="-285750">
+              <a:lnSpc>
+                <a:spcPct val="150000"/>
+              </a:lnSpc>
+              <a:buFont typeface="Wingdings" pitchFamily="2" charset="2"/>
+              <a:buChar char="ü"/>
+            </a:pPr>
+            <a:r>
+              <a:rPr lang="en-US" b="1" dirty="0">
+                <a:latin typeface="Times New Roman" panose="02020603050405020304" pitchFamily="18" charset="0"/>
+                <a:cs typeface="Times New Roman" panose="02020603050405020304" pitchFamily="18" charset="0"/>
+              </a:rPr>
+              <a:t>Application</a:t>
+            </a:r>
+            <a:r>
+              <a:rPr lang="en-US" dirty="0">
+                <a:latin typeface="Times New Roman" panose="02020603050405020304" pitchFamily="18" charset="0"/>
+                <a:cs typeface="Times New Roman" panose="02020603050405020304" pitchFamily="18" charset="0"/>
+              </a:rPr>
+              <a:t>: Scopes a single bean definition to the lifecycle of a </a:t>
+            </a:r>
+            <a:r>
+              <a:rPr lang="en-US" dirty="0" err="1">
+                <a:latin typeface="Times New Roman" panose="02020603050405020304" pitchFamily="18" charset="0"/>
+                <a:cs typeface="Times New Roman" panose="02020603050405020304" pitchFamily="18" charset="0"/>
+              </a:rPr>
+              <a:t>ServletContext</a:t>
+            </a:r>
+            <a:r>
+              <a:rPr lang="en-US" dirty="0">
+                <a:latin typeface="Times New Roman" panose="02020603050405020304" pitchFamily="18" charset="0"/>
+                <a:cs typeface="Times New Roman" panose="02020603050405020304" pitchFamily="18" charset="0"/>
+              </a:rPr>
+              <a:t>. Only valid in the context of a web-aware </a:t>
+            </a:r>
+            <a:r>
+              <a:rPr lang="en-US" dirty="0" err="1">
+                <a:latin typeface="Times New Roman" panose="02020603050405020304" pitchFamily="18" charset="0"/>
+                <a:cs typeface="Times New Roman" panose="02020603050405020304" pitchFamily="18" charset="0"/>
+              </a:rPr>
+              <a:t>Spriang</a:t>
+            </a:r>
+            <a:r>
+              <a:rPr lang="en-US" dirty="0">
+                <a:latin typeface="Times New Roman" panose="02020603050405020304" pitchFamily="18" charset="0"/>
+                <a:cs typeface="Times New Roman" panose="02020603050405020304" pitchFamily="18" charset="0"/>
+              </a:rPr>
+              <a:t> </a:t>
+            </a:r>
+            <a:r>
+              <a:rPr lang="en-US" dirty="0" err="1">
+                <a:latin typeface="Times New Roman" panose="02020603050405020304" pitchFamily="18" charset="0"/>
+                <a:cs typeface="Times New Roman" panose="02020603050405020304" pitchFamily="18" charset="0"/>
+              </a:rPr>
+              <a:t>ApplicationContext</a:t>
+            </a:r>
+            <a:r>
+              <a:rPr lang="en-US" dirty="0">
+                <a:latin typeface="Times New Roman" panose="02020603050405020304" pitchFamily="18" charset="0"/>
+                <a:cs typeface="Times New Roman" panose="02020603050405020304" pitchFamily="18" charset="0"/>
+              </a:rPr>
+              <a:t>.</a:t>
+            </a:r>
+          </a:p>
+          <a:p>
+            <a:pPr marL="285750" indent="-285750">
+              <a:lnSpc>
+                <a:spcPct val="150000"/>
+              </a:lnSpc>
+              <a:buFont typeface="Wingdings" pitchFamily="2" charset="2"/>
+              <a:buChar char="ü"/>
+            </a:pPr>
+            <a:r>
+              <a:rPr lang="en-US" b="1" dirty="0" err="1">
+                <a:latin typeface="Times New Roman" panose="02020603050405020304" pitchFamily="18" charset="0"/>
+                <a:cs typeface="Times New Roman" panose="02020603050405020304" pitchFamily="18" charset="0"/>
+              </a:rPr>
+              <a:t>Websocket:</a:t>
+            </a:r>
+            <a:r>
+              <a:rPr lang="en-US" dirty="0" err="1">
+                <a:latin typeface="Times New Roman" panose="02020603050405020304" pitchFamily="18" charset="0"/>
+                <a:cs typeface="Times New Roman" panose="02020603050405020304" pitchFamily="18" charset="0"/>
+              </a:rPr>
+              <a:t>Scopes</a:t>
+            </a:r>
+            <a:r>
+              <a:rPr lang="en-US" dirty="0">
+                <a:latin typeface="Times New Roman" panose="02020603050405020304" pitchFamily="18" charset="0"/>
+                <a:cs typeface="Times New Roman" panose="02020603050405020304" pitchFamily="18" charset="0"/>
+              </a:rPr>
+              <a:t> a single bean definition to the lifecycle of a WebSocket. Only valid in the context of a web-aware Spring </a:t>
+            </a:r>
+            <a:r>
+              <a:rPr lang="en-US" dirty="0" err="1">
+                <a:latin typeface="Times New Roman" panose="02020603050405020304" pitchFamily="18" charset="0"/>
+                <a:cs typeface="Times New Roman" panose="02020603050405020304" pitchFamily="18" charset="0"/>
+              </a:rPr>
+              <a:t>ApplicationContex</a:t>
+            </a:r>
+            <a:endParaRPr lang="en-US" dirty="0">
+              <a:latin typeface="Times New Roman" panose="02020603050405020304" pitchFamily="18" charset="0"/>
+              <a:cs typeface="Times New Roman" panose="02020603050405020304" pitchFamily="18" charset="0"/>
+            </a:endParaRPr>
+          </a:p>
+        </p:txBody>
+      </p:sp>
+    </p:spTree>
+    <p:extLst>
+      <p:ext uri="{BB962C8B-B14F-4D97-AF65-F5344CB8AC3E}">
+        <p14:creationId xmlns:p14="http://schemas.microsoft.com/office/powerpoint/2010/main" val="3861346614"/>
+      </p:ext>
+    </p:extLst>
+  </p:cSld>
+  <p:clrMapOvr>
+    <a:masterClrMapping/>
+  </p:clrMapOvr>
+  <mc:AlternateContent xmlns:mc="http://schemas.openxmlformats.org/markup-compatibility/2006" xmlns:p14="http://schemas.microsoft.com/office/powerpoint/2010/main">
+    <mc:Choice Requires="p14">
+      <p:transition spd="med" p14:dur="700">
+        <p:fade/>
+      </p:transition>
+    </mc:Choice>
+    <mc:Fallback xmlns="">
+      <p:transition spd="med">
+        <p:fade/>
+      </p:transition>
+    </mc:Fallback>
+  </mc:AlternateContent>
+  <p:timing>
+    <p:tnLst>
+      <p:par>
+        <p:cTn id="1" dur="indefinite" restart="never" nodeType="tmRoot">
+          <p:childTnLst>
+            <p:seq concurrent="1" nextAc="seek">
+              <p:cTn id="2" dur="indefinite" nodeType="mainSeq">
+                <p:childTnLst>
+                  <p:par>
+                    <p:cTn id="3" fill="hold">
+                      <p:stCondLst>
+                        <p:cond delay="indefinite"/>
+                      </p:stCondLst>
+                      <p:childTnLst>
+                        <p:par>
+                          <p:cTn id="4" fill="hold">
+                            <p:stCondLst>
+                              <p:cond delay="0"/>
+                            </p:stCondLst>
+                            <p:childTnLst>
+                              <p:par>
+                                <p:cTn id="5" presetID="9" presetClass="entr" presetSubtype="0" fill="hold" nodeType="clickEffect">
+                                  <p:stCondLst>
+                                    <p:cond delay="0"/>
+                                  </p:stCondLst>
+                                  <p:childTnLst>
+                                    <p:set>
+                                      <p:cBhvr>
+                                        <p:cTn id="6" dur="1" fill="hold">
+                                          <p:stCondLst>
+                                            <p:cond delay="0"/>
+                                          </p:stCondLst>
+                                        </p:cTn>
+                                        <p:tgtEl>
+                                          <p:spTgt spid="3">
+                                            <p:txEl>
+                                              <p:pRg st="0" end="0"/>
+                                            </p:txEl>
+                                          </p:spTgt>
+                                        </p:tgtEl>
+                                        <p:attrNameLst>
+                                          <p:attrName>style.visibility</p:attrName>
+                                        </p:attrNameLst>
+                                      </p:cBhvr>
+                                      <p:to>
+                                        <p:strVal val="visible"/>
+                                      </p:to>
+                                    </p:set>
+                                    <p:animEffect transition="in" filter="dissolve">
+                                      <p:cBhvr>
+                                        <p:cTn id="7" dur="500"/>
+                                        <p:tgtEl>
+                                          <p:spTgt spid="3">
+                                            <p:txEl>
+                                              <p:pRg st="0" end="0"/>
+                                            </p:txEl>
+                                          </p:spTgt>
+                                        </p:tgtEl>
+                                      </p:cBhvr>
+                                    </p:animEffect>
+                                  </p:childTnLst>
+                                </p:cTn>
+                              </p:par>
+                            </p:childTnLst>
+                          </p:cTn>
+                        </p:par>
+                      </p:childTnLst>
+                    </p:cTn>
+                  </p:par>
+                  <p:par>
+                    <p:cTn id="8" fill="hold">
+                      <p:stCondLst>
+                        <p:cond delay="indefinite"/>
+                      </p:stCondLst>
+                      <p:childTnLst>
+                        <p:par>
+                          <p:cTn id="9" fill="hold">
+                            <p:stCondLst>
+                              <p:cond delay="0"/>
+                            </p:stCondLst>
+                            <p:childTnLst>
+                              <p:par>
+                                <p:cTn id="10" presetID="9" presetClass="entr" presetSubtype="0" fill="hold" nodeType="clickEffect">
+                                  <p:stCondLst>
+                                    <p:cond delay="0"/>
+                                  </p:stCondLst>
+                                  <p:childTnLst>
+                                    <p:set>
+                                      <p:cBhvr>
+                                        <p:cTn id="11" dur="1" fill="hold">
+                                          <p:stCondLst>
+                                            <p:cond delay="0"/>
+                                          </p:stCondLst>
+                                        </p:cTn>
+                                        <p:tgtEl>
+                                          <p:spTgt spid="3">
+                                            <p:txEl>
+                                              <p:pRg st="1" end="1"/>
+                                            </p:txEl>
+                                          </p:spTgt>
+                                        </p:tgtEl>
+                                        <p:attrNameLst>
+                                          <p:attrName>style.visibility</p:attrName>
+                                        </p:attrNameLst>
+                                      </p:cBhvr>
+                                      <p:to>
+                                        <p:strVal val="visible"/>
+                                      </p:to>
+                                    </p:set>
+                                    <p:animEffect transition="in" filter="dissolve">
+                                      <p:cBhvr>
+                                        <p:cTn id="12" dur="500"/>
+                                        <p:tgtEl>
+                                          <p:spTgt spid="3">
+                                            <p:txEl>
+                                              <p:pRg st="1" end="1"/>
+                                            </p:txEl>
+                                          </p:spTgt>
+                                        </p:tgtEl>
+                                      </p:cBhvr>
+                                    </p:animEffect>
+                                  </p:childTnLst>
+                                </p:cTn>
+                              </p:par>
+                            </p:childTnLst>
+                          </p:cTn>
+                        </p:par>
+                      </p:childTnLst>
+                    </p:cTn>
+                  </p:par>
+                  <p:par>
+                    <p:cTn id="13" fill="hold">
+                      <p:stCondLst>
+                        <p:cond delay="indefinite"/>
+                      </p:stCondLst>
+                      <p:childTnLst>
+                        <p:par>
+                          <p:cTn id="14" fill="hold">
+                            <p:stCondLst>
+                              <p:cond delay="0"/>
+                            </p:stCondLst>
+                            <p:childTnLst>
+                              <p:par>
+                                <p:cTn id="15" presetID="9" presetClass="entr" presetSubtype="0" fill="hold" nodeType="clickEffect">
+                                  <p:stCondLst>
+                                    <p:cond delay="0"/>
+                                  </p:stCondLst>
+                                  <p:childTnLst>
+                                    <p:set>
+                                      <p:cBhvr>
+                                        <p:cTn id="16" dur="1" fill="hold">
+                                          <p:stCondLst>
+                                            <p:cond delay="0"/>
+                                          </p:stCondLst>
+                                        </p:cTn>
+                                        <p:tgtEl>
+                                          <p:spTgt spid="3">
+                                            <p:txEl>
+                                              <p:pRg st="2" end="2"/>
+                                            </p:txEl>
+                                          </p:spTgt>
+                                        </p:tgtEl>
+                                        <p:attrNameLst>
+                                          <p:attrName>style.visibility</p:attrName>
+                                        </p:attrNameLst>
+                                      </p:cBhvr>
+                                      <p:to>
+                                        <p:strVal val="visible"/>
+                                      </p:to>
+                                    </p:set>
+                                    <p:animEffect transition="in" filter="dissolve">
+                                      <p:cBhvr>
+                                        <p:cTn id="17" dur="500"/>
+                                        <p:tgtEl>
+                                          <p:spTgt spid="3">
+                                            <p:txEl>
+                                              <p:pRg st="2" end="2"/>
+                                            </p:txEl>
+                                          </p:spTgt>
+                                        </p:tgtEl>
+                                      </p:cBhvr>
+                                    </p:animEffect>
+                                  </p:childTnLst>
+                                </p:cTn>
+                              </p:par>
+                            </p:childTnLst>
+                          </p:cTn>
+                        </p:par>
+                      </p:childTnLst>
+                    </p:cTn>
+                  </p:par>
+                  <p:par>
+                    <p:cTn id="18" fill="hold">
+                      <p:stCondLst>
+                        <p:cond delay="indefinite"/>
+                      </p:stCondLst>
+                      <p:childTnLst>
+                        <p:par>
+                          <p:cTn id="19" fill="hold">
+                            <p:stCondLst>
+                              <p:cond delay="0"/>
+                            </p:stCondLst>
+                            <p:childTnLst>
+                              <p:par>
+                                <p:cTn id="20" presetID="5" presetClass="entr" presetSubtype="10" fill="hold" nodeType="clickEffect">
+                                  <p:stCondLst>
+                                    <p:cond delay="0"/>
+                                  </p:stCondLst>
+                                  <p:childTnLst>
+                                    <p:set>
+                                      <p:cBhvr>
+                                        <p:cTn id="21" dur="1" fill="hold">
+                                          <p:stCondLst>
+                                            <p:cond delay="0"/>
+                                          </p:stCondLst>
+                                        </p:cTn>
+                                        <p:tgtEl>
+                                          <p:spTgt spid="3">
+                                            <p:txEl>
+                                              <p:pRg st="3" end="3"/>
+                                            </p:txEl>
+                                          </p:spTgt>
+                                        </p:tgtEl>
+                                        <p:attrNameLst>
+                                          <p:attrName>style.visibility</p:attrName>
+                                        </p:attrNameLst>
+                                      </p:cBhvr>
+                                      <p:to>
+                                        <p:strVal val="visible"/>
+                                      </p:to>
+                                    </p:set>
+                                    <p:animEffect transition="in" filter="checkerboard(across)">
+                                      <p:cBhvr>
+                                        <p:cTn id="22" dur="500"/>
+                                        <p:tgtEl>
+                                          <p:spTgt spid="3">
+                                            <p:txEl>
+                                              <p:pRg st="3" end="3"/>
+                                            </p:txEl>
+                                          </p:spTgt>
+                                        </p:tgtEl>
+                                      </p:cBhvr>
+                                    </p:animEffect>
+                                  </p:childTnLst>
+                                </p:cTn>
+                              </p:par>
+                            </p:childTnLst>
+                          </p:cTn>
+                        </p:par>
+                      </p:childTnLst>
+                    </p:cTn>
+                  </p:par>
+                  <p:par>
+                    <p:cTn id="23" fill="hold">
+                      <p:stCondLst>
+                        <p:cond delay="indefinite"/>
+                      </p:stCondLst>
+                      <p:childTnLst>
+                        <p:par>
+                          <p:cTn id="24" fill="hold">
+                            <p:stCondLst>
+                              <p:cond delay="0"/>
+                            </p:stCondLst>
+                            <p:childTnLst>
+                              <p:par>
+                                <p:cTn id="25" presetID="9" presetClass="entr" presetSubtype="0" fill="hold" nodeType="clickEffect">
+                                  <p:stCondLst>
+                                    <p:cond delay="0"/>
+                                  </p:stCondLst>
+                                  <p:childTnLst>
+                                    <p:set>
+                                      <p:cBhvr>
+                                        <p:cTn id="26" dur="1" fill="hold">
+                                          <p:stCondLst>
+                                            <p:cond delay="0"/>
+                                          </p:stCondLst>
+                                        </p:cTn>
+                                        <p:tgtEl>
+                                          <p:spTgt spid="3">
+                                            <p:txEl>
+                                              <p:pRg st="4" end="4"/>
+                                            </p:txEl>
+                                          </p:spTgt>
+                                        </p:tgtEl>
+                                        <p:attrNameLst>
+                                          <p:attrName>style.visibility</p:attrName>
+                                        </p:attrNameLst>
+                                      </p:cBhvr>
+                                      <p:to>
+                                        <p:strVal val="visible"/>
+                                      </p:to>
+                                    </p:set>
+                                    <p:animEffect transition="in" filter="dissolve">
+                                      <p:cBhvr>
+                                        <p:cTn id="27" dur="500"/>
+                                        <p:tgtEl>
+                                          <p:spTgt spid="3">
+                                            <p:txEl>
+                                              <p:pRg st="4" end="4"/>
+                                            </p:txEl>
+                                          </p:spTgt>
+                                        </p:tgtEl>
+                                      </p:cBhvr>
+                                    </p:animEffect>
+                                  </p:childTnLst>
+                                </p:cTn>
+                              </p:par>
+                            </p:childTnLst>
+                          </p:cTn>
+                        </p:par>
+                      </p:childTnLst>
+                    </p:cTn>
+                  </p:par>
+                  <p:par>
+                    <p:cTn id="28" fill="hold">
+                      <p:stCondLst>
+                        <p:cond delay="indefinite"/>
+                      </p:stCondLst>
+                      <p:childTnLst>
+                        <p:par>
+                          <p:cTn id="29" fill="hold">
+                            <p:stCondLst>
+                              <p:cond delay="0"/>
+                            </p:stCondLst>
+                            <p:childTnLst>
+                              <p:par>
+                                <p:cTn id="30" presetID="9" presetClass="entr" presetSubtype="0" fill="hold" nodeType="clickEffect">
+                                  <p:stCondLst>
+                                    <p:cond delay="0"/>
+                                  </p:stCondLst>
+                                  <p:childTnLst>
+                                    <p:set>
+                                      <p:cBhvr>
+                                        <p:cTn id="31" dur="1" fill="hold">
+                                          <p:stCondLst>
+                                            <p:cond delay="0"/>
+                                          </p:stCondLst>
+                                        </p:cTn>
+                                        <p:tgtEl>
+                                          <p:spTgt spid="3">
+                                            <p:txEl>
+                                              <p:pRg st="5" end="5"/>
+                                            </p:txEl>
+                                          </p:spTgt>
+                                        </p:tgtEl>
+                                        <p:attrNameLst>
+                                          <p:attrName>style.visibility</p:attrName>
+                                        </p:attrNameLst>
+                                      </p:cBhvr>
+                                      <p:to>
+                                        <p:strVal val="visible"/>
+                                      </p:to>
+                                    </p:set>
+                                    <p:animEffect transition="in" filter="dissolve">
+                                      <p:cBhvr>
+                                        <p:cTn id="32" dur="500"/>
+                                        <p:tgtEl>
+                                          <p:spTgt spid="3">
+                                            <p:txEl>
+                                              <p:pRg st="5" end="5"/>
+                                            </p:txEl>
+                                          </p:spTgt>
+                                        </p:tgtEl>
+                                      </p:cBhvr>
+                                    </p:animEffect>
+                                  </p:childTnLst>
+                                </p:cTn>
+                              </p:par>
+                            </p:childTnLst>
+                          </p:cTn>
+                        </p:par>
+                      </p:childTnLst>
+                    </p:cTn>
+                  </p:par>
+                </p:childTnLst>
+              </p:cTn>
+              <p:prevCondLst>
+                <p:cond evt="onPrev" delay="0">
+                  <p:tgtEl>
+                    <p:sldTgt/>
+                  </p:tgtEl>
+                </p:cond>
+              </p:prevCondLst>
+              <p:nextCondLst>
+                <p:cond evt="onNext" delay="0">
+                  <p:tgtEl>
+                    <p:sldTgt/>
+                  </p:tgtEl>
+                </p:cond>
+              </p:nextCondLst>
+            </p:seq>
+          </p:childTnLst>
+        </p:cTn>
+      </p:par>
+    </p:tnLst>
+  </p:timing>
+</p:sld>
+</file>
+
+<file path=ppt/slides/slide11.xml><?xml version="1.0" encoding="utf-8"?>
+<p:sld xmlns:a="http://schemas.openxmlformats.org/drawingml/2006/main" xmlns:r="http://schemas.openxmlformats.org/officeDocument/2006/relationships" xmlns:p="http://schemas.openxmlformats.org/presentationml/2006/main">
+  <p:cSld>
+    <p:bg>
+      <p:bgPr>
+        <a:blipFill dpi="0" rotWithShape="1">
+          <a:blip r:embed="rId2">
+            <a:lum/>
+          </a:blip>
+          <a:srcRect/>
+          <a:stretch>
+            <a:fillRect/>
+          </a:stretch>
+        </a:blipFill>
+        <a:effectLst/>
+      </p:bgPr>
+    </p:bg>
+    <p:spTree>
+      <p:nvGrpSpPr>
+        <p:cNvPr id="1" name=""/>
+        <p:cNvGrpSpPr/>
+        <p:nvPr/>
+      </p:nvGrpSpPr>
+      <p:grpSpPr>
+        <a:xfrm>
+          <a:off x="0" y="0"/>
+          <a:ext cx="0" cy="0"/>
+          <a:chOff x="0" y="0"/>
+          <a:chExt cx="0" cy="0"/>
+        </a:xfrm>
+      </p:grpSpPr>
+      <p:sp>
+        <p:nvSpPr>
+          <p:cNvPr id="2" name="Rectangle 1">
+            <a:extLst>
+              <a:ext uri="{FF2B5EF4-FFF2-40B4-BE49-F238E27FC236}">
+                <a16:creationId xmlns:a16="http://schemas.microsoft.com/office/drawing/2014/main" id="{48F9CE81-C1F0-B68D-8064-60FA8458DF94}"/>
+              </a:ext>
+            </a:extLst>
+          </p:cNvPr>
+          <p:cNvSpPr/>
+          <p:nvPr/>
+        </p:nvSpPr>
+        <p:spPr>
+          <a:xfrm>
+            <a:off x="1281298" y="469579"/>
+            <a:ext cx="3262433" cy="923330"/>
+          </a:xfrm>
+          <a:prstGeom prst="rect">
+            <a:avLst/>
+          </a:prstGeom>
+          <a:noFill/>
+        </p:spPr>
+        <p:txBody>
+          <a:bodyPr wrap="none" lIns="91440" tIns="45720" rIns="91440" bIns="45720">
+            <a:spAutoFit/>
+            <a:scene3d>
+              <a:camera prst="orthographicFront"/>
+              <a:lightRig rig="soft" dir="t">
+                <a:rot lat="0" lon="0" rev="15600000"/>
+              </a:lightRig>
+            </a:scene3d>
+            <a:sp3d extrusionH="57150" prstMaterial="softEdge">
+              <a:bevelT w="25400" h="38100"/>
+            </a:sp3d>
+          </a:bodyPr>
+          <a:lstStyle/>
+          <a:p>
+            <a:pPr algn="ctr"/>
+            <a:r>
+              <a:rPr lang="en-GB" sz="5400" dirty="0">
+                <a:ln w="0"/>
+                <a:gradFill>
+                  <a:gsLst>
+                    <a:gs pos="0">
+                      <a:schemeClr val="accent5">
+                        <a:lumMod val="50000"/>
+                      </a:schemeClr>
+                    </a:gs>
+                    <a:gs pos="50000">
+                      <a:schemeClr val="accent5"/>
+                    </a:gs>
+                    <a:gs pos="100000">
+                      <a:schemeClr val="accent5">
+                        <a:lumMod val="60000"/>
+                        <a:lumOff val="40000"/>
+                      </a:schemeClr>
+                    </a:gs>
+                  </a:gsLst>
+                  <a:lin ang="5400000"/>
+                </a:gradFill>
+                <a:effectLst>
+                  <a:reflection blurRad="6350" stA="53000" endA="300" endPos="35500" dir="5400000" sy="-90000" algn="bl" rotWithShape="0"/>
+                </a:effectLst>
+                <a:latin typeface="Times New Roman" panose="02020603050405020304" pitchFamily="18" charset="0"/>
+                <a:cs typeface="Times New Roman" panose="02020603050405020304" pitchFamily="18" charset="0"/>
+              </a:rPr>
+              <a:t>References</a:t>
+            </a:r>
+          </a:p>
+        </p:txBody>
+      </p:sp>
+      <p:sp>
+        <p:nvSpPr>
+          <p:cNvPr id="3" name="TextBox 2">
+            <a:extLst>
+              <a:ext uri="{FF2B5EF4-FFF2-40B4-BE49-F238E27FC236}">
+                <a16:creationId xmlns:a16="http://schemas.microsoft.com/office/drawing/2014/main" id="{E634EB09-B96B-3B94-C9B4-780CAFDCDF1C}"/>
+              </a:ext>
+            </a:extLst>
+          </p:cNvPr>
+          <p:cNvSpPr txBox="1"/>
+          <p:nvPr/>
+        </p:nvSpPr>
+        <p:spPr>
+          <a:xfrm>
+            <a:off x="906195" y="1489961"/>
+            <a:ext cx="9134763" cy="458074"/>
+          </a:xfrm>
+          <a:prstGeom prst="rect">
+            <a:avLst/>
+          </a:prstGeom>
+          <a:noFill/>
+        </p:spPr>
+        <p:txBody>
+          <a:bodyPr wrap="square" rtlCol="0">
+            <a:spAutoFit/>
+          </a:bodyPr>
+          <a:lstStyle/>
+          <a:p>
+            <a:pPr marL="285750" indent="-285750">
+              <a:lnSpc>
+                <a:spcPct val="150000"/>
+              </a:lnSpc>
+              <a:buFont typeface="Wingdings" pitchFamily="2" charset="2"/>
+              <a:buChar char="ü"/>
+            </a:pPr>
+            <a:r>
+              <a:rPr lang="en-US" b="1" dirty="0">
+                <a:latin typeface="Times New Roman" panose="02020603050405020304" pitchFamily="18" charset="0"/>
+                <a:cs typeface="Times New Roman" panose="02020603050405020304" pitchFamily="18" charset="0"/>
+              </a:rPr>
+              <a:t>https://</a:t>
+            </a:r>
+            <a:r>
+              <a:rPr lang="en-US" b="1" dirty="0" err="1">
+                <a:latin typeface="Times New Roman" panose="02020603050405020304" pitchFamily="18" charset="0"/>
+                <a:cs typeface="Times New Roman" panose="02020603050405020304" pitchFamily="18" charset="0"/>
+              </a:rPr>
+              <a:t>docs.spring.io</a:t>
+            </a:r>
+            <a:r>
+              <a:rPr lang="en-US" b="1" dirty="0">
+                <a:latin typeface="Times New Roman" panose="02020603050405020304" pitchFamily="18" charset="0"/>
+                <a:cs typeface="Times New Roman" panose="02020603050405020304" pitchFamily="18" charset="0"/>
+              </a:rPr>
+              <a:t>/spring-framework/reference/core/beans/factory-</a:t>
+            </a:r>
+            <a:r>
+              <a:rPr lang="en-US" b="1" dirty="0" err="1">
+                <a:latin typeface="Times New Roman" panose="02020603050405020304" pitchFamily="18" charset="0"/>
+                <a:cs typeface="Times New Roman" panose="02020603050405020304" pitchFamily="18" charset="0"/>
+              </a:rPr>
+              <a:t>scopes.html</a:t>
+            </a:r>
+            <a:endParaRPr lang="en-US" dirty="0">
+              <a:latin typeface="Times New Roman" panose="02020603050405020304" pitchFamily="18" charset="0"/>
+              <a:cs typeface="Times New Roman" panose="02020603050405020304" pitchFamily="18" charset="0"/>
+            </a:endParaRPr>
+          </a:p>
+        </p:txBody>
+      </p:sp>
+    </p:spTree>
+    <p:extLst>
+      <p:ext uri="{BB962C8B-B14F-4D97-AF65-F5344CB8AC3E}">
+        <p14:creationId xmlns:p14="http://schemas.microsoft.com/office/powerpoint/2010/main" val="589461595"/>
+      </p:ext>
+    </p:extLst>
+  </p:cSld>
+  <p:clrMapOvr>
+    <a:masterClrMapping/>
+  </p:clrMapOvr>
+  <mc:AlternateContent xmlns:mc="http://schemas.openxmlformats.org/markup-compatibility/2006" xmlns:p14="http://schemas.microsoft.com/office/powerpoint/2010/main">
+    <mc:Choice Requires="p14">
+      <p:transition spd="med" p14:dur="700">
+        <p:fade/>
+      </p:transition>
+    </mc:Choice>
+    <mc:Fallback xmlns="">
+      <p:transition spd="med">
+        <p:fade/>
+      </p:transition>
+    </mc:Fallback>
+  </mc:AlternateContent>
+</p:sld>
+</file>
+
+<file path=ppt/slides/slide12.xml><?xml version="1.0" encoding="utf-8"?>
+<p:sld xmlns:a="http://schemas.openxmlformats.org/drawingml/2006/main" xmlns:r="http://schemas.openxmlformats.org/officeDocument/2006/relationships" xmlns:p="http://schemas.openxmlformats.org/presentationml/2006/main">
+  <p:cSld>
+    <p:bg>
+      <p:bgPr>
+        <a:blipFill dpi="0" rotWithShape="1">
+          <a:blip r:embed="rId2">
+            <a:lum/>
+          </a:blip>
+          <a:srcRect/>
+          <a:stretch>
+            <a:fillRect/>
+          </a:stretch>
+        </a:blipFill>
+        <a:effectLst/>
+      </p:bgPr>
+    </p:bg>
+    <p:spTree>
+      <p:nvGrpSpPr>
+        <p:cNvPr id="1" name=""/>
+        <p:cNvGrpSpPr/>
+        <p:nvPr/>
+      </p:nvGrpSpPr>
+      <p:grpSpPr>
+        <a:xfrm>
+          <a:off x="0" y="0"/>
+          <a:ext cx="0" cy="0"/>
+          <a:chOff x="0" y="0"/>
+          <a:chExt cx="0" cy="0"/>
+        </a:xfrm>
+      </p:grpSpPr>
+      <p:sp>
+        <p:nvSpPr>
+          <p:cNvPr id="3" name="TextBox 2">
+            <a:extLst>
+              <a:ext uri="{FF2B5EF4-FFF2-40B4-BE49-F238E27FC236}">
+                <a16:creationId xmlns:a16="http://schemas.microsoft.com/office/drawing/2014/main" id="{E634EB09-B96B-3B94-C9B4-780CAFDCDF1C}"/>
+              </a:ext>
+            </a:extLst>
+          </p:cNvPr>
+          <p:cNvSpPr txBox="1"/>
+          <p:nvPr/>
+        </p:nvSpPr>
+        <p:spPr>
+          <a:xfrm>
+            <a:off x="906195" y="1489961"/>
+            <a:ext cx="9134763" cy="1289071"/>
+          </a:xfrm>
+          <a:prstGeom prst="rect">
+            <a:avLst/>
+          </a:prstGeom>
+          <a:noFill/>
+        </p:spPr>
+        <p:txBody>
+          <a:bodyPr wrap="square" rtlCol="0">
+            <a:spAutoFit/>
+          </a:bodyPr>
+          <a:lstStyle/>
+          <a:p>
+            <a:pPr marL="285750" indent="-285750">
+              <a:lnSpc>
+                <a:spcPct val="150000"/>
+              </a:lnSpc>
+              <a:buFont typeface="Wingdings" pitchFamily="2" charset="2"/>
+              <a:buChar char="Ø"/>
+            </a:pPr>
+            <a:r>
+              <a:rPr lang="en-US" dirty="0">
+                <a:latin typeface="Times New Roman" panose="02020603050405020304" pitchFamily="18" charset="0"/>
+                <a:cs typeface="Times New Roman" panose="02020603050405020304" pitchFamily="18" charset="0"/>
+              </a:rPr>
+              <a:t>Stages a bean goes through, from its creation to its eventual destruction. </a:t>
+            </a:r>
+          </a:p>
+          <a:p>
+            <a:pPr marL="285750" indent="-285750">
+              <a:lnSpc>
+                <a:spcPct val="150000"/>
+              </a:lnSpc>
+              <a:buFont typeface="Wingdings" pitchFamily="2" charset="2"/>
+              <a:buChar char="Ø"/>
+            </a:pPr>
+            <a:r>
+              <a:rPr lang="en-US" dirty="0">
+                <a:latin typeface="Times New Roman" panose="02020603050405020304" pitchFamily="18" charset="0"/>
+                <a:cs typeface="Times New Roman" panose="02020603050405020304" pitchFamily="18" charset="0"/>
+              </a:rPr>
+              <a:t>This lifecycle is managed by the Spring container (</a:t>
+            </a:r>
+            <a:r>
+              <a:rPr lang="en-US" dirty="0" err="1">
+                <a:latin typeface="Times New Roman" panose="02020603050405020304" pitchFamily="18" charset="0"/>
+                <a:cs typeface="Times New Roman" panose="02020603050405020304" pitchFamily="18" charset="0"/>
+              </a:rPr>
+              <a:t>BeanFactory</a:t>
+            </a:r>
+            <a:r>
+              <a:rPr lang="en-US" dirty="0">
+                <a:latin typeface="Times New Roman" panose="02020603050405020304" pitchFamily="18" charset="0"/>
+                <a:cs typeface="Times New Roman" panose="02020603050405020304" pitchFamily="18" charset="0"/>
+              </a:rPr>
+              <a:t>) to ensure beans are properly initialized, used, and cleaned up.</a:t>
+            </a:r>
+          </a:p>
+        </p:txBody>
+      </p:sp>
+      <p:sp>
+        <p:nvSpPr>
+          <p:cNvPr id="2" name="Rectangle 1">
+            <a:extLst>
+              <a:ext uri="{FF2B5EF4-FFF2-40B4-BE49-F238E27FC236}">
+                <a16:creationId xmlns:a16="http://schemas.microsoft.com/office/drawing/2014/main" id="{48F9CE81-C1F0-B68D-8064-60FA8458DF94}"/>
+              </a:ext>
+            </a:extLst>
+          </p:cNvPr>
+          <p:cNvSpPr/>
+          <p:nvPr/>
+        </p:nvSpPr>
+        <p:spPr>
+          <a:xfrm>
+            <a:off x="906195" y="566631"/>
+            <a:ext cx="4666663" cy="923330"/>
+          </a:xfrm>
+          <a:prstGeom prst="rect">
+            <a:avLst/>
+          </a:prstGeom>
+          <a:noFill/>
+        </p:spPr>
+        <p:txBody>
+          <a:bodyPr wrap="none" lIns="91440" tIns="45720" rIns="91440" bIns="45720">
+            <a:spAutoFit/>
+            <a:scene3d>
+              <a:camera prst="orthographicFront"/>
+              <a:lightRig rig="soft" dir="t">
+                <a:rot lat="0" lon="0" rev="15600000"/>
+              </a:lightRig>
+            </a:scene3d>
+            <a:sp3d extrusionH="57150" prstMaterial="softEdge">
+              <a:bevelT w="25400" h="38100"/>
+            </a:sp3d>
+          </a:bodyPr>
+          <a:lstStyle/>
+          <a:p>
+            <a:pPr algn="ctr"/>
+            <a:r>
+              <a:rPr lang="en-GB" sz="5400" dirty="0">
+                <a:ln w="0"/>
+                <a:gradFill>
+                  <a:gsLst>
+                    <a:gs pos="0">
+                      <a:schemeClr val="accent5">
+                        <a:lumMod val="50000"/>
+                      </a:schemeClr>
+                    </a:gs>
+                    <a:gs pos="50000">
+                      <a:schemeClr val="accent5"/>
+                    </a:gs>
+                    <a:gs pos="100000">
+                      <a:schemeClr val="accent5">
+                        <a:lumMod val="60000"/>
+                        <a:lumOff val="40000"/>
+                      </a:schemeClr>
+                    </a:gs>
+                  </a:gsLst>
+                  <a:lin ang="5400000"/>
+                </a:gradFill>
+                <a:effectLst>
+                  <a:reflection blurRad="6350" stA="53000" endA="300" endPos="35500" dir="5400000" sy="-90000" algn="bl" rotWithShape="0"/>
+                </a:effectLst>
+                <a:latin typeface="Times New Roman" panose="02020603050405020304" pitchFamily="18" charset="0"/>
+                <a:cs typeface="Times New Roman" panose="02020603050405020304" pitchFamily="18" charset="0"/>
+              </a:rPr>
+              <a:t>Beans Lifecycle</a:t>
+            </a:r>
+          </a:p>
+        </p:txBody>
+      </p:sp>
+      <p:pic>
+        <p:nvPicPr>
+          <p:cNvPr id="1026" name="Picture 2">
+            <a:extLst>
+              <a:ext uri="{FF2B5EF4-FFF2-40B4-BE49-F238E27FC236}">
+                <a16:creationId xmlns:a16="http://schemas.microsoft.com/office/drawing/2014/main" id="{D4636800-09E1-6D89-F619-2D027B82AF5A}"/>
+              </a:ext>
+            </a:extLst>
+          </p:cNvPr>
+          <p:cNvPicPr>
+            <a:picLocks noChangeAspect="1" noChangeArrowheads="1"/>
+          </p:cNvPicPr>
+          <p:nvPr/>
+        </p:nvPicPr>
+        <p:blipFill rotWithShape="1">
+          <a:blip r:embed="rId3">
+            <a:extLst>
+              <a:ext uri="{28A0092B-C50C-407E-A947-70E740481C1C}">
+                <a14:useLocalDpi xmlns:a14="http://schemas.microsoft.com/office/drawing/2010/main" val="0"/>
+              </a:ext>
+            </a:extLst>
+          </a:blip>
+          <a:srcRect l="3742"/>
+          <a:stretch/>
+        </p:blipFill>
+        <p:spPr bwMode="auto">
+          <a:xfrm>
+            <a:off x="1099335" y="3291695"/>
+            <a:ext cx="8304071" cy="2709375"/>
+          </a:xfrm>
+          <a:prstGeom prst="rect">
+            <a:avLst/>
+          </a:prstGeom>
+          <a:noFill/>
+          <a:extLst>
+            <a:ext uri="{909E8E84-426E-40DD-AFC4-6F175D3DCCD1}">
+              <a14:hiddenFill xmlns:a14="http://schemas.microsoft.com/office/drawing/2010/main">
+                <a:solidFill>
+                  <a:srgbClr val="FFFFFF"/>
+                </a:solidFill>
+              </a14:hiddenFill>
+            </a:ext>
+          </a:extLst>
+        </p:spPr>
+      </p:pic>
+    </p:spTree>
+    <p:extLst>
+      <p:ext uri="{BB962C8B-B14F-4D97-AF65-F5344CB8AC3E}">
+        <p14:creationId xmlns:p14="http://schemas.microsoft.com/office/powerpoint/2010/main" val="2704640334"/>
+      </p:ext>
+    </p:extLst>
+  </p:cSld>
+  <p:clrMapOvr>
+    <a:masterClrMapping/>
+  </p:clrMapOvr>
+  <mc:AlternateContent xmlns:mc="http://schemas.openxmlformats.org/markup-compatibility/2006" xmlns:p14="http://schemas.microsoft.com/office/powerpoint/2010/main">
+    <mc:Choice Requires="p14">
+      <p:transition spd="med" p14:dur="700">
+        <p:fade/>
+      </p:transition>
+    </mc:Choice>
+    <mc:Fallback xmlns="">
+      <p:transition spd="med">
+        <p:fade/>
+      </p:transition>
+    </mc:Fallback>
+  </mc:AlternateContent>
+  <p:timing>
+    <p:tnLst>
+      <p:par>
+        <p:cTn id="1" dur="indefinite" restart="never" nodeType="tmRoot">
+          <p:childTnLst>
+            <p:seq concurrent="1" nextAc="seek">
+              <p:cTn id="2" dur="indefinite" nodeType="mainSeq">
+                <p:childTnLst>
+                  <p:par>
+                    <p:cTn id="3" fill="hold">
+                      <p:stCondLst>
+                        <p:cond delay="indefinite"/>
+                      </p:stCondLst>
+                      <p:childTnLst>
+                        <p:par>
+                          <p:cTn id="4" fill="hold">
+                            <p:stCondLst>
+                              <p:cond delay="0"/>
+                            </p:stCondLst>
+                            <p:childTnLst>
+                              <p:par>
+                                <p:cTn id="5" presetID="1" presetClass="entr" presetSubtype="0" fill="hold" nodeType="clickEffect">
+                                  <p:stCondLst>
+                                    <p:cond delay="0"/>
+                                  </p:stCondLst>
+                                  <p:childTnLst>
+                                    <p:set>
+                                      <p:cBhvr>
+                                        <p:cTn id="6" dur="1" fill="hold">
+                                          <p:stCondLst>
+                                            <p:cond delay="0"/>
+                                          </p:stCondLst>
+                                        </p:cTn>
+                                        <p:tgtEl>
+                                          <p:spTgt spid="3">
+                                            <p:txEl>
+                                              <p:pRg st="0" end="0"/>
+                                            </p:txEl>
+                                          </p:spTgt>
+                                        </p:tgtEl>
+                                        <p:attrNameLst>
+                                          <p:attrName>style.visibility</p:attrName>
+                                        </p:attrNameLst>
+                                      </p:cBhvr>
+                                      <p:to>
+                                        <p:strVal val="visible"/>
+                                      </p:to>
+                                    </p:set>
+                                  </p:childTnLst>
+                                </p:cTn>
+                              </p:par>
+                            </p:childTnLst>
+                          </p:cTn>
+                        </p:par>
+                      </p:childTnLst>
+                    </p:cTn>
+                  </p:par>
+                  <p:par>
+                    <p:cTn id="7" fill="hold">
+                      <p:stCondLst>
+                        <p:cond delay="indefinite"/>
+                      </p:stCondLst>
+                      <p:childTnLst>
+                        <p:par>
+                          <p:cTn id="8" fill="hold">
+                            <p:stCondLst>
+                              <p:cond delay="0"/>
+                            </p:stCondLst>
+                            <p:childTnLst>
+                              <p:par>
+                                <p:cTn id="9" presetID="3" presetClass="entr" presetSubtype="10" fill="hold" nodeType="clickEffect">
+                                  <p:stCondLst>
+                                    <p:cond delay="0"/>
+                                  </p:stCondLst>
+                                  <p:childTnLst>
+                                    <p:set>
+                                      <p:cBhvr>
+                                        <p:cTn id="10" dur="1" fill="hold">
+                                          <p:stCondLst>
+                                            <p:cond delay="0"/>
+                                          </p:stCondLst>
+                                        </p:cTn>
+                                        <p:tgtEl>
+                                          <p:spTgt spid="3">
+                                            <p:txEl>
+                                              <p:pRg st="1" end="1"/>
+                                            </p:txEl>
+                                          </p:spTgt>
+                                        </p:tgtEl>
+                                        <p:attrNameLst>
+                                          <p:attrName>style.visibility</p:attrName>
+                                        </p:attrNameLst>
+                                      </p:cBhvr>
+                                      <p:to>
+                                        <p:strVal val="visible"/>
+                                      </p:to>
+                                    </p:set>
+                                    <p:animEffect transition="in" filter="blinds(horizontal)">
+                                      <p:cBhvr>
+                                        <p:cTn id="11" dur="500"/>
+                                        <p:tgtEl>
+                                          <p:spTgt spid="3">
+                                            <p:txEl>
+                                              <p:pRg st="1" end="1"/>
+                                            </p:txEl>
+                                          </p:spTgt>
+                                        </p:tgtEl>
+                                      </p:cBhvr>
+                                    </p:animEffect>
+                                  </p:childTnLst>
+                                </p:cTn>
+                              </p:par>
+                            </p:childTnLst>
+                          </p:cTn>
+                        </p:par>
+                      </p:childTnLst>
+                    </p:cTn>
+                  </p:par>
+                  <p:par>
+                    <p:cTn id="12" fill="hold">
+                      <p:stCondLst>
+                        <p:cond delay="indefinite"/>
+                      </p:stCondLst>
+                      <p:childTnLst>
+                        <p:par>
+                          <p:cTn id="13" fill="hold">
+                            <p:stCondLst>
+                              <p:cond delay="0"/>
+                            </p:stCondLst>
+                            <p:childTnLst>
+                              <p:par>
+                                <p:cTn id="14" presetID="9" presetClass="entr" presetSubtype="0" fill="hold" nodeType="clickEffect">
+                                  <p:stCondLst>
+                                    <p:cond delay="0"/>
+                                  </p:stCondLst>
+                                  <p:childTnLst>
+                                    <p:set>
+                                      <p:cBhvr>
+                                        <p:cTn id="15" dur="1" fill="hold">
+                                          <p:stCondLst>
+                                            <p:cond delay="0"/>
+                                          </p:stCondLst>
+                                        </p:cTn>
+                                        <p:tgtEl>
+                                          <p:spTgt spid="1026"/>
+                                        </p:tgtEl>
+                                        <p:attrNameLst>
+                                          <p:attrName>style.visibility</p:attrName>
+                                        </p:attrNameLst>
+                                      </p:cBhvr>
+                                      <p:to>
+                                        <p:strVal val="visible"/>
+                                      </p:to>
+                                    </p:set>
+                                    <p:animEffect transition="in" filter="dissolve">
+                                      <p:cBhvr>
+                                        <p:cTn id="16" dur="500"/>
+                                        <p:tgtEl>
+                                          <p:spTgt spid="1026"/>
+                                        </p:tgtEl>
+                                      </p:cBhvr>
+                                    </p:animEffect>
+                                  </p:childTnLst>
+                                </p:cTn>
+                              </p:par>
+                            </p:childTnLst>
+                          </p:cTn>
+                        </p:par>
+                      </p:childTnLst>
+                    </p:cTn>
+                  </p:par>
+                </p:childTnLst>
+              </p:cTn>
+              <p:prevCondLst>
+                <p:cond evt="onPrev" delay="0">
+                  <p:tgtEl>
+                    <p:sldTgt/>
+                  </p:tgtEl>
+                </p:cond>
+              </p:prevCondLst>
+              <p:nextCondLst>
+                <p:cond evt="onNext" delay="0">
+                  <p:tgtEl>
+                    <p:sldTgt/>
+                  </p:tgtEl>
+                </p:cond>
+              </p:nextCondLst>
+            </p:seq>
+          </p:childTnLst>
+        </p:cTn>
+      </p:par>
+    </p:tnLst>
+  </p:timing>
+</p:sld>
+</file>
+
+<file path=ppt/slides/slide13.xml><?xml version="1.0" encoding="utf-8"?>
+<p:sld xmlns:a="http://schemas.openxmlformats.org/drawingml/2006/main" xmlns:r="http://schemas.openxmlformats.org/officeDocument/2006/relationships" xmlns:p="http://schemas.openxmlformats.org/presentationml/2006/main">
+  <p:cSld>
+    <p:bg>
+      <p:bgPr>
+        <a:blipFill dpi="0" rotWithShape="1">
+          <a:blip r:embed="rId2">
+            <a:lum/>
+          </a:blip>
+          <a:srcRect/>
+          <a:stretch>
+            <a:fillRect/>
+          </a:stretch>
+        </a:blipFill>
+        <a:effectLst/>
+      </p:bgPr>
+    </p:bg>
+    <p:spTree>
+      <p:nvGrpSpPr>
+        <p:cNvPr id="1" name=""/>
+        <p:cNvGrpSpPr/>
+        <p:nvPr/>
+      </p:nvGrpSpPr>
+      <p:grpSpPr>
+        <a:xfrm>
+          <a:off x="0" y="0"/>
+          <a:ext cx="0" cy="0"/>
+          <a:chOff x="0" y="0"/>
+          <a:chExt cx="0" cy="0"/>
+        </a:xfrm>
+      </p:grpSpPr>
+      <p:sp>
+        <p:nvSpPr>
+          <p:cNvPr id="3" name="TextBox 2">
+            <a:extLst>
+              <a:ext uri="{FF2B5EF4-FFF2-40B4-BE49-F238E27FC236}">
+                <a16:creationId xmlns:a16="http://schemas.microsoft.com/office/drawing/2014/main" id="{E634EB09-B96B-3B94-C9B4-780CAFDCDF1C}"/>
+              </a:ext>
+            </a:extLst>
+          </p:cNvPr>
+          <p:cNvSpPr txBox="1"/>
+          <p:nvPr/>
+        </p:nvSpPr>
+        <p:spPr>
+          <a:xfrm>
+            <a:off x="906195" y="1489961"/>
+            <a:ext cx="9134763" cy="2126864"/>
+          </a:xfrm>
+          <a:prstGeom prst="rect">
+            <a:avLst/>
+          </a:prstGeom>
+          <a:noFill/>
+        </p:spPr>
+        <p:txBody>
+          <a:bodyPr wrap="square" rtlCol="0">
+            <a:spAutoFit/>
+          </a:bodyPr>
+          <a:lstStyle/>
+          <a:p>
+            <a:pPr marL="285750" indent="-285750">
+              <a:lnSpc>
+                <a:spcPct val="150000"/>
+              </a:lnSpc>
+              <a:buFont typeface="Wingdings" pitchFamily="2" charset="2"/>
+              <a:buChar char="Ø"/>
+            </a:pPr>
+            <a:r>
+              <a:rPr lang="en-US" dirty="0">
+                <a:latin typeface="Times New Roman" panose="02020603050405020304" pitchFamily="18" charset="0"/>
+                <a:cs typeface="Times New Roman" panose="02020603050405020304" pitchFamily="18" charset="0"/>
+              </a:rPr>
+              <a:t>Use </a:t>
+            </a:r>
+            <a:r>
+              <a:rPr lang="en-US" b="1" dirty="0" err="1">
+                <a:latin typeface="Times New Roman" panose="02020603050405020304" pitchFamily="18" charset="0"/>
+                <a:cs typeface="Times New Roman" panose="02020603050405020304" pitchFamily="18" charset="0"/>
+              </a:rPr>
+              <a:t>InitializingBean</a:t>
+            </a:r>
+            <a:r>
+              <a:rPr lang="en-US" b="1" dirty="0">
+                <a:latin typeface="Times New Roman" panose="02020603050405020304" pitchFamily="18" charset="0"/>
+                <a:cs typeface="Times New Roman" panose="02020603050405020304" pitchFamily="18" charset="0"/>
+              </a:rPr>
+              <a:t> </a:t>
+            </a:r>
+            <a:r>
+              <a:rPr lang="en-US" dirty="0">
+                <a:latin typeface="Times New Roman" panose="02020603050405020304" pitchFamily="18" charset="0"/>
+                <a:cs typeface="Times New Roman" panose="02020603050405020304" pitchFamily="18" charset="0"/>
+              </a:rPr>
+              <a:t>interface and override </a:t>
+            </a:r>
+            <a:r>
+              <a:rPr lang="en-US" b="1" dirty="0" err="1">
+                <a:latin typeface="Times New Roman" panose="02020603050405020304" pitchFamily="18" charset="0"/>
+                <a:cs typeface="Times New Roman" panose="02020603050405020304" pitchFamily="18" charset="0"/>
+              </a:rPr>
+              <a:t>afterPropertiesSet</a:t>
+            </a:r>
+            <a:r>
+              <a:rPr lang="en-US" dirty="0">
+                <a:latin typeface="Times New Roman" panose="02020603050405020304" pitchFamily="18" charset="0"/>
+                <a:cs typeface="Times New Roman" panose="02020603050405020304" pitchFamily="18" charset="0"/>
+              </a:rPr>
+              <a:t>() method for initializing purpose or use @</a:t>
+            </a:r>
+            <a:r>
+              <a:rPr lang="en-US" b="1" dirty="0" err="1">
+                <a:latin typeface="Times New Roman" panose="02020603050405020304" pitchFamily="18" charset="0"/>
+                <a:cs typeface="Times New Roman" panose="02020603050405020304" pitchFamily="18" charset="0"/>
+              </a:rPr>
+              <a:t>PostConstruct</a:t>
+            </a:r>
+            <a:r>
+              <a:rPr lang="en-US" b="1" dirty="0">
+                <a:latin typeface="Times New Roman" panose="02020603050405020304" pitchFamily="18" charset="0"/>
+                <a:cs typeface="Times New Roman" panose="02020603050405020304" pitchFamily="18" charset="0"/>
+              </a:rPr>
+              <a:t> </a:t>
+            </a:r>
+            <a:r>
+              <a:rPr lang="en-US" dirty="0">
+                <a:latin typeface="Times New Roman" panose="02020603050405020304" pitchFamily="18" charset="0"/>
+                <a:cs typeface="Times New Roman" panose="02020603050405020304" pitchFamily="18" charset="0"/>
+              </a:rPr>
+              <a:t>annotation.</a:t>
+            </a:r>
+          </a:p>
+          <a:p>
+            <a:pPr marL="285750" indent="-285750">
+              <a:lnSpc>
+                <a:spcPct val="150000"/>
+              </a:lnSpc>
+              <a:buFont typeface="Wingdings" pitchFamily="2" charset="2"/>
+              <a:buChar char="Ø"/>
+            </a:pPr>
+            <a:r>
+              <a:rPr lang="en-US" dirty="0">
+                <a:latin typeface="Times New Roman" panose="02020603050405020304" pitchFamily="18" charset="0"/>
+                <a:cs typeface="Times New Roman" panose="02020603050405020304" pitchFamily="18" charset="0"/>
+              </a:rPr>
+              <a:t>Use </a:t>
+            </a:r>
+            <a:r>
+              <a:rPr lang="en-US" b="1" dirty="0" err="1">
+                <a:latin typeface="Times New Roman" panose="02020603050405020304" pitchFamily="18" charset="0"/>
+                <a:cs typeface="Times New Roman" panose="02020603050405020304" pitchFamily="18" charset="0"/>
+              </a:rPr>
+              <a:t>DisposableBean</a:t>
+            </a:r>
+            <a:r>
+              <a:rPr lang="en-US" b="1" dirty="0">
+                <a:latin typeface="Times New Roman" panose="02020603050405020304" pitchFamily="18" charset="0"/>
+                <a:cs typeface="Times New Roman" panose="02020603050405020304" pitchFamily="18" charset="0"/>
+              </a:rPr>
+              <a:t> </a:t>
+            </a:r>
+            <a:r>
+              <a:rPr lang="en-US" dirty="0">
+                <a:latin typeface="Times New Roman" panose="02020603050405020304" pitchFamily="18" charset="0"/>
+                <a:cs typeface="Times New Roman" panose="02020603050405020304" pitchFamily="18" charset="0"/>
+              </a:rPr>
+              <a:t>interface and override </a:t>
+            </a:r>
+            <a:r>
+              <a:rPr lang="en-US" b="1" dirty="0">
+                <a:latin typeface="Times New Roman" panose="02020603050405020304" pitchFamily="18" charset="0"/>
+                <a:cs typeface="Times New Roman" panose="02020603050405020304" pitchFamily="18" charset="0"/>
+              </a:rPr>
+              <a:t>destroy </a:t>
+            </a:r>
+            <a:r>
+              <a:rPr lang="en-US" dirty="0">
+                <a:latin typeface="Times New Roman" panose="02020603050405020304" pitchFamily="18" charset="0"/>
+                <a:cs typeface="Times New Roman" panose="02020603050405020304" pitchFamily="18" charset="0"/>
+              </a:rPr>
+              <a:t>() method for initializing purpose or use @</a:t>
+            </a:r>
+            <a:r>
+              <a:rPr lang="en-US" b="1" dirty="0" err="1">
+                <a:latin typeface="Times New Roman" panose="02020603050405020304" pitchFamily="18" charset="0"/>
+                <a:cs typeface="Times New Roman" panose="02020603050405020304" pitchFamily="18" charset="0"/>
+              </a:rPr>
+              <a:t>PreDestroy</a:t>
+            </a:r>
+            <a:r>
+              <a:rPr lang="en-US" b="1" dirty="0">
+                <a:latin typeface="Times New Roman" panose="02020603050405020304" pitchFamily="18" charset="0"/>
+                <a:cs typeface="Times New Roman" panose="02020603050405020304" pitchFamily="18" charset="0"/>
+              </a:rPr>
+              <a:t> </a:t>
+            </a:r>
+            <a:r>
+              <a:rPr lang="en-US" dirty="0">
+                <a:latin typeface="Times New Roman" panose="02020603050405020304" pitchFamily="18" charset="0"/>
+                <a:cs typeface="Times New Roman" panose="02020603050405020304" pitchFamily="18" charset="0"/>
+              </a:rPr>
+              <a:t>annotation.</a:t>
+            </a:r>
+            <a:endParaRPr lang="en-IN" dirty="0">
+              <a:solidFill>
+                <a:srgbClr val="BCBEC4"/>
+              </a:solidFill>
+              <a:effectLst/>
+            </a:endParaRPr>
+          </a:p>
+          <a:p>
+            <a:pPr marL="285750" indent="-285750">
+              <a:lnSpc>
+                <a:spcPct val="150000"/>
+              </a:lnSpc>
+              <a:buFont typeface="Wingdings" pitchFamily="2" charset="2"/>
+              <a:buChar char="Ø"/>
+            </a:pPr>
+            <a:endParaRPr lang="en-IN" dirty="0">
+              <a:solidFill>
+                <a:srgbClr val="BCBEC4"/>
+              </a:solidFill>
+              <a:effectLst/>
+            </a:endParaRPr>
+          </a:p>
+        </p:txBody>
+      </p:sp>
+      <p:sp>
+        <p:nvSpPr>
+          <p:cNvPr id="2" name="Rectangle 1">
+            <a:extLst>
+              <a:ext uri="{FF2B5EF4-FFF2-40B4-BE49-F238E27FC236}">
+                <a16:creationId xmlns:a16="http://schemas.microsoft.com/office/drawing/2014/main" id="{48F9CE81-C1F0-B68D-8064-60FA8458DF94}"/>
+              </a:ext>
+            </a:extLst>
+          </p:cNvPr>
+          <p:cNvSpPr/>
+          <p:nvPr/>
+        </p:nvSpPr>
+        <p:spPr>
+          <a:xfrm>
+            <a:off x="696412" y="566631"/>
+            <a:ext cx="8456162" cy="923330"/>
+          </a:xfrm>
+          <a:prstGeom prst="rect">
+            <a:avLst/>
+          </a:prstGeom>
+          <a:noFill/>
+        </p:spPr>
+        <p:txBody>
+          <a:bodyPr wrap="none" lIns="91440" tIns="45720" rIns="91440" bIns="45720">
+            <a:spAutoFit/>
+            <a:scene3d>
+              <a:camera prst="orthographicFront"/>
+              <a:lightRig rig="soft" dir="t">
+                <a:rot lat="0" lon="0" rev="15600000"/>
+              </a:lightRig>
+            </a:scene3d>
+            <a:sp3d extrusionH="57150" prstMaterial="softEdge">
+              <a:bevelT w="25400" h="38100"/>
+            </a:sp3d>
+          </a:bodyPr>
+          <a:lstStyle/>
+          <a:p>
+            <a:pPr algn="ctr"/>
+            <a:r>
+              <a:rPr lang="en-GB" sz="5400" dirty="0">
+                <a:ln w="0"/>
+                <a:gradFill>
+                  <a:gsLst>
+                    <a:gs pos="0">
+                      <a:schemeClr val="accent5">
+                        <a:lumMod val="50000"/>
+                      </a:schemeClr>
+                    </a:gs>
+                    <a:gs pos="50000">
+                      <a:schemeClr val="accent5"/>
+                    </a:gs>
+                    <a:gs pos="100000">
+                      <a:schemeClr val="accent5">
+                        <a:lumMod val="60000"/>
+                        <a:lumOff val="40000"/>
+                      </a:schemeClr>
+                    </a:gs>
+                  </a:gsLst>
+                  <a:lin ang="5400000"/>
+                </a:gradFill>
+                <a:effectLst>
+                  <a:reflection blurRad="6350" stA="53000" endA="300" endPos="35500" dir="5400000" sy="-90000" algn="bl" rotWithShape="0"/>
+                </a:effectLst>
+                <a:latin typeface="Times New Roman" panose="02020603050405020304" pitchFamily="18" charset="0"/>
+                <a:cs typeface="Times New Roman" panose="02020603050405020304" pitchFamily="18" charset="0"/>
+              </a:rPr>
+              <a:t>Implementing Bean Lifecycle</a:t>
+            </a:r>
+          </a:p>
+        </p:txBody>
+      </p:sp>
+    </p:spTree>
+    <p:extLst>
+      <p:ext uri="{BB962C8B-B14F-4D97-AF65-F5344CB8AC3E}">
+        <p14:creationId xmlns:p14="http://schemas.microsoft.com/office/powerpoint/2010/main" val="3415519853"/>
+      </p:ext>
+    </p:extLst>
+  </p:cSld>
+  <p:clrMapOvr>
+    <a:masterClrMapping/>
+  </p:clrMapOvr>
+  <mc:AlternateContent xmlns:mc="http://schemas.openxmlformats.org/markup-compatibility/2006" xmlns:p14="http://schemas.microsoft.com/office/powerpoint/2010/main">
+    <mc:Choice Requires="p14">
+      <p:transition spd="med" p14:dur="700">
+        <p:fade/>
+      </p:transition>
+    </mc:Choice>
+    <mc:Fallback xmlns="">
+      <p:transition spd="med">
+        <p:fade/>
+      </p:transition>
+    </mc:Fallback>
+  </mc:AlternateContent>
+  <p:timing>
+    <p:tnLst>
+      <p:par>
+        <p:cTn id="1" dur="indefinite" restart="never" nodeType="tmRoot">
+          <p:childTnLst>
+            <p:seq concurrent="1" nextAc="seek">
+              <p:cTn id="2" dur="indefinite" nodeType="mainSeq">
+                <p:childTnLst>
+                  <p:par>
+                    <p:cTn id="3" fill="hold">
+                      <p:stCondLst>
+                        <p:cond delay="indefinite"/>
+                      </p:stCondLst>
+                      <p:childTnLst>
+                        <p:par>
+                          <p:cTn id="4" fill="hold">
+                            <p:stCondLst>
+                              <p:cond delay="0"/>
+                            </p:stCondLst>
+                            <p:childTnLst>
+                              <p:par>
+                                <p:cTn id="5" presetID="1" presetClass="entr" presetSubtype="0" fill="hold" nodeType="clickEffect">
+                                  <p:stCondLst>
+                                    <p:cond delay="0"/>
+                                  </p:stCondLst>
+                                  <p:childTnLst>
+                                    <p:set>
+                                      <p:cBhvr>
+                                        <p:cTn id="6" dur="1" fill="hold">
+                                          <p:stCondLst>
+                                            <p:cond delay="0"/>
+                                          </p:stCondLst>
+                                        </p:cTn>
+                                        <p:tgtEl>
+                                          <p:spTgt spid="3">
+                                            <p:txEl>
+                                              <p:pRg st="0" end="0"/>
+                                            </p:txEl>
+                                          </p:spTgt>
+                                        </p:tgtEl>
+                                        <p:attrNameLst>
+                                          <p:attrName>style.visibility</p:attrName>
+                                        </p:attrNameLst>
+                                      </p:cBhvr>
+                                      <p:to>
+                                        <p:strVal val="visible"/>
+                                      </p:to>
+                                    </p:set>
+                                  </p:childTnLst>
+                                </p:cTn>
+                              </p:par>
+                            </p:childTnLst>
+                          </p:cTn>
+                        </p:par>
+                      </p:childTnLst>
+                    </p:cTn>
+                  </p:par>
+                  <p:par>
+                    <p:cTn id="7" fill="hold">
+                      <p:stCondLst>
+                        <p:cond delay="indefinite"/>
+                      </p:stCondLst>
+                      <p:childTnLst>
+                        <p:par>
+                          <p:cTn id="8" fill="hold">
+                            <p:stCondLst>
+                              <p:cond delay="0"/>
+                            </p:stCondLst>
+                            <p:childTnLst>
+                              <p:par>
+                                <p:cTn id="9" presetID="1" presetClass="entr" presetSubtype="0" fill="hold" nodeType="clickEffect">
+                                  <p:stCondLst>
+                                    <p:cond delay="0"/>
+                                  </p:stCondLst>
+                                  <p:childTnLst>
+                                    <p:set>
+                                      <p:cBhvr>
+                                        <p:cTn id="10" dur="1" fill="hold">
+                                          <p:stCondLst>
+                                            <p:cond delay="0"/>
+                                          </p:stCondLst>
+                                        </p:cTn>
+                                        <p:tgtEl>
+                                          <p:spTgt spid="3">
+                                            <p:txEl>
+                                              <p:pRg st="1" end="1"/>
+                                            </p:txEl>
+                                          </p:spTgt>
+                                        </p:tgtEl>
+                                        <p:attrNameLst>
+                                          <p:attrName>style.visibility</p:attrName>
+                                        </p:attrNameLst>
+                                      </p:cBhvr>
+                                      <p:to>
+                                        <p:strVal val="visible"/>
+                                      </p:to>
+                                    </p:set>
+                                  </p:childTnLst>
+                                </p:cTn>
+                              </p:par>
+                            </p:childTnLst>
+                          </p:cTn>
+                        </p:par>
+                      </p:childTnLst>
+                    </p:cTn>
+                  </p:par>
+                </p:childTnLst>
+              </p:cTn>
+              <p:prevCondLst>
+                <p:cond evt="onPrev" delay="0">
+                  <p:tgtEl>
+                    <p:sldTgt/>
+                  </p:tgtEl>
+                </p:cond>
+              </p:prevCondLst>
+              <p:nextCondLst>
+                <p:cond evt="onNext" delay="0">
+                  <p:tgtEl>
+                    <p:sldTgt/>
+                  </p:tgtEl>
+                </p:cond>
+              </p:nextCondLst>
+            </p:seq>
+          </p:childTnLst>
+        </p:cTn>
+      </p:par>
+    </p:tnLst>
+  </p:timing>
 </p:sld>
 </file>
 
@@ -3603,6 +5503,18 @@
   <p:clrMapOvr>
     <a:masterClrMapping/>
   </p:clrMapOvr>
+  <mc:AlternateContent xmlns:mc="http://schemas.openxmlformats.org/markup-compatibility/2006" xmlns:p14="http://schemas.microsoft.com/office/powerpoint/2010/main">
+    <mc:Choice Requires="p14">
+      <p:transition spd="med" p14:dur="700">
+        <p:fade/>
+      </p:transition>
+    </mc:Choice>
+    <mc:Fallback xmlns="">
+      <p:transition spd="med">
+        <p:fade/>
+      </p:transition>
+    </mc:Fallback>
+  </mc:AlternateContent>
 </p:sld>
 </file>
 
@@ -3805,6 +5717,18 @@
   <p:clrMapOvr>
     <a:masterClrMapping/>
   </p:clrMapOvr>
+  <mc:AlternateContent xmlns:mc="http://schemas.openxmlformats.org/markup-compatibility/2006" xmlns:p14="http://schemas.microsoft.com/office/powerpoint/2010/main">
+    <mc:Choice Requires="p14">
+      <p:transition spd="med" p14:dur="700">
+        <p:fade/>
+      </p:transition>
+    </mc:Choice>
+    <mc:Fallback xmlns="">
+      <p:transition spd="med">
+        <p:fade/>
+      </p:transition>
+    </mc:Fallback>
+  </mc:AlternateContent>
 </p:sld>
 </file>
 
@@ -4055,6 +5979,18 @@
   <p:clrMapOvr>
     <a:masterClrMapping/>
   </p:clrMapOvr>
+  <mc:AlternateContent xmlns:mc="http://schemas.openxmlformats.org/markup-compatibility/2006" xmlns:p14="http://schemas.microsoft.com/office/powerpoint/2010/main">
+    <mc:Choice Requires="p14">
+      <p:transition spd="med" p14:dur="700">
+        <p:fade/>
+      </p:transition>
+    </mc:Choice>
+    <mc:Fallback xmlns="">
+      <p:transition spd="med">
+        <p:fade/>
+      </p:transition>
+    </mc:Fallback>
+  </mc:AlternateContent>
 </p:sld>
 </file>
 
@@ -4217,6 +6153,18 @@
   <p:clrMapOvr>
     <a:masterClrMapping/>
   </p:clrMapOvr>
+  <mc:AlternateContent xmlns:mc="http://schemas.openxmlformats.org/markup-compatibility/2006" xmlns:p14="http://schemas.microsoft.com/office/powerpoint/2010/main">
+    <mc:Choice Requires="p14">
+      <p:transition spd="med" p14:dur="700">
+        <p:fade/>
+      </p:transition>
+    </mc:Choice>
+    <mc:Fallback xmlns="">
+      <p:transition spd="med">
+        <p:fade/>
+      </p:transition>
+    </mc:Fallback>
+  </mc:AlternateContent>
 </p:sld>
 </file>
 
@@ -4439,6 +6387,18 @@
   <p:clrMapOvr>
     <a:masterClrMapping/>
   </p:clrMapOvr>
+  <mc:AlternateContent xmlns:mc="http://schemas.openxmlformats.org/markup-compatibility/2006" xmlns:p14="http://schemas.microsoft.com/office/powerpoint/2010/main">
+    <mc:Choice Requires="p14">
+      <p:transition spd="med" p14:dur="700">
+        <p:fade/>
+      </p:transition>
+    </mc:Choice>
+    <mc:Fallback xmlns="">
+      <p:transition spd="med">
+        <p:fade/>
+      </p:transition>
+    </mc:Fallback>
+  </mc:AlternateContent>
 </p:sld>
 </file>
 
@@ -4675,6 +6635,18 @@
   <p:clrMapOvr>
     <a:masterClrMapping/>
   </p:clrMapOvr>
+  <mc:AlternateContent xmlns:mc="http://schemas.openxmlformats.org/markup-compatibility/2006" xmlns:p14="http://schemas.microsoft.com/office/powerpoint/2010/main">
+    <mc:Choice Requires="p14">
+      <p:transition spd="med" p14:dur="700">
+        <p:fade/>
+      </p:transition>
+    </mc:Choice>
+    <mc:Fallback xmlns="">
+      <p:transition spd="med">
+        <p:fade/>
+      </p:transition>
+    </mc:Fallback>
+  </mc:AlternateContent>
 </p:sld>
 </file>
 
@@ -4723,8 +6695,8 @@
         </p:nvSpPr>
         <p:spPr>
           <a:xfrm>
-            <a:off x="906195" y="490127"/>
-            <a:ext cx="6282489" cy="923330"/>
+            <a:off x="906195" y="597278"/>
+            <a:ext cx="3550972" cy="923330"/>
           </a:xfrm>
           <a:prstGeom prst="rect">
             <a:avLst/>
@@ -4775,7 +6747,7 @@
                 <a:latin typeface="Times New Roman" panose="02020603050405020304" pitchFamily="18" charset="0"/>
                 <a:cs typeface="Times New Roman" panose="02020603050405020304" pitchFamily="18" charset="0"/>
               </a:rPr>
-              <a:t>Dependency Injection</a:t>
+              <a:t>Spring Boot</a:t>
             </a:r>
           </a:p>
         </p:txBody>
@@ -4795,7 +6767,7 @@
         <p:spPr>
           <a:xfrm>
             <a:off x="906195" y="1644073"/>
-            <a:ext cx="9134763" cy="646331"/>
+            <a:ext cx="9134763" cy="3693319"/>
           </a:xfrm>
           <a:prstGeom prst="rect">
             <a:avLst/>
@@ -4817,7 +6789,7 @@
                 <a:latin typeface="Times New Roman" panose="02020603050405020304" pitchFamily="18" charset="0"/>
                 <a:cs typeface="Times New Roman" panose="02020603050405020304" pitchFamily="18" charset="0"/>
               </a:rPr>
-              <a:t>Qualifier</a:t>
+              <a:t>Built on the top of Spring Framework.</a:t>
             </a:r>
           </a:p>
           <a:p>
@@ -4825,6 +6797,160 @@
               <a:buFont typeface="Wingdings" pitchFamily="2" charset="2"/>
               <a:buChar char="ü"/>
             </a:pPr>
+            <a:r>
+              <a:rPr lang="en-US" dirty="0">
+                <a:latin typeface="Times New Roman" panose="02020603050405020304" pitchFamily="18" charset="0"/>
+                <a:cs typeface="Times New Roman" panose="02020603050405020304" pitchFamily="18" charset="0"/>
+              </a:rPr>
+              <a:t>designed to simplify the development of Java applications.</a:t>
+            </a:r>
+          </a:p>
+          <a:p>
+            <a:pPr marL="285750" indent="-285750">
+              <a:buFont typeface="Wingdings" pitchFamily="2" charset="2"/>
+              <a:buChar char="ü"/>
+            </a:pPr>
+            <a:r>
+              <a:rPr lang="en-US" dirty="0">
+                <a:latin typeface="Times New Roman" panose="02020603050405020304" pitchFamily="18" charset="0"/>
+                <a:cs typeface="Times New Roman" panose="02020603050405020304" pitchFamily="18" charset="0"/>
+              </a:rPr>
+              <a:t>It addresses the issue of development </a:t>
+            </a:r>
+            <a:r>
+              <a:rPr lang="en-US" b="1" dirty="0">
+                <a:latin typeface="Times New Roman" panose="02020603050405020304" pitchFamily="18" charset="0"/>
+                <a:cs typeface="Times New Roman" panose="02020603050405020304" pitchFamily="18" charset="0"/>
+              </a:rPr>
+              <a:t>complexity</a:t>
+            </a:r>
+            <a:r>
+              <a:rPr lang="en-US" dirty="0">
+                <a:latin typeface="Times New Roman" panose="02020603050405020304" pitchFamily="18" charset="0"/>
+                <a:cs typeface="Times New Roman" panose="02020603050405020304" pitchFamily="18" charset="0"/>
+              </a:rPr>
+              <a:t> and </a:t>
+            </a:r>
+            <a:r>
+              <a:rPr lang="en-US" b="1" dirty="0">
+                <a:latin typeface="Times New Roman" panose="02020603050405020304" pitchFamily="18" charset="0"/>
+                <a:cs typeface="Times New Roman" panose="02020603050405020304" pitchFamily="18" charset="0"/>
+              </a:rPr>
+              <a:t>boilerplate code </a:t>
+            </a:r>
+            <a:r>
+              <a:rPr lang="en-US" dirty="0">
+                <a:latin typeface="Times New Roman" panose="02020603050405020304" pitchFamily="18" charset="0"/>
+                <a:cs typeface="Times New Roman" panose="02020603050405020304" pitchFamily="18" charset="0"/>
+              </a:rPr>
+              <a:t>that can be a hurdle in traditional Spring development.</a:t>
+            </a:r>
+          </a:p>
+          <a:p>
+            <a:pPr marL="285750" indent="-285750">
+              <a:buFont typeface="Wingdings" pitchFamily="2" charset="2"/>
+              <a:buChar char="ü"/>
+            </a:pPr>
+            <a:r>
+              <a:rPr lang="en-US" dirty="0">
+                <a:latin typeface="Times New Roman" panose="02020603050405020304" pitchFamily="18" charset="0"/>
+                <a:cs typeface="Times New Roman" panose="02020603050405020304" pitchFamily="18" charset="0"/>
+              </a:rPr>
+              <a:t>Reduced Boilerplate:</a:t>
+            </a:r>
+          </a:p>
+          <a:p>
+            <a:pPr marL="742950" lvl="1" indent="-285750">
+              <a:buFont typeface="Wingdings" pitchFamily="2" charset="2"/>
+              <a:buChar char="ü"/>
+            </a:pPr>
+            <a:r>
+              <a:rPr lang="en-US" dirty="0">
+                <a:latin typeface="Times New Roman" panose="02020603050405020304" pitchFamily="18" charset="0"/>
+                <a:cs typeface="Times New Roman" panose="02020603050405020304" pitchFamily="18" charset="0"/>
+              </a:rPr>
+              <a:t>Autoconfiguration</a:t>
+            </a:r>
+          </a:p>
+          <a:p>
+            <a:pPr marL="742950" lvl="1" indent="-285750">
+              <a:buFont typeface="Wingdings" pitchFamily="2" charset="2"/>
+              <a:buChar char="ü"/>
+            </a:pPr>
+            <a:r>
+              <a:rPr lang="en-US" dirty="0">
+                <a:latin typeface="Times New Roman" panose="02020603050405020304" pitchFamily="18" charset="0"/>
+                <a:cs typeface="Times New Roman" panose="02020603050405020304" pitchFamily="18" charset="0"/>
+              </a:rPr>
+              <a:t>Automatic Dependency Management</a:t>
+            </a:r>
+          </a:p>
+          <a:p>
+            <a:pPr marL="742950" lvl="1" indent="-285750">
+              <a:buFont typeface="Wingdings" pitchFamily="2" charset="2"/>
+              <a:buChar char="ü"/>
+            </a:pPr>
+            <a:r>
+              <a:rPr lang="en-US" dirty="0">
+                <a:latin typeface="Times New Roman" panose="02020603050405020304" pitchFamily="18" charset="0"/>
+                <a:cs typeface="Times New Roman" panose="02020603050405020304" pitchFamily="18" charset="0"/>
+              </a:rPr>
+              <a:t>Server Integration</a:t>
+            </a:r>
+          </a:p>
+          <a:p>
+            <a:pPr marL="285750" indent="-285750">
+              <a:buFont typeface="Wingdings" pitchFamily="2" charset="2"/>
+              <a:buChar char="ü"/>
+            </a:pPr>
+            <a:r>
+              <a:rPr lang="en-US" dirty="0">
+                <a:latin typeface="Times New Roman" panose="02020603050405020304" pitchFamily="18" charset="0"/>
+                <a:cs typeface="Times New Roman" panose="02020603050405020304" pitchFamily="18" charset="0"/>
+              </a:rPr>
+              <a:t>Faster Development(RAD)</a:t>
+            </a:r>
+          </a:p>
+          <a:p>
+            <a:pPr marL="285750" indent="-285750">
+              <a:buFont typeface="Wingdings" pitchFamily="2" charset="2"/>
+              <a:buChar char="ü"/>
+            </a:pPr>
+            <a:r>
+              <a:rPr lang="en-US" dirty="0">
+                <a:latin typeface="Times New Roman" panose="02020603050405020304" pitchFamily="18" charset="0"/>
+                <a:cs typeface="Times New Roman" panose="02020603050405020304" pitchFamily="18" charset="0"/>
+              </a:rPr>
+              <a:t>Improved Developer Experience</a:t>
+            </a:r>
+          </a:p>
+          <a:p>
+            <a:pPr marL="285750" indent="-285750">
+              <a:buFont typeface="Wingdings" pitchFamily="2" charset="2"/>
+              <a:buChar char="ü"/>
+            </a:pPr>
+            <a:r>
+              <a:rPr lang="en-US" dirty="0">
+                <a:latin typeface="Times New Roman" panose="02020603050405020304" pitchFamily="18" charset="0"/>
+                <a:cs typeface="Times New Roman" panose="02020603050405020304" pitchFamily="18" charset="0"/>
+              </a:rPr>
+              <a:t>Simplified Production Deployment:</a:t>
+            </a:r>
+          </a:p>
+          <a:p>
+            <a:pPr marL="285750" indent="-285750">
+              <a:buFont typeface="Wingdings" pitchFamily="2" charset="2"/>
+              <a:buChar char="ü"/>
+            </a:pPr>
+            <a:r>
+              <a:rPr lang="en-US" dirty="0">
+                <a:latin typeface="Times New Roman" panose="02020603050405020304" pitchFamily="18" charset="0"/>
+                <a:cs typeface="Times New Roman" panose="02020603050405020304" pitchFamily="18" charset="0"/>
+              </a:rPr>
+              <a:t>Etc.</a:t>
+            </a:r>
+          </a:p>
+          <a:p>
             <a:endParaRPr lang="en-US" dirty="0">
               <a:latin typeface="Times New Roman" panose="02020603050405020304" pitchFamily="18" charset="0"/>
               <a:cs typeface="Times New Roman" panose="02020603050405020304" pitchFamily="18" charset="0"/>
@@ -4842,6 +6968,994 @@
   <p:clrMapOvr>
     <a:masterClrMapping/>
   </p:clrMapOvr>
+  <mc:AlternateContent xmlns:mc="http://schemas.openxmlformats.org/markup-compatibility/2006" xmlns:p14="http://schemas.microsoft.com/office/powerpoint/2010/main">
+    <mc:Choice Requires="p14">
+      <p:transition spd="med" p14:dur="700">
+        <p:fade/>
+      </p:transition>
+    </mc:Choice>
+    <mc:Fallback xmlns="">
+      <p:transition spd="med">
+        <p:fade/>
+      </p:transition>
+    </mc:Fallback>
+  </mc:AlternateContent>
+  <p:timing>
+    <p:tnLst>
+      <p:par>
+        <p:cTn id="1" dur="indefinite" restart="never" nodeType="tmRoot">
+          <p:childTnLst>
+            <p:seq concurrent="1" nextAc="seek">
+              <p:cTn id="2" dur="indefinite" nodeType="mainSeq">
+                <p:childTnLst>
+                  <p:par>
+                    <p:cTn id="3" fill="hold">
+                      <p:stCondLst>
+                        <p:cond delay="indefinite"/>
+                      </p:stCondLst>
+                      <p:childTnLst>
+                        <p:par>
+                          <p:cTn id="4" fill="hold">
+                            <p:stCondLst>
+                              <p:cond delay="0"/>
+                            </p:stCondLst>
+                            <p:childTnLst>
+                              <p:par>
+                                <p:cTn id="5" presetID="1" presetClass="entr" presetSubtype="0" fill="hold" nodeType="clickEffect">
+                                  <p:stCondLst>
+                                    <p:cond delay="0"/>
+                                  </p:stCondLst>
+                                  <p:childTnLst>
+                                    <p:set>
+                                      <p:cBhvr>
+                                        <p:cTn id="6" dur="1" fill="hold">
+                                          <p:stCondLst>
+                                            <p:cond delay="0"/>
+                                          </p:stCondLst>
+                                        </p:cTn>
+                                        <p:tgtEl>
+                                          <p:spTgt spid="3">
+                                            <p:txEl>
+                                              <p:pRg st="0" end="0"/>
+                                            </p:txEl>
+                                          </p:spTgt>
+                                        </p:tgtEl>
+                                        <p:attrNameLst>
+                                          <p:attrName>style.visibility</p:attrName>
+                                        </p:attrNameLst>
+                                      </p:cBhvr>
+                                      <p:to>
+                                        <p:strVal val="visible"/>
+                                      </p:to>
+                                    </p:set>
+                                  </p:childTnLst>
+                                </p:cTn>
+                              </p:par>
+                            </p:childTnLst>
+                          </p:cTn>
+                        </p:par>
+                      </p:childTnLst>
+                    </p:cTn>
+                  </p:par>
+                  <p:par>
+                    <p:cTn id="7" fill="hold">
+                      <p:stCondLst>
+                        <p:cond delay="indefinite"/>
+                      </p:stCondLst>
+                      <p:childTnLst>
+                        <p:par>
+                          <p:cTn id="8" fill="hold">
+                            <p:stCondLst>
+                              <p:cond delay="0"/>
+                            </p:stCondLst>
+                            <p:childTnLst>
+                              <p:par>
+                                <p:cTn id="9" presetID="1" presetClass="entr" presetSubtype="0" fill="hold" nodeType="clickEffect">
+                                  <p:stCondLst>
+                                    <p:cond delay="0"/>
+                                  </p:stCondLst>
+                                  <p:childTnLst>
+                                    <p:set>
+                                      <p:cBhvr>
+                                        <p:cTn id="10" dur="1" fill="hold">
+                                          <p:stCondLst>
+                                            <p:cond delay="0"/>
+                                          </p:stCondLst>
+                                        </p:cTn>
+                                        <p:tgtEl>
+                                          <p:spTgt spid="3">
+                                            <p:txEl>
+                                              <p:pRg st="1" end="1"/>
+                                            </p:txEl>
+                                          </p:spTgt>
+                                        </p:tgtEl>
+                                        <p:attrNameLst>
+                                          <p:attrName>style.visibility</p:attrName>
+                                        </p:attrNameLst>
+                                      </p:cBhvr>
+                                      <p:to>
+                                        <p:strVal val="visible"/>
+                                      </p:to>
+                                    </p:set>
+                                  </p:childTnLst>
+                                </p:cTn>
+                              </p:par>
+                            </p:childTnLst>
+                          </p:cTn>
+                        </p:par>
+                      </p:childTnLst>
+                    </p:cTn>
+                  </p:par>
+                  <p:par>
+                    <p:cTn id="11" fill="hold">
+                      <p:stCondLst>
+                        <p:cond delay="indefinite"/>
+                      </p:stCondLst>
+                      <p:childTnLst>
+                        <p:par>
+                          <p:cTn id="12" fill="hold">
+                            <p:stCondLst>
+                              <p:cond delay="0"/>
+                            </p:stCondLst>
+                            <p:childTnLst>
+                              <p:par>
+                                <p:cTn id="13" presetID="1" presetClass="entr" presetSubtype="0" fill="hold" nodeType="clickEffect">
+                                  <p:stCondLst>
+                                    <p:cond delay="0"/>
+                                  </p:stCondLst>
+                                  <p:childTnLst>
+                                    <p:set>
+                                      <p:cBhvr>
+                                        <p:cTn id="14" dur="1" fill="hold">
+                                          <p:stCondLst>
+                                            <p:cond delay="0"/>
+                                          </p:stCondLst>
+                                        </p:cTn>
+                                        <p:tgtEl>
+                                          <p:spTgt spid="3">
+                                            <p:txEl>
+                                              <p:pRg st="2" end="2"/>
+                                            </p:txEl>
+                                          </p:spTgt>
+                                        </p:tgtEl>
+                                        <p:attrNameLst>
+                                          <p:attrName>style.visibility</p:attrName>
+                                        </p:attrNameLst>
+                                      </p:cBhvr>
+                                      <p:to>
+                                        <p:strVal val="visible"/>
+                                      </p:to>
+                                    </p:set>
+                                  </p:childTnLst>
+                                </p:cTn>
+                              </p:par>
+                            </p:childTnLst>
+                          </p:cTn>
+                        </p:par>
+                      </p:childTnLst>
+                    </p:cTn>
+                  </p:par>
+                  <p:par>
+                    <p:cTn id="15" fill="hold">
+                      <p:stCondLst>
+                        <p:cond delay="indefinite"/>
+                      </p:stCondLst>
+                      <p:childTnLst>
+                        <p:par>
+                          <p:cTn id="16" fill="hold">
+                            <p:stCondLst>
+                              <p:cond delay="0"/>
+                            </p:stCondLst>
+                            <p:childTnLst>
+                              <p:par>
+                                <p:cTn id="17" presetID="1" presetClass="entr" presetSubtype="0" fill="hold" nodeType="clickEffect">
+                                  <p:stCondLst>
+                                    <p:cond delay="0"/>
+                                  </p:stCondLst>
+                                  <p:childTnLst>
+                                    <p:set>
+                                      <p:cBhvr>
+                                        <p:cTn id="18" dur="1" fill="hold">
+                                          <p:stCondLst>
+                                            <p:cond delay="0"/>
+                                          </p:stCondLst>
+                                        </p:cTn>
+                                        <p:tgtEl>
+                                          <p:spTgt spid="3">
+                                            <p:txEl>
+                                              <p:pRg st="3" end="3"/>
+                                            </p:txEl>
+                                          </p:spTgt>
+                                        </p:tgtEl>
+                                        <p:attrNameLst>
+                                          <p:attrName>style.visibility</p:attrName>
+                                        </p:attrNameLst>
+                                      </p:cBhvr>
+                                      <p:to>
+                                        <p:strVal val="visible"/>
+                                      </p:to>
+                                    </p:set>
+                                  </p:childTnLst>
+                                </p:cTn>
+                              </p:par>
+                            </p:childTnLst>
+                          </p:cTn>
+                        </p:par>
+                      </p:childTnLst>
+                    </p:cTn>
+                  </p:par>
+                  <p:par>
+                    <p:cTn id="19" fill="hold">
+                      <p:stCondLst>
+                        <p:cond delay="indefinite"/>
+                      </p:stCondLst>
+                      <p:childTnLst>
+                        <p:par>
+                          <p:cTn id="20" fill="hold">
+                            <p:stCondLst>
+                              <p:cond delay="0"/>
+                            </p:stCondLst>
+                            <p:childTnLst>
+                              <p:par>
+                                <p:cTn id="21" presetID="1" presetClass="entr" presetSubtype="0" fill="hold" nodeType="clickEffect">
+                                  <p:stCondLst>
+                                    <p:cond delay="0"/>
+                                  </p:stCondLst>
+                                  <p:childTnLst>
+                                    <p:set>
+                                      <p:cBhvr>
+                                        <p:cTn id="22" dur="1" fill="hold">
+                                          <p:stCondLst>
+                                            <p:cond delay="0"/>
+                                          </p:stCondLst>
+                                        </p:cTn>
+                                        <p:tgtEl>
+                                          <p:spTgt spid="3">
+                                            <p:txEl>
+                                              <p:pRg st="4" end="4"/>
+                                            </p:txEl>
+                                          </p:spTgt>
+                                        </p:tgtEl>
+                                        <p:attrNameLst>
+                                          <p:attrName>style.visibility</p:attrName>
+                                        </p:attrNameLst>
+                                      </p:cBhvr>
+                                      <p:to>
+                                        <p:strVal val="visible"/>
+                                      </p:to>
+                                    </p:set>
+                                  </p:childTnLst>
+                                </p:cTn>
+                              </p:par>
+                            </p:childTnLst>
+                          </p:cTn>
+                        </p:par>
+                      </p:childTnLst>
+                    </p:cTn>
+                  </p:par>
+                  <p:par>
+                    <p:cTn id="23" fill="hold">
+                      <p:stCondLst>
+                        <p:cond delay="indefinite"/>
+                      </p:stCondLst>
+                      <p:childTnLst>
+                        <p:par>
+                          <p:cTn id="24" fill="hold">
+                            <p:stCondLst>
+                              <p:cond delay="0"/>
+                            </p:stCondLst>
+                            <p:childTnLst>
+                              <p:par>
+                                <p:cTn id="25" presetID="1" presetClass="entr" presetSubtype="0" fill="hold" nodeType="clickEffect">
+                                  <p:stCondLst>
+                                    <p:cond delay="0"/>
+                                  </p:stCondLst>
+                                  <p:childTnLst>
+                                    <p:set>
+                                      <p:cBhvr>
+                                        <p:cTn id="26" dur="1" fill="hold">
+                                          <p:stCondLst>
+                                            <p:cond delay="0"/>
+                                          </p:stCondLst>
+                                        </p:cTn>
+                                        <p:tgtEl>
+                                          <p:spTgt spid="3">
+                                            <p:txEl>
+                                              <p:pRg st="5" end="5"/>
+                                            </p:txEl>
+                                          </p:spTgt>
+                                        </p:tgtEl>
+                                        <p:attrNameLst>
+                                          <p:attrName>style.visibility</p:attrName>
+                                        </p:attrNameLst>
+                                      </p:cBhvr>
+                                      <p:to>
+                                        <p:strVal val="visible"/>
+                                      </p:to>
+                                    </p:set>
+                                  </p:childTnLst>
+                                </p:cTn>
+                              </p:par>
+                            </p:childTnLst>
+                          </p:cTn>
+                        </p:par>
+                      </p:childTnLst>
+                    </p:cTn>
+                  </p:par>
+                  <p:par>
+                    <p:cTn id="27" fill="hold">
+                      <p:stCondLst>
+                        <p:cond delay="indefinite"/>
+                      </p:stCondLst>
+                      <p:childTnLst>
+                        <p:par>
+                          <p:cTn id="28" fill="hold">
+                            <p:stCondLst>
+                              <p:cond delay="0"/>
+                            </p:stCondLst>
+                            <p:childTnLst>
+                              <p:par>
+                                <p:cTn id="29" presetID="1" presetClass="entr" presetSubtype="0" fill="hold" nodeType="clickEffect">
+                                  <p:stCondLst>
+                                    <p:cond delay="0"/>
+                                  </p:stCondLst>
+                                  <p:childTnLst>
+                                    <p:set>
+                                      <p:cBhvr>
+                                        <p:cTn id="30" dur="1" fill="hold">
+                                          <p:stCondLst>
+                                            <p:cond delay="0"/>
+                                          </p:stCondLst>
+                                        </p:cTn>
+                                        <p:tgtEl>
+                                          <p:spTgt spid="3">
+                                            <p:txEl>
+                                              <p:pRg st="6" end="6"/>
+                                            </p:txEl>
+                                          </p:spTgt>
+                                        </p:tgtEl>
+                                        <p:attrNameLst>
+                                          <p:attrName>style.visibility</p:attrName>
+                                        </p:attrNameLst>
+                                      </p:cBhvr>
+                                      <p:to>
+                                        <p:strVal val="visible"/>
+                                      </p:to>
+                                    </p:set>
+                                  </p:childTnLst>
+                                </p:cTn>
+                              </p:par>
+                            </p:childTnLst>
+                          </p:cTn>
+                        </p:par>
+                      </p:childTnLst>
+                    </p:cTn>
+                  </p:par>
+                  <p:par>
+                    <p:cTn id="31" fill="hold">
+                      <p:stCondLst>
+                        <p:cond delay="indefinite"/>
+                      </p:stCondLst>
+                      <p:childTnLst>
+                        <p:par>
+                          <p:cTn id="32" fill="hold">
+                            <p:stCondLst>
+                              <p:cond delay="0"/>
+                            </p:stCondLst>
+                            <p:childTnLst>
+                              <p:par>
+                                <p:cTn id="33" presetID="1" presetClass="entr" presetSubtype="0" fill="hold" nodeType="clickEffect">
+                                  <p:stCondLst>
+                                    <p:cond delay="0"/>
+                                  </p:stCondLst>
+                                  <p:childTnLst>
+                                    <p:set>
+                                      <p:cBhvr>
+                                        <p:cTn id="34" dur="1" fill="hold">
+                                          <p:stCondLst>
+                                            <p:cond delay="0"/>
+                                          </p:stCondLst>
+                                        </p:cTn>
+                                        <p:tgtEl>
+                                          <p:spTgt spid="3">
+                                            <p:txEl>
+                                              <p:pRg st="7" end="7"/>
+                                            </p:txEl>
+                                          </p:spTgt>
+                                        </p:tgtEl>
+                                        <p:attrNameLst>
+                                          <p:attrName>style.visibility</p:attrName>
+                                        </p:attrNameLst>
+                                      </p:cBhvr>
+                                      <p:to>
+                                        <p:strVal val="visible"/>
+                                      </p:to>
+                                    </p:set>
+                                  </p:childTnLst>
+                                </p:cTn>
+                              </p:par>
+                            </p:childTnLst>
+                          </p:cTn>
+                        </p:par>
+                      </p:childTnLst>
+                    </p:cTn>
+                  </p:par>
+                  <p:par>
+                    <p:cTn id="35" fill="hold">
+                      <p:stCondLst>
+                        <p:cond delay="indefinite"/>
+                      </p:stCondLst>
+                      <p:childTnLst>
+                        <p:par>
+                          <p:cTn id="36" fill="hold">
+                            <p:stCondLst>
+                              <p:cond delay="0"/>
+                            </p:stCondLst>
+                            <p:childTnLst>
+                              <p:par>
+                                <p:cTn id="37" presetID="1" presetClass="entr" presetSubtype="0" fill="hold" nodeType="clickEffect">
+                                  <p:stCondLst>
+                                    <p:cond delay="0"/>
+                                  </p:stCondLst>
+                                  <p:childTnLst>
+                                    <p:set>
+                                      <p:cBhvr>
+                                        <p:cTn id="38" dur="1" fill="hold">
+                                          <p:stCondLst>
+                                            <p:cond delay="0"/>
+                                          </p:stCondLst>
+                                        </p:cTn>
+                                        <p:tgtEl>
+                                          <p:spTgt spid="3">
+                                            <p:txEl>
+                                              <p:pRg st="8" end="8"/>
+                                            </p:txEl>
+                                          </p:spTgt>
+                                        </p:tgtEl>
+                                        <p:attrNameLst>
+                                          <p:attrName>style.visibility</p:attrName>
+                                        </p:attrNameLst>
+                                      </p:cBhvr>
+                                      <p:to>
+                                        <p:strVal val="visible"/>
+                                      </p:to>
+                                    </p:set>
+                                  </p:childTnLst>
+                                </p:cTn>
+                              </p:par>
+                            </p:childTnLst>
+                          </p:cTn>
+                        </p:par>
+                      </p:childTnLst>
+                    </p:cTn>
+                  </p:par>
+                  <p:par>
+                    <p:cTn id="39" fill="hold">
+                      <p:stCondLst>
+                        <p:cond delay="indefinite"/>
+                      </p:stCondLst>
+                      <p:childTnLst>
+                        <p:par>
+                          <p:cTn id="40" fill="hold">
+                            <p:stCondLst>
+                              <p:cond delay="0"/>
+                            </p:stCondLst>
+                            <p:childTnLst>
+                              <p:par>
+                                <p:cTn id="41" presetID="1" presetClass="entr" presetSubtype="0" fill="hold" nodeType="clickEffect">
+                                  <p:stCondLst>
+                                    <p:cond delay="0"/>
+                                  </p:stCondLst>
+                                  <p:childTnLst>
+                                    <p:set>
+                                      <p:cBhvr>
+                                        <p:cTn id="42" dur="1" fill="hold">
+                                          <p:stCondLst>
+                                            <p:cond delay="0"/>
+                                          </p:stCondLst>
+                                        </p:cTn>
+                                        <p:tgtEl>
+                                          <p:spTgt spid="3">
+                                            <p:txEl>
+                                              <p:pRg st="9" end="9"/>
+                                            </p:txEl>
+                                          </p:spTgt>
+                                        </p:tgtEl>
+                                        <p:attrNameLst>
+                                          <p:attrName>style.visibility</p:attrName>
+                                        </p:attrNameLst>
+                                      </p:cBhvr>
+                                      <p:to>
+                                        <p:strVal val="visible"/>
+                                      </p:to>
+                                    </p:set>
+                                  </p:childTnLst>
+                                </p:cTn>
+                              </p:par>
+                              <p:par>
+                                <p:cTn id="43" presetID="1" presetClass="entr" presetSubtype="0" fill="hold" nodeType="withEffect">
+                                  <p:stCondLst>
+                                    <p:cond delay="0"/>
+                                  </p:stCondLst>
+                                  <p:childTnLst>
+                                    <p:set>
+                                      <p:cBhvr>
+                                        <p:cTn id="44" dur="1" fill="hold">
+                                          <p:stCondLst>
+                                            <p:cond delay="0"/>
+                                          </p:stCondLst>
+                                        </p:cTn>
+                                        <p:tgtEl>
+                                          <p:spTgt spid="3">
+                                            <p:txEl>
+                                              <p:pRg st="10" end="10"/>
+                                            </p:txEl>
+                                          </p:spTgt>
+                                        </p:tgtEl>
+                                        <p:attrNameLst>
+                                          <p:attrName>style.visibility</p:attrName>
+                                        </p:attrNameLst>
+                                      </p:cBhvr>
+                                      <p:to>
+                                        <p:strVal val="visible"/>
+                                      </p:to>
+                                    </p:set>
+                                  </p:childTnLst>
+                                </p:cTn>
+                              </p:par>
+                            </p:childTnLst>
+                          </p:cTn>
+                        </p:par>
+                      </p:childTnLst>
+                    </p:cTn>
+                  </p:par>
+                </p:childTnLst>
+              </p:cTn>
+              <p:prevCondLst>
+                <p:cond evt="onPrev" delay="0">
+                  <p:tgtEl>
+                    <p:sldTgt/>
+                  </p:tgtEl>
+                </p:cond>
+              </p:prevCondLst>
+              <p:nextCondLst>
+                <p:cond evt="onNext" delay="0">
+                  <p:tgtEl>
+                    <p:sldTgt/>
+                  </p:tgtEl>
+                </p:cond>
+              </p:nextCondLst>
+            </p:seq>
+          </p:childTnLst>
+        </p:cTn>
+      </p:par>
+    </p:tnLst>
+  </p:timing>
+</p:sld>
+</file>
+
+<file path=ppt/slides/slide9.xml><?xml version="1.0" encoding="utf-8"?>
+<p:sld xmlns:a="http://schemas.openxmlformats.org/drawingml/2006/main" xmlns:r="http://schemas.openxmlformats.org/officeDocument/2006/relationships" xmlns:p="http://schemas.openxmlformats.org/presentationml/2006/main">
+  <p:cSld>
+    <p:bg>
+      <p:bgPr>
+        <a:blipFill dpi="0" rotWithShape="1">
+          <a:blip r:embed="rId2">
+            <a:lum/>
+          </a:blip>
+          <a:srcRect/>
+          <a:stretch>
+            <a:fillRect/>
+          </a:stretch>
+        </a:blipFill>
+        <a:effectLst/>
+      </p:bgPr>
+    </p:bg>
+    <p:spTree>
+      <p:nvGrpSpPr>
+        <p:cNvPr id="1" name=""/>
+        <p:cNvGrpSpPr/>
+        <p:nvPr/>
+      </p:nvGrpSpPr>
+      <p:grpSpPr>
+        <a:xfrm>
+          <a:off x="0" y="0"/>
+          <a:ext cx="0" cy="0"/>
+          <a:chOff x="0" y="0"/>
+          <a:chExt cx="0" cy="0"/>
+        </a:xfrm>
+      </p:grpSpPr>
+      <p:sp>
+        <p:nvSpPr>
+          <p:cNvPr id="2" name="Rectangle 1">
+            <a:extLst>
+              <a:ext uri="{FF2B5EF4-FFF2-40B4-BE49-F238E27FC236}">
+                <a16:creationId xmlns:a16="http://schemas.microsoft.com/office/drawing/2014/main" id="{48F9CE81-C1F0-B68D-8064-60FA8458DF94}"/>
+              </a:ext>
+            </a:extLst>
+          </p:cNvPr>
+          <p:cNvSpPr/>
+          <p:nvPr/>
+        </p:nvSpPr>
+        <p:spPr>
+          <a:xfrm>
+            <a:off x="906195" y="490127"/>
+            <a:ext cx="6282489" cy="923330"/>
+          </a:xfrm>
+          <a:prstGeom prst="rect">
+            <a:avLst/>
+          </a:prstGeom>
+          <a:noFill/>
+        </p:spPr>
+        <p:txBody>
+          <a:bodyPr wrap="none" lIns="91440" tIns="45720" rIns="91440" bIns="45720">
+            <a:spAutoFit/>
+            <a:scene3d>
+              <a:camera prst="orthographicFront"/>
+              <a:lightRig rig="soft" dir="t">
+                <a:rot lat="0" lon="0" rev="15600000"/>
+              </a:lightRig>
+            </a:scene3d>
+            <a:sp3d extrusionH="57150" prstMaterial="softEdge">
+              <a:bevelT w="25400" h="38100"/>
+            </a:sp3d>
+          </a:bodyPr>
+          <a:lstStyle/>
+          <a:p>
+            <a:pPr algn="ctr"/>
+            <a:r>
+              <a:rPr lang="en-GB" sz="5400" dirty="0">
+                <a:ln w="0"/>
+                <a:gradFill>
+                  <a:gsLst>
+                    <a:gs pos="0">
+                      <a:schemeClr val="accent5">
+                        <a:lumMod val="50000"/>
+                      </a:schemeClr>
+                    </a:gs>
+                    <a:gs pos="50000">
+                      <a:schemeClr val="accent5"/>
+                    </a:gs>
+                    <a:gs pos="100000">
+                      <a:schemeClr val="accent5">
+                        <a:lumMod val="60000"/>
+                        <a:lumOff val="40000"/>
+                      </a:schemeClr>
+                    </a:gs>
+                  </a:gsLst>
+                  <a:lin ang="5400000"/>
+                </a:gradFill>
+                <a:effectLst>
+                  <a:reflection blurRad="6350" stA="53000" endA="300" endPos="35500" dir="5400000" sy="-90000" algn="bl" rotWithShape="0"/>
+                </a:effectLst>
+                <a:latin typeface="Times New Roman" panose="02020603050405020304" pitchFamily="18" charset="0"/>
+                <a:cs typeface="Times New Roman" panose="02020603050405020304" pitchFamily="18" charset="0"/>
+              </a:rPr>
+              <a:t>Dependency Injection</a:t>
+            </a:r>
+          </a:p>
+        </p:txBody>
+      </p:sp>
+      <p:sp>
+        <p:nvSpPr>
+          <p:cNvPr id="3" name="TextBox 2">
+            <a:extLst>
+              <a:ext uri="{FF2B5EF4-FFF2-40B4-BE49-F238E27FC236}">
+                <a16:creationId xmlns:a16="http://schemas.microsoft.com/office/drawing/2014/main" id="{E634EB09-B96B-3B94-C9B4-780CAFDCDF1C}"/>
+              </a:ext>
+            </a:extLst>
+          </p:cNvPr>
+          <p:cNvSpPr txBox="1"/>
+          <p:nvPr/>
+        </p:nvSpPr>
+        <p:spPr>
+          <a:xfrm>
+            <a:off x="906195" y="1644073"/>
+            <a:ext cx="9134763" cy="1477328"/>
+          </a:xfrm>
+          <a:prstGeom prst="rect">
+            <a:avLst/>
+          </a:prstGeom>
+          <a:noFill/>
+        </p:spPr>
+        <p:txBody>
+          <a:bodyPr wrap="square" rtlCol="0">
+            <a:spAutoFit/>
+          </a:bodyPr>
+          <a:lstStyle/>
+          <a:p>
+            <a:pPr marL="285750" indent="-285750">
+              <a:buFont typeface="Wingdings" pitchFamily="2" charset="2"/>
+              <a:buChar char="ü"/>
+            </a:pPr>
+            <a:r>
+              <a:rPr lang="en-US" b="1" dirty="0">
+                <a:latin typeface="Times New Roman" panose="02020603050405020304" pitchFamily="18" charset="0"/>
+                <a:cs typeface="Times New Roman" panose="02020603050405020304" pitchFamily="18" charset="0"/>
+              </a:rPr>
+              <a:t>Working with same type of beans</a:t>
+            </a:r>
+          </a:p>
+          <a:p>
+            <a:pPr marL="285750" indent="-285750">
+              <a:buFont typeface="Wingdings" pitchFamily="2" charset="2"/>
+              <a:buChar char="ü"/>
+            </a:pPr>
+            <a:r>
+              <a:rPr lang="en-US" b="1" dirty="0" err="1">
+                <a:latin typeface="Times New Roman" panose="02020603050405020304" pitchFamily="18" charset="0"/>
+                <a:cs typeface="Times New Roman" panose="02020603050405020304" pitchFamily="18" charset="0"/>
+              </a:rPr>
+              <a:t>Qualifier,@Primary</a:t>
+            </a:r>
+            <a:r>
+              <a:rPr lang="en-US" b="1" dirty="0">
+                <a:latin typeface="Times New Roman" panose="02020603050405020304" pitchFamily="18" charset="0"/>
+                <a:cs typeface="Times New Roman" panose="02020603050405020304" pitchFamily="18" charset="0"/>
+              </a:rPr>
+              <a:t>, @Scope</a:t>
+            </a:r>
+          </a:p>
+          <a:p>
+            <a:pPr marL="285750" indent="-285750">
+              <a:buFont typeface="Wingdings" pitchFamily="2" charset="2"/>
+              <a:buChar char="ü"/>
+            </a:pPr>
+            <a:r>
+              <a:rPr lang="en-US" b="1" dirty="0">
+                <a:latin typeface="Times New Roman" panose="02020603050405020304" pitchFamily="18" charset="0"/>
+                <a:cs typeface="Times New Roman" panose="02020603050405020304" pitchFamily="18" charset="0"/>
+              </a:rPr>
+              <a:t>Loose coupling  concepts</a:t>
+            </a:r>
+          </a:p>
+          <a:p>
+            <a:pPr marL="285750" indent="-285750">
+              <a:buFont typeface="Wingdings" pitchFamily="2" charset="2"/>
+              <a:buChar char="ü"/>
+            </a:pPr>
+            <a:r>
+              <a:rPr lang="en-US" b="1" dirty="0">
+                <a:latin typeface="Times New Roman" panose="02020603050405020304" pitchFamily="18" charset="0"/>
+                <a:cs typeface="Times New Roman" panose="02020603050405020304" pitchFamily="18" charset="0"/>
+              </a:rPr>
+              <a:t>@</a:t>
+            </a:r>
+            <a:r>
+              <a:rPr lang="en-US" b="1" dirty="0" err="1">
+                <a:latin typeface="Times New Roman" panose="02020603050405020304" pitchFamily="18" charset="0"/>
+                <a:cs typeface="Times New Roman" panose="02020603050405020304" pitchFamily="18" charset="0"/>
+              </a:rPr>
+              <a:t>ImportResource</a:t>
+            </a:r>
+            <a:r>
+              <a:rPr lang="en-US" b="1" dirty="0">
+                <a:latin typeface="Times New Roman" panose="02020603050405020304" pitchFamily="18" charset="0"/>
+                <a:cs typeface="Times New Roman" panose="02020603050405020304" pitchFamily="18" charset="0"/>
+              </a:rPr>
+              <a:t>("</a:t>
+            </a:r>
+            <a:r>
+              <a:rPr lang="en-US" b="1" dirty="0" err="1">
+                <a:latin typeface="Times New Roman" panose="02020603050405020304" pitchFamily="18" charset="0"/>
+                <a:cs typeface="Times New Roman" panose="02020603050405020304" pitchFamily="18" charset="0"/>
+              </a:rPr>
+              <a:t>classpath:config.xml</a:t>
+            </a:r>
+            <a:r>
+              <a:rPr lang="en-US" b="1" dirty="0">
+                <a:latin typeface="Times New Roman" panose="02020603050405020304" pitchFamily="18" charset="0"/>
+                <a:cs typeface="Times New Roman" panose="02020603050405020304" pitchFamily="18" charset="0"/>
+              </a:rPr>
+              <a:t>")</a:t>
+            </a:r>
+          </a:p>
+          <a:p>
+            <a:pPr marL="285750" indent="-285750">
+              <a:buFont typeface="Wingdings" pitchFamily="2" charset="2"/>
+              <a:buChar char="ü"/>
+            </a:pPr>
+            <a:endParaRPr lang="en-US" dirty="0">
+              <a:latin typeface="Times New Roman" panose="02020603050405020304" pitchFamily="18" charset="0"/>
+              <a:cs typeface="Times New Roman" panose="02020603050405020304" pitchFamily="18" charset="0"/>
+            </a:endParaRPr>
+          </a:p>
+        </p:txBody>
+      </p:sp>
+    </p:spTree>
+    <p:extLst>
+      <p:ext uri="{BB962C8B-B14F-4D97-AF65-F5344CB8AC3E}">
+        <p14:creationId xmlns:p14="http://schemas.microsoft.com/office/powerpoint/2010/main" val="4066829881"/>
+      </p:ext>
+    </p:extLst>
+  </p:cSld>
+  <p:clrMapOvr>
+    <a:masterClrMapping/>
+  </p:clrMapOvr>
+  <mc:AlternateContent xmlns:mc="http://schemas.openxmlformats.org/markup-compatibility/2006" xmlns:p14="http://schemas.microsoft.com/office/powerpoint/2010/main">
+    <mc:Choice Requires="p14">
+      <p:transition spd="med" p14:dur="700">
+        <p:fade/>
+      </p:transition>
+    </mc:Choice>
+    <mc:Fallback xmlns="">
+      <p:transition spd="med">
+        <p:fade/>
+      </p:transition>
+    </mc:Fallback>
+  </mc:AlternateContent>
+  <p:timing>
+    <p:tnLst>
+      <p:par>
+        <p:cTn id="1" dur="indefinite" restart="never" nodeType="tmRoot">
+          <p:childTnLst>
+            <p:seq concurrent="1" nextAc="seek">
+              <p:cTn id="2" dur="indefinite" nodeType="mainSeq">
+                <p:childTnLst>
+                  <p:par>
+                    <p:cTn id="3" fill="hold">
+                      <p:stCondLst>
+                        <p:cond delay="indefinite"/>
+                      </p:stCondLst>
+                      <p:childTnLst>
+                        <p:par>
+                          <p:cTn id="4" fill="hold">
+                            <p:stCondLst>
+                              <p:cond delay="0"/>
+                            </p:stCondLst>
+                            <p:childTnLst>
+                              <p:par>
+                                <p:cTn id="5" presetID="1" presetClass="entr" presetSubtype="0" fill="hold" nodeType="clickEffect">
+                                  <p:stCondLst>
+                                    <p:cond delay="0"/>
+                                  </p:stCondLst>
+                                  <p:childTnLst>
+                                    <p:set>
+                                      <p:cBhvr>
+                                        <p:cTn id="6" dur="1" fill="hold">
+                                          <p:stCondLst>
+                                            <p:cond delay="0"/>
+                                          </p:stCondLst>
+                                        </p:cTn>
+                                        <p:tgtEl>
+                                          <p:spTgt spid="3">
+                                            <p:txEl>
+                                              <p:pRg st="0" end="0"/>
+                                            </p:txEl>
+                                          </p:spTgt>
+                                        </p:tgtEl>
+                                        <p:attrNameLst>
+                                          <p:attrName>style.visibility</p:attrName>
+                                        </p:attrNameLst>
+                                      </p:cBhvr>
+                                      <p:to>
+                                        <p:strVal val="visible"/>
+                                      </p:to>
+                                    </p:set>
+                                  </p:childTnLst>
+                                </p:cTn>
+                              </p:par>
+                              <p:par>
+                                <p:cTn id="7" presetID="1" presetClass="entr" presetSubtype="0" fill="hold" nodeType="withEffect">
+                                  <p:stCondLst>
+                                    <p:cond delay="0"/>
+                                  </p:stCondLst>
+                                  <p:childTnLst>
+                                    <p:set>
+                                      <p:cBhvr>
+                                        <p:cTn id="8" dur="1" fill="hold">
+                                          <p:stCondLst>
+                                            <p:cond delay="0"/>
+                                          </p:stCondLst>
+                                        </p:cTn>
+                                        <p:tgtEl>
+                                          <p:spTgt spid="3">
+                                            <p:txEl>
+                                              <p:pRg st="1" end="1"/>
+                                            </p:txEl>
+                                          </p:spTgt>
+                                        </p:tgtEl>
+                                        <p:attrNameLst>
+                                          <p:attrName>style.visibility</p:attrName>
+                                        </p:attrNameLst>
+                                      </p:cBhvr>
+                                      <p:to>
+                                        <p:strVal val="visible"/>
+                                      </p:to>
+                                    </p:set>
+                                  </p:childTnLst>
+                                </p:cTn>
+                              </p:par>
+                              <p:par>
+                                <p:cTn id="9" presetID="1" presetClass="entr" presetSubtype="0" fill="hold" nodeType="withEffect">
+                                  <p:stCondLst>
+                                    <p:cond delay="0"/>
+                                  </p:stCondLst>
+                                  <p:childTnLst>
+                                    <p:set>
+                                      <p:cBhvr>
+                                        <p:cTn id="10" dur="1" fill="hold">
+                                          <p:stCondLst>
+                                            <p:cond delay="0"/>
+                                          </p:stCondLst>
+                                        </p:cTn>
+                                        <p:tgtEl>
+                                          <p:spTgt spid="3">
+                                            <p:txEl>
+                                              <p:pRg st="2" end="2"/>
+                                            </p:txEl>
+                                          </p:spTgt>
+                                        </p:tgtEl>
+                                        <p:attrNameLst>
+                                          <p:attrName>style.visibility</p:attrName>
+                                        </p:attrNameLst>
+                                      </p:cBhvr>
+                                      <p:to>
+                                        <p:strVal val="visible"/>
+                                      </p:to>
+                                    </p:set>
+                                  </p:childTnLst>
+                                </p:cTn>
+                              </p:par>
+                              <p:par>
+                                <p:cTn id="11" presetID="1" presetClass="entr" presetSubtype="0" fill="hold" nodeType="withEffect">
+                                  <p:stCondLst>
+                                    <p:cond delay="0"/>
+                                  </p:stCondLst>
+                                  <p:childTnLst>
+                                    <p:set>
+                                      <p:cBhvr>
+                                        <p:cTn id="12" dur="1" fill="hold">
+                                          <p:stCondLst>
+                                            <p:cond delay="0"/>
+                                          </p:stCondLst>
+                                        </p:cTn>
+                                        <p:tgtEl>
+                                          <p:spTgt spid="3">
+                                            <p:txEl>
+                                              <p:pRg st="3" end="3"/>
+                                            </p:txEl>
+                                          </p:spTgt>
+                                        </p:tgtEl>
+                                        <p:attrNameLst>
+                                          <p:attrName>style.visibility</p:attrName>
+                                        </p:attrNameLst>
+                                      </p:cBhvr>
+                                      <p:to>
+                                        <p:strVal val="visible"/>
+                                      </p:to>
+                                    </p:set>
+                                  </p:childTnLst>
+                                </p:cTn>
+                              </p:par>
+                            </p:childTnLst>
+                          </p:cTn>
+                        </p:par>
+                      </p:childTnLst>
+                    </p:cTn>
+                  </p:par>
+                </p:childTnLst>
+              </p:cTn>
+              <p:prevCondLst>
+                <p:cond evt="onPrev" delay="0">
+                  <p:tgtEl>
+                    <p:sldTgt/>
+                  </p:tgtEl>
+                </p:cond>
+              </p:prevCondLst>
+              <p:nextCondLst>
+                <p:cond evt="onNext" delay="0">
+                  <p:tgtEl>
+                    <p:sldTgt/>
+                  </p:tgtEl>
+                </p:cond>
+              </p:nextCondLst>
+            </p:seq>
+          </p:childTnLst>
+        </p:cTn>
+      </p:par>
+    </p:tnLst>
+  </p:timing>
 </p:sld>
 </file>
 

--- a/2_spring and spring boot.pptx
+++ b/2_spring and spring boot.pptx
@@ -4,6 +4,9 @@
   <p:sldMasterIdLst>
     <p:sldMasterId id="2147483648" r:id="rId1"/>
   </p:sldMasterIdLst>
+  <p:notesMasterIdLst>
+    <p:notesMasterId r:id="rId20"/>
+  </p:notesMasterIdLst>
   <p:sldIdLst>
     <p:sldId id="256" r:id="rId2"/>
     <p:sldId id="257" r:id="rId3"/>
@@ -18,6 +21,11 @@
     <p:sldId id="265" r:id="rId12"/>
     <p:sldId id="267" r:id="rId13"/>
     <p:sldId id="268" r:id="rId14"/>
+    <p:sldId id="269" r:id="rId15"/>
+    <p:sldId id="270" r:id="rId16"/>
+    <p:sldId id="271" r:id="rId17"/>
+    <p:sldId id="273" r:id="rId18"/>
+    <p:sldId id="274" r:id="rId19"/>
   </p:sldIdLst>
   <p:sldSz cx="12192000" cy="6858000"/>
   <p:notesSz cx="6858000" cy="9144000"/>
@@ -124,6 +132,440 @@
 </p:presentation>
 </file>
 
+<file path=ppt/notesMasters/notesMaster1.xml><?xml version="1.0" encoding="utf-8"?>
+<p:notesMaster xmlns:a="http://schemas.openxmlformats.org/drawingml/2006/main" xmlns:r="http://schemas.openxmlformats.org/officeDocument/2006/relationships" xmlns:p="http://schemas.openxmlformats.org/presentationml/2006/main">
+  <p:cSld>
+    <p:bg>
+      <p:bgRef idx="1001">
+        <a:schemeClr val="bg1"/>
+      </p:bgRef>
+    </p:bg>
+    <p:spTree>
+      <p:nvGrpSpPr>
+        <p:cNvPr id="1" name=""/>
+        <p:cNvGrpSpPr/>
+        <p:nvPr/>
+      </p:nvGrpSpPr>
+      <p:grpSpPr>
+        <a:xfrm>
+          <a:off x="0" y="0"/>
+          <a:ext cx="0" cy="0"/>
+          <a:chOff x="0" y="0"/>
+          <a:chExt cx="0" cy="0"/>
+        </a:xfrm>
+      </p:grpSpPr>
+      <p:sp>
+        <p:nvSpPr>
+          <p:cNvPr id="2" name="Header Placeholder 1"/>
+          <p:cNvSpPr>
+            <a:spLocks noGrp="1"/>
+          </p:cNvSpPr>
+          <p:nvPr>
+            <p:ph type="hdr" sz="quarter"/>
+          </p:nvPr>
+        </p:nvSpPr>
+        <p:spPr>
+          <a:xfrm>
+            <a:off x="0" y="0"/>
+            <a:ext cx="2971800" cy="458788"/>
+          </a:xfrm>
+          <a:prstGeom prst="rect">
+            <a:avLst/>
+          </a:prstGeom>
+        </p:spPr>
+        <p:txBody>
+          <a:bodyPr vert="horz" lIns="91440" tIns="45720" rIns="91440" bIns="45720" rtlCol="0"/>
+          <a:lstStyle>
+            <a:lvl1pPr algn="l">
+              <a:defRPr sz="1200"/>
+            </a:lvl1pPr>
+          </a:lstStyle>
+          <a:p>
+            <a:endParaRPr lang="en-US"/>
+          </a:p>
+        </p:txBody>
+      </p:sp>
+      <p:sp>
+        <p:nvSpPr>
+          <p:cNvPr id="3" name="Date Placeholder 2"/>
+          <p:cNvSpPr>
+            <a:spLocks noGrp="1"/>
+          </p:cNvSpPr>
+          <p:nvPr>
+            <p:ph type="dt" idx="1"/>
+          </p:nvPr>
+        </p:nvSpPr>
+        <p:spPr>
+          <a:xfrm>
+            <a:off x="3884613" y="0"/>
+            <a:ext cx="2971800" cy="458788"/>
+          </a:xfrm>
+          <a:prstGeom prst="rect">
+            <a:avLst/>
+          </a:prstGeom>
+        </p:spPr>
+        <p:txBody>
+          <a:bodyPr vert="horz" lIns="91440" tIns="45720" rIns="91440" bIns="45720" rtlCol="0"/>
+          <a:lstStyle>
+            <a:lvl1pPr algn="r">
+              <a:defRPr sz="1200"/>
+            </a:lvl1pPr>
+          </a:lstStyle>
+          <a:p>
+            <a:fld id="{8286695F-8062-DE48-9C01-D4EC34B1BC56}" type="datetimeFigureOut">
+              <a:rPr lang="en-US" smtClean="0"/>
+              <a:t>7/13/24</a:t>
+            </a:fld>
+            <a:endParaRPr lang="en-US"/>
+          </a:p>
+        </p:txBody>
+      </p:sp>
+      <p:sp>
+        <p:nvSpPr>
+          <p:cNvPr id="4" name="Slide Image Placeholder 3"/>
+          <p:cNvSpPr>
+            <a:spLocks noGrp="1" noRot="1" noChangeAspect="1"/>
+          </p:cNvSpPr>
+          <p:nvPr>
+            <p:ph type="sldImg" idx="2"/>
+          </p:nvPr>
+        </p:nvSpPr>
+        <p:spPr>
+          <a:xfrm>
+            <a:off x="685800" y="1143000"/>
+            <a:ext cx="5486400" cy="3086100"/>
+          </a:xfrm>
+          <a:prstGeom prst="rect">
+            <a:avLst/>
+          </a:prstGeom>
+          <a:noFill/>
+          <a:ln w="12700">
+            <a:solidFill>
+              <a:prstClr val="black"/>
+            </a:solidFill>
+          </a:ln>
+        </p:spPr>
+        <p:txBody>
+          <a:bodyPr vert="horz" lIns="91440" tIns="45720" rIns="91440" bIns="45720" rtlCol="0" anchor="ctr"/>
+          <a:lstStyle/>
+          <a:p>
+            <a:endParaRPr lang="en-US"/>
+          </a:p>
+        </p:txBody>
+      </p:sp>
+      <p:sp>
+        <p:nvSpPr>
+          <p:cNvPr id="5" name="Notes Placeholder 4"/>
+          <p:cNvSpPr>
+            <a:spLocks noGrp="1"/>
+          </p:cNvSpPr>
+          <p:nvPr>
+            <p:ph type="body" sz="quarter" idx="3"/>
+          </p:nvPr>
+        </p:nvSpPr>
+        <p:spPr>
+          <a:xfrm>
+            <a:off x="685800" y="4400550"/>
+            <a:ext cx="5486400" cy="3600450"/>
+          </a:xfrm>
+          <a:prstGeom prst="rect">
+            <a:avLst/>
+          </a:prstGeom>
+        </p:spPr>
+        <p:txBody>
+          <a:bodyPr vert="horz" lIns="91440" tIns="45720" rIns="91440" bIns="45720" rtlCol="0"/>
+          <a:lstStyle/>
+          <a:p>
+            <a:pPr lvl="0"/>
+            <a:r>
+              <a:rPr lang="en-GB"/>
+              <a:t>Click to edit Master text styles</a:t>
+            </a:r>
+          </a:p>
+          <a:p>
+            <a:pPr lvl="1"/>
+            <a:r>
+              <a:rPr lang="en-GB"/>
+              <a:t>Second level</a:t>
+            </a:r>
+          </a:p>
+          <a:p>
+            <a:pPr lvl="2"/>
+            <a:r>
+              <a:rPr lang="en-GB"/>
+              <a:t>Third level</a:t>
+            </a:r>
+          </a:p>
+          <a:p>
+            <a:pPr lvl="3"/>
+            <a:r>
+              <a:rPr lang="en-GB"/>
+              <a:t>Fourth level</a:t>
+            </a:r>
+          </a:p>
+          <a:p>
+            <a:pPr lvl="4"/>
+            <a:r>
+              <a:rPr lang="en-GB"/>
+              <a:t>Fifth level</a:t>
+            </a:r>
+            <a:endParaRPr lang="en-US"/>
+          </a:p>
+        </p:txBody>
+      </p:sp>
+      <p:sp>
+        <p:nvSpPr>
+          <p:cNvPr id="6" name="Footer Placeholder 5"/>
+          <p:cNvSpPr>
+            <a:spLocks noGrp="1"/>
+          </p:cNvSpPr>
+          <p:nvPr>
+            <p:ph type="ftr" sz="quarter" idx="4"/>
+          </p:nvPr>
+        </p:nvSpPr>
+        <p:spPr>
+          <a:xfrm>
+            <a:off x="0" y="8685213"/>
+            <a:ext cx="2971800" cy="458787"/>
+          </a:xfrm>
+          <a:prstGeom prst="rect">
+            <a:avLst/>
+          </a:prstGeom>
+        </p:spPr>
+        <p:txBody>
+          <a:bodyPr vert="horz" lIns="91440" tIns="45720" rIns="91440" bIns="45720" rtlCol="0" anchor="b"/>
+          <a:lstStyle>
+            <a:lvl1pPr algn="l">
+              <a:defRPr sz="1200"/>
+            </a:lvl1pPr>
+          </a:lstStyle>
+          <a:p>
+            <a:endParaRPr lang="en-US"/>
+          </a:p>
+        </p:txBody>
+      </p:sp>
+      <p:sp>
+        <p:nvSpPr>
+          <p:cNvPr id="7" name="Slide Number Placeholder 6"/>
+          <p:cNvSpPr>
+            <a:spLocks noGrp="1"/>
+          </p:cNvSpPr>
+          <p:nvPr>
+            <p:ph type="sldNum" sz="quarter" idx="5"/>
+          </p:nvPr>
+        </p:nvSpPr>
+        <p:spPr>
+          <a:xfrm>
+            <a:off x="3884613" y="8685213"/>
+            <a:ext cx="2971800" cy="458787"/>
+          </a:xfrm>
+          <a:prstGeom prst="rect">
+            <a:avLst/>
+          </a:prstGeom>
+        </p:spPr>
+        <p:txBody>
+          <a:bodyPr vert="horz" lIns="91440" tIns="45720" rIns="91440" bIns="45720" rtlCol="0" anchor="b"/>
+          <a:lstStyle>
+            <a:lvl1pPr algn="r">
+              <a:defRPr sz="1200"/>
+            </a:lvl1pPr>
+          </a:lstStyle>
+          <a:p>
+            <a:fld id="{F2CE66B5-3CD0-3B42-831A-46A6E3778BF5}" type="slidenum">
+              <a:rPr lang="en-US" smtClean="0"/>
+              <a:t>‹#›</a:t>
+            </a:fld>
+            <a:endParaRPr lang="en-US"/>
+          </a:p>
+        </p:txBody>
+      </p:sp>
+    </p:spTree>
+    <p:extLst>
+      <p:ext uri="{BB962C8B-B14F-4D97-AF65-F5344CB8AC3E}">
+        <p14:creationId xmlns:p14="http://schemas.microsoft.com/office/powerpoint/2010/main" val="161102551"/>
+      </p:ext>
+    </p:extLst>
+  </p:cSld>
+  <p:clrMap bg1="lt1" tx1="dk1" bg2="lt2" tx2="dk2" accent1="accent1" accent2="accent2" accent3="accent3" accent4="accent4" accent5="accent5" accent6="accent6" hlink="hlink" folHlink="folHlink"/>
+  <p:notesStyle>
+    <a:lvl1pPr marL="0" algn="l" defTabSz="914400" rtl="0" eaLnBrk="1" latinLnBrk="0" hangingPunct="1">
+      <a:defRPr sz="1200" kern="1200">
+        <a:solidFill>
+          <a:schemeClr val="tx1"/>
+        </a:solidFill>
+        <a:latin typeface="+mn-lt"/>
+        <a:ea typeface="+mn-ea"/>
+        <a:cs typeface="+mn-cs"/>
+      </a:defRPr>
+    </a:lvl1pPr>
+    <a:lvl2pPr marL="457200" algn="l" defTabSz="914400" rtl="0" eaLnBrk="1" latinLnBrk="0" hangingPunct="1">
+      <a:defRPr sz="1200" kern="1200">
+        <a:solidFill>
+          <a:schemeClr val="tx1"/>
+        </a:solidFill>
+        <a:latin typeface="+mn-lt"/>
+        <a:ea typeface="+mn-ea"/>
+        <a:cs typeface="+mn-cs"/>
+      </a:defRPr>
+    </a:lvl2pPr>
+    <a:lvl3pPr marL="914400" algn="l" defTabSz="914400" rtl="0" eaLnBrk="1" latinLnBrk="0" hangingPunct="1">
+      <a:defRPr sz="1200" kern="1200">
+        <a:solidFill>
+          <a:schemeClr val="tx1"/>
+        </a:solidFill>
+        <a:latin typeface="+mn-lt"/>
+        <a:ea typeface="+mn-ea"/>
+        <a:cs typeface="+mn-cs"/>
+      </a:defRPr>
+    </a:lvl3pPr>
+    <a:lvl4pPr marL="1371600" algn="l" defTabSz="914400" rtl="0" eaLnBrk="1" latinLnBrk="0" hangingPunct="1">
+      <a:defRPr sz="1200" kern="1200">
+        <a:solidFill>
+          <a:schemeClr val="tx1"/>
+        </a:solidFill>
+        <a:latin typeface="+mn-lt"/>
+        <a:ea typeface="+mn-ea"/>
+        <a:cs typeface="+mn-cs"/>
+      </a:defRPr>
+    </a:lvl4pPr>
+    <a:lvl5pPr marL="1828800" algn="l" defTabSz="914400" rtl="0" eaLnBrk="1" latinLnBrk="0" hangingPunct="1">
+      <a:defRPr sz="1200" kern="1200">
+        <a:solidFill>
+          <a:schemeClr val="tx1"/>
+        </a:solidFill>
+        <a:latin typeface="+mn-lt"/>
+        <a:ea typeface="+mn-ea"/>
+        <a:cs typeface="+mn-cs"/>
+      </a:defRPr>
+    </a:lvl5pPr>
+    <a:lvl6pPr marL="2286000" algn="l" defTabSz="914400" rtl="0" eaLnBrk="1" latinLnBrk="0" hangingPunct="1">
+      <a:defRPr sz="1200" kern="1200">
+        <a:solidFill>
+          <a:schemeClr val="tx1"/>
+        </a:solidFill>
+        <a:latin typeface="+mn-lt"/>
+        <a:ea typeface="+mn-ea"/>
+        <a:cs typeface="+mn-cs"/>
+      </a:defRPr>
+    </a:lvl6pPr>
+    <a:lvl7pPr marL="2743200" algn="l" defTabSz="914400" rtl="0" eaLnBrk="1" latinLnBrk="0" hangingPunct="1">
+      <a:defRPr sz="1200" kern="1200">
+        <a:solidFill>
+          <a:schemeClr val="tx1"/>
+        </a:solidFill>
+        <a:latin typeface="+mn-lt"/>
+        <a:ea typeface="+mn-ea"/>
+        <a:cs typeface="+mn-cs"/>
+      </a:defRPr>
+    </a:lvl7pPr>
+    <a:lvl8pPr marL="3200400" algn="l" defTabSz="914400" rtl="0" eaLnBrk="1" latinLnBrk="0" hangingPunct="1">
+      <a:defRPr sz="1200" kern="1200">
+        <a:solidFill>
+          <a:schemeClr val="tx1"/>
+        </a:solidFill>
+        <a:latin typeface="+mn-lt"/>
+        <a:ea typeface="+mn-ea"/>
+        <a:cs typeface="+mn-cs"/>
+      </a:defRPr>
+    </a:lvl8pPr>
+    <a:lvl9pPr marL="3657600" algn="l" defTabSz="914400" rtl="0" eaLnBrk="1" latinLnBrk="0" hangingPunct="1">
+      <a:defRPr sz="1200" kern="1200">
+        <a:solidFill>
+          <a:schemeClr val="tx1"/>
+        </a:solidFill>
+        <a:latin typeface="+mn-lt"/>
+        <a:ea typeface="+mn-ea"/>
+        <a:cs typeface="+mn-cs"/>
+      </a:defRPr>
+    </a:lvl9pPr>
+  </p:notesStyle>
+</p:notesMaster>
+</file>
+
+<file path=ppt/notesSlides/notesSlide1.xml><?xml version="1.0" encoding="utf-8"?>
+<p:notes xmlns:a="http://schemas.openxmlformats.org/drawingml/2006/main" xmlns:r="http://schemas.openxmlformats.org/officeDocument/2006/relationships" xmlns:p="http://schemas.openxmlformats.org/presentationml/2006/main">
+  <p:cSld>
+    <p:spTree>
+      <p:nvGrpSpPr>
+        <p:cNvPr id="1" name=""/>
+        <p:cNvGrpSpPr/>
+        <p:nvPr/>
+      </p:nvGrpSpPr>
+      <p:grpSpPr>
+        <a:xfrm>
+          <a:off x="0" y="0"/>
+          <a:ext cx="0" cy="0"/>
+          <a:chOff x="0" y="0"/>
+          <a:chExt cx="0" cy="0"/>
+        </a:xfrm>
+      </p:grpSpPr>
+      <p:sp>
+        <p:nvSpPr>
+          <p:cNvPr id="2" name="Slide Image Placeholder 1"/>
+          <p:cNvSpPr>
+            <a:spLocks noGrp="1" noRot="1" noChangeAspect="1"/>
+          </p:cNvSpPr>
+          <p:nvPr>
+            <p:ph type="sldImg"/>
+          </p:nvPr>
+        </p:nvSpPr>
+        <p:spPr/>
+      </p:sp>
+      <p:sp>
+        <p:nvSpPr>
+          <p:cNvPr id="3" name="Notes Placeholder 2"/>
+          <p:cNvSpPr>
+            <a:spLocks noGrp="1"/>
+          </p:cNvSpPr>
+          <p:nvPr>
+            <p:ph type="body" idx="1"/>
+          </p:nvPr>
+        </p:nvSpPr>
+        <p:spPr/>
+        <p:txBody>
+          <a:bodyPr/>
+          <a:lstStyle/>
+          <a:p>
+            <a:endParaRPr lang="en-US" dirty="0"/>
+          </a:p>
+        </p:txBody>
+      </p:sp>
+      <p:sp>
+        <p:nvSpPr>
+          <p:cNvPr id="4" name="Slide Number Placeholder 3"/>
+          <p:cNvSpPr>
+            <a:spLocks noGrp="1"/>
+          </p:cNvSpPr>
+          <p:nvPr>
+            <p:ph type="sldNum" sz="quarter" idx="5"/>
+          </p:nvPr>
+        </p:nvSpPr>
+        <p:spPr/>
+        <p:txBody>
+          <a:bodyPr/>
+          <a:lstStyle/>
+          <a:p>
+            <a:fld id="{F2CE66B5-3CD0-3B42-831A-46A6E3778BF5}" type="slidenum">
+              <a:rPr lang="en-US" smtClean="0"/>
+              <a:t>18</a:t>
+            </a:fld>
+            <a:endParaRPr lang="en-US"/>
+          </a:p>
+        </p:txBody>
+      </p:sp>
+    </p:spTree>
+    <p:extLst>
+      <p:ext uri="{BB962C8B-B14F-4D97-AF65-F5344CB8AC3E}">
+        <p14:creationId xmlns:p14="http://schemas.microsoft.com/office/powerpoint/2010/main" val="2652954796"/>
+      </p:ext>
+    </p:extLst>
+  </p:cSld>
+  <p:clrMapOvr>
+    <a:masterClrMapping/>
+  </p:clrMapOvr>
+</p:notes>
+</file>
+
 <file path=ppt/slideLayouts/slideLayout1.xml><?xml version="1.0" encoding="utf-8"?>
 <p:sldLayout xmlns:a="http://schemas.openxmlformats.org/drawingml/2006/main" xmlns:r="http://schemas.openxmlformats.org/officeDocument/2006/relationships" xmlns:p="http://schemas.openxmlformats.org/presentationml/2006/main" type="title" preserve="1">
   <p:cSld name="Title Slide">
@@ -273,7 +715,7 @@
           <a:p>
             <a:fld id="{C4F0DE68-8E05-A345-866E-F8C1D50CC097}" type="datetimeFigureOut">
               <a:rPr lang="en-US" smtClean="0"/>
-              <a:t>7/11/24</a:t>
+              <a:t>7/13/24</a:t>
             </a:fld>
             <a:endParaRPr lang="en-US"/>
           </a:p>
@@ -473,7 +915,7 @@
           <a:p>
             <a:fld id="{C4F0DE68-8E05-A345-866E-F8C1D50CC097}" type="datetimeFigureOut">
               <a:rPr lang="en-US" smtClean="0"/>
-              <a:t>7/11/24</a:t>
+              <a:t>7/13/24</a:t>
             </a:fld>
             <a:endParaRPr lang="en-US"/>
           </a:p>
@@ -683,7 +1125,7 @@
           <a:p>
             <a:fld id="{C4F0DE68-8E05-A345-866E-F8C1D50CC097}" type="datetimeFigureOut">
               <a:rPr lang="en-US" smtClean="0"/>
-              <a:t>7/11/24</a:t>
+              <a:t>7/13/24</a:t>
             </a:fld>
             <a:endParaRPr lang="en-US"/>
           </a:p>
@@ -883,7 +1325,7 @@
           <a:p>
             <a:fld id="{C4F0DE68-8E05-A345-866E-F8C1D50CC097}" type="datetimeFigureOut">
               <a:rPr lang="en-US" smtClean="0"/>
-              <a:t>7/11/24</a:t>
+              <a:t>7/13/24</a:t>
             </a:fld>
             <a:endParaRPr lang="en-US"/>
           </a:p>
@@ -1159,7 +1601,7 @@
           <a:p>
             <a:fld id="{C4F0DE68-8E05-A345-866E-F8C1D50CC097}" type="datetimeFigureOut">
               <a:rPr lang="en-US" smtClean="0"/>
-              <a:t>7/11/24</a:t>
+              <a:t>7/13/24</a:t>
             </a:fld>
             <a:endParaRPr lang="en-US"/>
           </a:p>
@@ -1427,7 +1869,7 @@
           <a:p>
             <a:fld id="{C4F0DE68-8E05-A345-866E-F8C1D50CC097}" type="datetimeFigureOut">
               <a:rPr lang="en-US" smtClean="0"/>
-              <a:t>7/11/24</a:t>
+              <a:t>7/13/24</a:t>
             </a:fld>
             <a:endParaRPr lang="en-US"/>
           </a:p>
@@ -1842,7 +2284,7 @@
           <a:p>
             <a:fld id="{C4F0DE68-8E05-A345-866E-F8C1D50CC097}" type="datetimeFigureOut">
               <a:rPr lang="en-US" smtClean="0"/>
-              <a:t>7/11/24</a:t>
+              <a:t>7/13/24</a:t>
             </a:fld>
             <a:endParaRPr lang="en-US"/>
           </a:p>
@@ -1984,7 +2426,7 @@
           <a:p>
             <a:fld id="{C4F0DE68-8E05-A345-866E-F8C1D50CC097}" type="datetimeFigureOut">
               <a:rPr lang="en-US" smtClean="0"/>
-              <a:t>7/11/24</a:t>
+              <a:t>7/13/24</a:t>
             </a:fld>
             <a:endParaRPr lang="en-US"/>
           </a:p>
@@ -2097,7 +2539,7 @@
           <a:p>
             <a:fld id="{C4F0DE68-8E05-A345-866E-F8C1D50CC097}" type="datetimeFigureOut">
               <a:rPr lang="en-US" smtClean="0"/>
-              <a:t>7/11/24</a:t>
+              <a:t>7/13/24</a:t>
             </a:fld>
             <a:endParaRPr lang="en-US"/>
           </a:p>
@@ -2410,7 +2852,7 @@
           <a:p>
             <a:fld id="{C4F0DE68-8E05-A345-866E-F8C1D50CC097}" type="datetimeFigureOut">
               <a:rPr lang="en-US" smtClean="0"/>
-              <a:t>7/11/24</a:t>
+              <a:t>7/13/24</a:t>
             </a:fld>
             <a:endParaRPr lang="en-US"/>
           </a:p>
@@ -2699,7 +3141,7 @@
           <a:p>
             <a:fld id="{C4F0DE68-8E05-A345-866E-F8C1D50CC097}" type="datetimeFigureOut">
               <a:rPr lang="en-US" smtClean="0"/>
-              <a:t>7/11/24</a:t>
+              <a:t>7/13/24</a:t>
             </a:fld>
             <a:endParaRPr lang="en-US"/>
           </a:p>
@@ -2942,7 +3384,7 @@
           <a:p>
             <a:fld id="{C4F0DE68-8E05-A345-866E-F8C1D50CC097}" type="datetimeFigureOut">
               <a:rPr lang="en-US" smtClean="0"/>
-              <a:t>7/11/24</a:t>
+              <a:t>7/13/24</a:t>
             </a:fld>
             <a:endParaRPr lang="en-US"/>
           </a:p>
@@ -5211,6 +5653,2025 @@
       </p:transition>
     </mc:Choice>
     <mc:Fallback xmlns="">
+      <p:transition spd="med">
+        <p:fade/>
+      </p:transition>
+    </mc:Fallback>
+  </mc:AlternateContent>
+  <p:timing>
+    <p:tnLst>
+      <p:par>
+        <p:cTn id="1" dur="indefinite" restart="never" nodeType="tmRoot">
+          <p:childTnLst>
+            <p:seq concurrent="1" nextAc="seek">
+              <p:cTn id="2" dur="indefinite" nodeType="mainSeq">
+                <p:childTnLst>
+                  <p:par>
+                    <p:cTn id="3" fill="hold">
+                      <p:stCondLst>
+                        <p:cond delay="indefinite"/>
+                      </p:stCondLst>
+                      <p:childTnLst>
+                        <p:par>
+                          <p:cTn id="4" fill="hold">
+                            <p:stCondLst>
+                              <p:cond delay="0"/>
+                            </p:stCondLst>
+                            <p:childTnLst>
+                              <p:par>
+                                <p:cTn id="5" presetID="1" presetClass="entr" presetSubtype="0" fill="hold" nodeType="clickEffect">
+                                  <p:stCondLst>
+                                    <p:cond delay="0"/>
+                                  </p:stCondLst>
+                                  <p:childTnLst>
+                                    <p:set>
+                                      <p:cBhvr>
+                                        <p:cTn id="6" dur="1" fill="hold">
+                                          <p:stCondLst>
+                                            <p:cond delay="0"/>
+                                          </p:stCondLst>
+                                        </p:cTn>
+                                        <p:tgtEl>
+                                          <p:spTgt spid="3">
+                                            <p:txEl>
+                                              <p:pRg st="0" end="0"/>
+                                            </p:txEl>
+                                          </p:spTgt>
+                                        </p:tgtEl>
+                                        <p:attrNameLst>
+                                          <p:attrName>style.visibility</p:attrName>
+                                        </p:attrNameLst>
+                                      </p:cBhvr>
+                                      <p:to>
+                                        <p:strVal val="visible"/>
+                                      </p:to>
+                                    </p:set>
+                                  </p:childTnLst>
+                                </p:cTn>
+                              </p:par>
+                            </p:childTnLst>
+                          </p:cTn>
+                        </p:par>
+                      </p:childTnLst>
+                    </p:cTn>
+                  </p:par>
+                  <p:par>
+                    <p:cTn id="7" fill="hold">
+                      <p:stCondLst>
+                        <p:cond delay="indefinite"/>
+                      </p:stCondLst>
+                      <p:childTnLst>
+                        <p:par>
+                          <p:cTn id="8" fill="hold">
+                            <p:stCondLst>
+                              <p:cond delay="0"/>
+                            </p:stCondLst>
+                            <p:childTnLst>
+                              <p:par>
+                                <p:cTn id="9" presetID="1" presetClass="entr" presetSubtype="0" fill="hold" nodeType="clickEffect">
+                                  <p:stCondLst>
+                                    <p:cond delay="0"/>
+                                  </p:stCondLst>
+                                  <p:childTnLst>
+                                    <p:set>
+                                      <p:cBhvr>
+                                        <p:cTn id="10" dur="1" fill="hold">
+                                          <p:stCondLst>
+                                            <p:cond delay="0"/>
+                                          </p:stCondLst>
+                                        </p:cTn>
+                                        <p:tgtEl>
+                                          <p:spTgt spid="3">
+                                            <p:txEl>
+                                              <p:pRg st="1" end="1"/>
+                                            </p:txEl>
+                                          </p:spTgt>
+                                        </p:tgtEl>
+                                        <p:attrNameLst>
+                                          <p:attrName>style.visibility</p:attrName>
+                                        </p:attrNameLst>
+                                      </p:cBhvr>
+                                      <p:to>
+                                        <p:strVal val="visible"/>
+                                      </p:to>
+                                    </p:set>
+                                  </p:childTnLst>
+                                </p:cTn>
+                              </p:par>
+                            </p:childTnLst>
+                          </p:cTn>
+                        </p:par>
+                      </p:childTnLst>
+                    </p:cTn>
+                  </p:par>
+                </p:childTnLst>
+              </p:cTn>
+              <p:prevCondLst>
+                <p:cond evt="onPrev" delay="0">
+                  <p:tgtEl>
+                    <p:sldTgt/>
+                  </p:tgtEl>
+                </p:cond>
+              </p:prevCondLst>
+              <p:nextCondLst>
+                <p:cond evt="onNext" delay="0">
+                  <p:tgtEl>
+                    <p:sldTgt/>
+                  </p:tgtEl>
+                </p:cond>
+              </p:nextCondLst>
+            </p:seq>
+          </p:childTnLst>
+        </p:cTn>
+      </p:par>
+    </p:tnLst>
+  </p:timing>
+</p:sld>
+</file>
+
+<file path=ppt/slides/slide14.xml><?xml version="1.0" encoding="utf-8"?>
+<p:sld xmlns:a="http://schemas.openxmlformats.org/drawingml/2006/main" xmlns:r="http://schemas.openxmlformats.org/officeDocument/2006/relationships" xmlns:p="http://schemas.openxmlformats.org/presentationml/2006/main">
+  <p:cSld>
+    <p:bg>
+      <p:bgPr>
+        <a:blipFill dpi="0" rotWithShape="1">
+          <a:blip r:embed="rId2">
+            <a:lum/>
+          </a:blip>
+          <a:srcRect/>
+          <a:stretch>
+            <a:fillRect/>
+          </a:stretch>
+        </a:blipFill>
+        <a:effectLst/>
+      </p:bgPr>
+    </p:bg>
+    <p:spTree>
+      <p:nvGrpSpPr>
+        <p:cNvPr id="1" name=""/>
+        <p:cNvGrpSpPr/>
+        <p:nvPr/>
+      </p:nvGrpSpPr>
+      <p:grpSpPr>
+        <a:xfrm>
+          <a:off x="0" y="0"/>
+          <a:ext cx="0" cy="0"/>
+          <a:chOff x="0" y="0"/>
+          <a:chExt cx="0" cy="0"/>
+        </a:xfrm>
+      </p:grpSpPr>
+      <p:sp>
+        <p:nvSpPr>
+          <p:cNvPr id="4" name="Rectangle 3">
+            <a:extLst>
+              <a:ext uri="{FF2B5EF4-FFF2-40B4-BE49-F238E27FC236}">
+                <a16:creationId xmlns:a16="http://schemas.microsoft.com/office/drawing/2014/main" id="{D14D0D32-C5E8-FE91-3835-A098868E4A27}"/>
+              </a:ext>
+            </a:extLst>
+          </p:cNvPr>
+          <p:cNvSpPr/>
+          <p:nvPr/>
+        </p:nvSpPr>
+        <p:spPr>
+          <a:xfrm>
+            <a:off x="2852199" y="2894907"/>
+            <a:ext cx="6487610" cy="923330"/>
+          </a:xfrm>
+          <a:prstGeom prst="rect">
+            <a:avLst/>
+          </a:prstGeom>
+          <a:noFill/>
+        </p:spPr>
+        <p:txBody>
+          <a:bodyPr wrap="none" lIns="91440" tIns="45720" rIns="91440" bIns="45720">
+            <a:spAutoFit/>
+            <a:scene3d>
+              <a:camera prst="orthographicFront"/>
+              <a:lightRig rig="soft" dir="t">
+                <a:rot lat="0" lon="0" rev="15600000"/>
+              </a:lightRig>
+            </a:scene3d>
+            <a:sp3d extrusionH="57150" prstMaterial="softEdge">
+              <a:bevelT w="25400" h="38100"/>
+            </a:sp3d>
+          </a:bodyPr>
+          <a:lstStyle/>
+          <a:p>
+            <a:pPr algn="ctr"/>
+            <a:r>
+              <a:rPr lang="en-GB" sz="5400" dirty="0">
+                <a:ln w="0"/>
+                <a:gradFill>
+                  <a:gsLst>
+                    <a:gs pos="0">
+                      <a:schemeClr val="accent5">
+                        <a:lumMod val="50000"/>
+                      </a:schemeClr>
+                    </a:gs>
+                    <a:gs pos="50000">
+                      <a:schemeClr val="accent5"/>
+                    </a:gs>
+                    <a:gs pos="100000">
+                      <a:schemeClr val="accent5">
+                        <a:lumMod val="60000"/>
+                        <a:lumOff val="40000"/>
+                      </a:schemeClr>
+                    </a:gs>
+                  </a:gsLst>
+                  <a:lin ang="5400000"/>
+                </a:gradFill>
+                <a:effectLst>
+                  <a:reflection blurRad="6350" stA="53000" endA="300" endPos="35500" dir="5400000" sy="-90000" algn="bl" rotWithShape="0"/>
+                </a:effectLst>
+                <a:latin typeface="Times New Roman" panose="02020603050405020304" pitchFamily="18" charset="0"/>
+                <a:cs typeface="Times New Roman" panose="02020603050405020304" pitchFamily="18" charset="0"/>
+              </a:rPr>
+              <a:t>AOP with Spring Boot</a:t>
+            </a:r>
+          </a:p>
+        </p:txBody>
+      </p:sp>
+    </p:spTree>
+    <p:extLst>
+      <p:ext uri="{BB962C8B-B14F-4D97-AF65-F5344CB8AC3E}">
+        <p14:creationId xmlns:p14="http://schemas.microsoft.com/office/powerpoint/2010/main" val="1043249859"/>
+      </p:ext>
+    </p:extLst>
+  </p:cSld>
+  <p:clrMapOvr>
+    <a:masterClrMapping/>
+  </p:clrMapOvr>
+  <mc:AlternateContent xmlns:mc="http://schemas.openxmlformats.org/markup-compatibility/2006">
+    <mc:Choice xmlns:p14="http://schemas.microsoft.com/office/powerpoint/2010/main" Requires="p14">
+      <p:transition spd="med" p14:dur="700">
+        <p:fade/>
+      </p:transition>
+    </mc:Choice>
+    <mc:Fallback>
+      <p:transition spd="med">
+        <p:fade/>
+      </p:transition>
+    </mc:Fallback>
+  </mc:AlternateContent>
+</p:sld>
+</file>
+
+<file path=ppt/slides/slide15.xml><?xml version="1.0" encoding="utf-8"?>
+<p:sld xmlns:a="http://schemas.openxmlformats.org/drawingml/2006/main" xmlns:r="http://schemas.openxmlformats.org/officeDocument/2006/relationships" xmlns:p="http://schemas.openxmlformats.org/presentationml/2006/main">
+  <p:cSld>
+    <p:bg>
+      <p:bgPr>
+        <a:blipFill dpi="0" rotWithShape="1">
+          <a:blip r:embed="rId2">
+            <a:lum/>
+          </a:blip>
+          <a:srcRect/>
+          <a:stretch>
+            <a:fillRect/>
+          </a:stretch>
+        </a:blipFill>
+        <a:effectLst/>
+      </p:bgPr>
+    </p:bg>
+    <p:spTree>
+      <p:nvGrpSpPr>
+        <p:cNvPr id="1" name=""/>
+        <p:cNvGrpSpPr/>
+        <p:nvPr/>
+      </p:nvGrpSpPr>
+      <p:grpSpPr>
+        <a:xfrm>
+          <a:off x="0" y="0"/>
+          <a:ext cx="0" cy="0"/>
+          <a:chOff x="0" y="0"/>
+          <a:chExt cx="0" cy="0"/>
+        </a:xfrm>
+      </p:grpSpPr>
+      <p:sp>
+        <p:nvSpPr>
+          <p:cNvPr id="3" name="TextBox 2">
+            <a:extLst>
+              <a:ext uri="{FF2B5EF4-FFF2-40B4-BE49-F238E27FC236}">
+                <a16:creationId xmlns:a16="http://schemas.microsoft.com/office/drawing/2014/main" id="{E634EB09-B96B-3B94-C9B4-780CAFDCDF1C}"/>
+              </a:ext>
+            </a:extLst>
+          </p:cNvPr>
+          <p:cNvSpPr txBox="1"/>
+          <p:nvPr/>
+        </p:nvSpPr>
+        <p:spPr>
+          <a:xfrm>
+            <a:off x="915249" y="1625763"/>
+            <a:ext cx="9134763" cy="2535566"/>
+          </a:xfrm>
+          <a:prstGeom prst="rect">
+            <a:avLst/>
+          </a:prstGeom>
+          <a:noFill/>
+        </p:spPr>
+        <p:txBody>
+          <a:bodyPr wrap="square" rtlCol="0">
+            <a:spAutoFit/>
+          </a:bodyPr>
+          <a:lstStyle/>
+          <a:p>
+            <a:pPr marL="285750" indent="-285750">
+              <a:lnSpc>
+                <a:spcPct val="150000"/>
+              </a:lnSpc>
+              <a:buFont typeface="Wingdings" pitchFamily="2" charset="2"/>
+              <a:buChar char="Ø"/>
+            </a:pPr>
+            <a:r>
+              <a:rPr lang="en-US" dirty="0">
+                <a:latin typeface="Times New Roman" panose="02020603050405020304" pitchFamily="18" charset="0"/>
+                <a:cs typeface="Times New Roman" panose="02020603050405020304" pitchFamily="18" charset="0"/>
+              </a:rPr>
+              <a:t>Aspect-Oriented Programming (AOP) is a programming technique that helps you organize code by separating concerns.</a:t>
+            </a:r>
+          </a:p>
+          <a:p>
+            <a:pPr marL="285750" indent="-285750">
+              <a:lnSpc>
+                <a:spcPct val="150000"/>
+              </a:lnSpc>
+              <a:buFont typeface="Wingdings" pitchFamily="2" charset="2"/>
+              <a:buChar char="Ø"/>
+            </a:pPr>
+            <a:r>
+              <a:rPr lang="en-US" dirty="0">
+                <a:latin typeface="Times New Roman" panose="02020603050405020304" pitchFamily="18" charset="0"/>
+                <a:cs typeface="Times New Roman" panose="02020603050405020304" pitchFamily="18" charset="0"/>
+              </a:rPr>
+              <a:t>Imagine a program with functionality for managing users (core logic). AOP allows you to separate aspects like logging, security, and error handling from this core logic. These are considered "cross-cutting concerns" because they affect multiple parts of the codebase</a:t>
+            </a:r>
+          </a:p>
+          <a:p>
+            <a:pPr marL="285750" indent="-285750">
+              <a:lnSpc>
+                <a:spcPct val="150000"/>
+              </a:lnSpc>
+              <a:buFont typeface="Wingdings" pitchFamily="2" charset="2"/>
+              <a:buChar char="Ø"/>
+            </a:pPr>
+            <a:r>
+              <a:rPr lang="en-US" dirty="0">
+                <a:latin typeface="Times New Roman" panose="02020603050405020304" pitchFamily="18" charset="0"/>
+                <a:cs typeface="Times New Roman" panose="02020603050405020304" pitchFamily="18" charset="0"/>
+              </a:rPr>
+              <a:t>AOP is a powerful technique for improving code modularity, maintainability, and reusability.</a:t>
+            </a:r>
+          </a:p>
+        </p:txBody>
+      </p:sp>
+      <p:sp>
+        <p:nvSpPr>
+          <p:cNvPr id="2" name="Rectangle 1">
+            <a:extLst>
+              <a:ext uri="{FF2B5EF4-FFF2-40B4-BE49-F238E27FC236}">
+                <a16:creationId xmlns:a16="http://schemas.microsoft.com/office/drawing/2014/main" id="{48F9CE81-C1F0-B68D-8064-60FA8458DF94}"/>
+              </a:ext>
+            </a:extLst>
+          </p:cNvPr>
+          <p:cNvSpPr/>
+          <p:nvPr/>
+        </p:nvSpPr>
+        <p:spPr>
+          <a:xfrm>
+            <a:off x="1034324" y="702433"/>
+            <a:ext cx="1569660" cy="923330"/>
+          </a:xfrm>
+          <a:prstGeom prst="rect">
+            <a:avLst/>
+          </a:prstGeom>
+          <a:noFill/>
+        </p:spPr>
+        <p:txBody>
+          <a:bodyPr wrap="none" lIns="91440" tIns="45720" rIns="91440" bIns="45720">
+            <a:spAutoFit/>
+            <a:scene3d>
+              <a:camera prst="orthographicFront"/>
+              <a:lightRig rig="soft" dir="t">
+                <a:rot lat="0" lon="0" rev="15600000"/>
+              </a:lightRig>
+            </a:scene3d>
+            <a:sp3d extrusionH="57150" prstMaterial="softEdge">
+              <a:bevelT w="25400" h="38100"/>
+            </a:sp3d>
+          </a:bodyPr>
+          <a:lstStyle/>
+          <a:p>
+            <a:pPr algn="ctr"/>
+            <a:r>
+              <a:rPr lang="en-GB" sz="5400" dirty="0">
+                <a:ln w="0"/>
+                <a:gradFill>
+                  <a:gsLst>
+                    <a:gs pos="0">
+                      <a:schemeClr val="accent5">
+                        <a:lumMod val="50000"/>
+                      </a:schemeClr>
+                    </a:gs>
+                    <a:gs pos="50000">
+                      <a:schemeClr val="accent5"/>
+                    </a:gs>
+                    <a:gs pos="100000">
+                      <a:schemeClr val="accent5">
+                        <a:lumMod val="60000"/>
+                        <a:lumOff val="40000"/>
+                      </a:schemeClr>
+                    </a:gs>
+                  </a:gsLst>
+                  <a:lin ang="5400000"/>
+                </a:gradFill>
+                <a:effectLst>
+                  <a:reflection blurRad="6350" stA="53000" endA="300" endPos="35500" dir="5400000" sy="-90000" algn="bl" rotWithShape="0"/>
+                </a:effectLst>
+                <a:latin typeface="Times New Roman" panose="02020603050405020304" pitchFamily="18" charset="0"/>
+                <a:cs typeface="Times New Roman" panose="02020603050405020304" pitchFamily="18" charset="0"/>
+              </a:rPr>
+              <a:t>AOP</a:t>
+            </a:r>
+          </a:p>
+        </p:txBody>
+      </p:sp>
+    </p:spTree>
+    <p:extLst>
+      <p:ext uri="{BB962C8B-B14F-4D97-AF65-F5344CB8AC3E}">
+        <p14:creationId xmlns:p14="http://schemas.microsoft.com/office/powerpoint/2010/main" val="4135471447"/>
+      </p:ext>
+    </p:extLst>
+  </p:cSld>
+  <p:clrMapOvr>
+    <a:masterClrMapping/>
+  </p:clrMapOvr>
+  <mc:AlternateContent xmlns:mc="http://schemas.openxmlformats.org/markup-compatibility/2006">
+    <mc:Choice xmlns:p14="http://schemas.microsoft.com/office/powerpoint/2010/main" Requires="p14">
+      <p:transition spd="med" p14:dur="700">
+        <p:fade/>
+      </p:transition>
+    </mc:Choice>
+    <mc:Fallback>
+      <p:transition spd="med">
+        <p:fade/>
+      </p:transition>
+    </mc:Fallback>
+  </mc:AlternateContent>
+  <p:timing>
+    <p:tnLst>
+      <p:par>
+        <p:cTn id="1" dur="indefinite" restart="never" nodeType="tmRoot">
+          <p:childTnLst>
+            <p:seq concurrent="1" nextAc="seek">
+              <p:cTn id="2" dur="indefinite" nodeType="mainSeq">
+                <p:childTnLst>
+                  <p:par>
+                    <p:cTn id="3" fill="hold">
+                      <p:stCondLst>
+                        <p:cond delay="indefinite"/>
+                      </p:stCondLst>
+                      <p:childTnLst>
+                        <p:par>
+                          <p:cTn id="4" fill="hold">
+                            <p:stCondLst>
+                              <p:cond delay="0"/>
+                            </p:stCondLst>
+                            <p:childTnLst>
+                              <p:par>
+                                <p:cTn id="5" presetID="1" presetClass="entr" presetSubtype="0" fill="hold" nodeType="clickEffect">
+                                  <p:stCondLst>
+                                    <p:cond delay="0"/>
+                                  </p:stCondLst>
+                                  <p:childTnLst>
+                                    <p:set>
+                                      <p:cBhvr>
+                                        <p:cTn id="6" dur="1" fill="hold">
+                                          <p:stCondLst>
+                                            <p:cond delay="0"/>
+                                          </p:stCondLst>
+                                        </p:cTn>
+                                        <p:tgtEl>
+                                          <p:spTgt spid="3">
+                                            <p:txEl>
+                                              <p:pRg st="0" end="0"/>
+                                            </p:txEl>
+                                          </p:spTgt>
+                                        </p:tgtEl>
+                                        <p:attrNameLst>
+                                          <p:attrName>style.visibility</p:attrName>
+                                        </p:attrNameLst>
+                                      </p:cBhvr>
+                                      <p:to>
+                                        <p:strVal val="visible"/>
+                                      </p:to>
+                                    </p:set>
+                                  </p:childTnLst>
+                                </p:cTn>
+                              </p:par>
+                            </p:childTnLst>
+                          </p:cTn>
+                        </p:par>
+                      </p:childTnLst>
+                    </p:cTn>
+                  </p:par>
+                  <p:par>
+                    <p:cTn id="7" fill="hold">
+                      <p:stCondLst>
+                        <p:cond delay="indefinite"/>
+                      </p:stCondLst>
+                      <p:childTnLst>
+                        <p:par>
+                          <p:cTn id="8" fill="hold">
+                            <p:stCondLst>
+                              <p:cond delay="0"/>
+                            </p:stCondLst>
+                            <p:childTnLst>
+                              <p:par>
+                                <p:cTn id="9" presetID="1" presetClass="entr" presetSubtype="0" fill="hold" nodeType="clickEffect">
+                                  <p:stCondLst>
+                                    <p:cond delay="0"/>
+                                  </p:stCondLst>
+                                  <p:childTnLst>
+                                    <p:set>
+                                      <p:cBhvr>
+                                        <p:cTn id="10" dur="1" fill="hold">
+                                          <p:stCondLst>
+                                            <p:cond delay="0"/>
+                                          </p:stCondLst>
+                                        </p:cTn>
+                                        <p:tgtEl>
+                                          <p:spTgt spid="3">
+                                            <p:txEl>
+                                              <p:pRg st="1" end="1"/>
+                                            </p:txEl>
+                                          </p:spTgt>
+                                        </p:tgtEl>
+                                        <p:attrNameLst>
+                                          <p:attrName>style.visibility</p:attrName>
+                                        </p:attrNameLst>
+                                      </p:cBhvr>
+                                      <p:to>
+                                        <p:strVal val="visible"/>
+                                      </p:to>
+                                    </p:set>
+                                  </p:childTnLst>
+                                </p:cTn>
+                              </p:par>
+                            </p:childTnLst>
+                          </p:cTn>
+                        </p:par>
+                      </p:childTnLst>
+                    </p:cTn>
+                  </p:par>
+                  <p:par>
+                    <p:cTn id="11" fill="hold">
+                      <p:stCondLst>
+                        <p:cond delay="indefinite"/>
+                      </p:stCondLst>
+                      <p:childTnLst>
+                        <p:par>
+                          <p:cTn id="12" fill="hold">
+                            <p:stCondLst>
+                              <p:cond delay="0"/>
+                            </p:stCondLst>
+                            <p:childTnLst>
+                              <p:par>
+                                <p:cTn id="13" presetID="3" presetClass="entr" presetSubtype="10" fill="hold" nodeType="clickEffect">
+                                  <p:stCondLst>
+                                    <p:cond delay="0"/>
+                                  </p:stCondLst>
+                                  <p:childTnLst>
+                                    <p:set>
+                                      <p:cBhvr>
+                                        <p:cTn id="14" dur="1" fill="hold">
+                                          <p:stCondLst>
+                                            <p:cond delay="0"/>
+                                          </p:stCondLst>
+                                        </p:cTn>
+                                        <p:tgtEl>
+                                          <p:spTgt spid="3">
+                                            <p:txEl>
+                                              <p:pRg st="2" end="2"/>
+                                            </p:txEl>
+                                          </p:spTgt>
+                                        </p:tgtEl>
+                                        <p:attrNameLst>
+                                          <p:attrName>style.visibility</p:attrName>
+                                        </p:attrNameLst>
+                                      </p:cBhvr>
+                                      <p:to>
+                                        <p:strVal val="visible"/>
+                                      </p:to>
+                                    </p:set>
+                                    <p:animEffect transition="in" filter="blinds(horizontal)">
+                                      <p:cBhvr>
+                                        <p:cTn id="15" dur="500"/>
+                                        <p:tgtEl>
+                                          <p:spTgt spid="3">
+                                            <p:txEl>
+                                              <p:pRg st="2" end="2"/>
+                                            </p:txEl>
+                                          </p:spTgt>
+                                        </p:tgtEl>
+                                      </p:cBhvr>
+                                    </p:animEffect>
+                                  </p:childTnLst>
+                                </p:cTn>
+                              </p:par>
+                            </p:childTnLst>
+                          </p:cTn>
+                        </p:par>
+                      </p:childTnLst>
+                    </p:cTn>
+                  </p:par>
+                </p:childTnLst>
+              </p:cTn>
+              <p:prevCondLst>
+                <p:cond evt="onPrev" delay="0">
+                  <p:tgtEl>
+                    <p:sldTgt/>
+                  </p:tgtEl>
+                </p:cond>
+              </p:prevCondLst>
+              <p:nextCondLst>
+                <p:cond evt="onNext" delay="0">
+                  <p:tgtEl>
+                    <p:sldTgt/>
+                  </p:tgtEl>
+                </p:cond>
+              </p:nextCondLst>
+            </p:seq>
+          </p:childTnLst>
+        </p:cTn>
+      </p:par>
+    </p:tnLst>
+  </p:timing>
+</p:sld>
+</file>
+
+<file path=ppt/slides/slide16.xml><?xml version="1.0" encoding="utf-8"?>
+<p:sld xmlns:a="http://schemas.openxmlformats.org/drawingml/2006/main" xmlns:r="http://schemas.openxmlformats.org/officeDocument/2006/relationships" xmlns:p="http://schemas.openxmlformats.org/presentationml/2006/main">
+  <p:cSld>
+    <p:bg>
+      <p:bgPr>
+        <a:blipFill dpi="0" rotWithShape="1">
+          <a:blip r:embed="rId2">
+            <a:lum/>
+          </a:blip>
+          <a:srcRect/>
+          <a:stretch>
+            <a:fillRect/>
+          </a:stretch>
+        </a:blipFill>
+        <a:effectLst/>
+      </p:bgPr>
+    </p:bg>
+    <p:spTree>
+      <p:nvGrpSpPr>
+        <p:cNvPr id="1" name=""/>
+        <p:cNvGrpSpPr/>
+        <p:nvPr/>
+      </p:nvGrpSpPr>
+      <p:grpSpPr>
+        <a:xfrm>
+          <a:off x="0" y="0"/>
+          <a:ext cx="0" cy="0"/>
+          <a:chOff x="0" y="0"/>
+          <a:chExt cx="0" cy="0"/>
+        </a:xfrm>
+      </p:grpSpPr>
+      <p:sp>
+        <p:nvSpPr>
+          <p:cNvPr id="3" name="TextBox 2">
+            <a:extLst>
+              <a:ext uri="{FF2B5EF4-FFF2-40B4-BE49-F238E27FC236}">
+                <a16:creationId xmlns:a16="http://schemas.microsoft.com/office/drawing/2014/main" id="{E634EB09-B96B-3B94-C9B4-780CAFDCDF1C}"/>
+              </a:ext>
+            </a:extLst>
+          </p:cNvPr>
+          <p:cNvSpPr txBox="1"/>
+          <p:nvPr/>
+        </p:nvSpPr>
+        <p:spPr>
+          <a:xfrm>
+            <a:off x="915249" y="1625763"/>
+            <a:ext cx="9134763" cy="2535566"/>
+          </a:xfrm>
+          <a:prstGeom prst="rect">
+            <a:avLst/>
+          </a:prstGeom>
+          <a:noFill/>
+        </p:spPr>
+        <p:txBody>
+          <a:bodyPr wrap="square" rtlCol="0">
+            <a:spAutoFit/>
+          </a:bodyPr>
+          <a:lstStyle/>
+          <a:p>
+            <a:pPr marL="285750" indent="-285750">
+              <a:lnSpc>
+                <a:spcPct val="150000"/>
+              </a:lnSpc>
+              <a:buFont typeface="Wingdings" pitchFamily="2" charset="2"/>
+              <a:buChar char="Ø"/>
+            </a:pPr>
+            <a:r>
+              <a:rPr lang="en-US" b="1" dirty="0">
+                <a:latin typeface="Times New Roman" panose="02020603050405020304" pitchFamily="18" charset="0"/>
+                <a:cs typeface="Times New Roman" panose="02020603050405020304" pitchFamily="18" charset="0"/>
+              </a:rPr>
+              <a:t>Cleaner </a:t>
+            </a:r>
+            <a:r>
+              <a:rPr lang="en-US" b="1" dirty="0" err="1">
+                <a:latin typeface="Times New Roman" panose="02020603050405020304" pitchFamily="18" charset="0"/>
+                <a:cs typeface="Times New Roman" panose="02020603050405020304" pitchFamily="18" charset="0"/>
+              </a:rPr>
+              <a:t>Code</a:t>
+            </a:r>
+            <a:r>
+              <a:rPr lang="en-US" dirty="0" err="1">
+                <a:latin typeface="Times New Roman" panose="02020603050405020304" pitchFamily="18" charset="0"/>
+                <a:cs typeface="Times New Roman" panose="02020603050405020304" pitchFamily="18" charset="0"/>
+              </a:rPr>
+              <a:t>:By</a:t>
+            </a:r>
+            <a:r>
+              <a:rPr lang="en-US" dirty="0">
+                <a:latin typeface="Times New Roman" panose="02020603050405020304" pitchFamily="18" charset="0"/>
+                <a:cs typeface="Times New Roman" panose="02020603050405020304" pitchFamily="18" charset="0"/>
+              </a:rPr>
+              <a:t> isolating concerns, your core logic becomes more focused and easier to understand.</a:t>
+            </a:r>
+          </a:p>
+          <a:p>
+            <a:pPr marL="285750" indent="-285750">
+              <a:lnSpc>
+                <a:spcPct val="150000"/>
+              </a:lnSpc>
+              <a:buFont typeface="Wingdings" pitchFamily="2" charset="2"/>
+              <a:buChar char="Ø"/>
+            </a:pPr>
+            <a:r>
+              <a:rPr lang="en-US" b="1" dirty="0">
+                <a:latin typeface="Times New Roman" panose="02020603050405020304" pitchFamily="18" charset="0"/>
+                <a:cs typeface="Times New Roman" panose="02020603050405020304" pitchFamily="18" charset="0"/>
+              </a:rPr>
+              <a:t>Easier </a:t>
+            </a:r>
+            <a:r>
+              <a:rPr lang="en-US" b="1" dirty="0" err="1">
+                <a:latin typeface="Times New Roman" panose="02020603050405020304" pitchFamily="18" charset="0"/>
+                <a:cs typeface="Times New Roman" panose="02020603050405020304" pitchFamily="18" charset="0"/>
+              </a:rPr>
+              <a:t>Maintenance</a:t>
+            </a:r>
+            <a:r>
+              <a:rPr lang="en-US" dirty="0" err="1">
+                <a:latin typeface="Times New Roman" panose="02020603050405020304" pitchFamily="18" charset="0"/>
+                <a:cs typeface="Times New Roman" panose="02020603050405020304" pitchFamily="18" charset="0"/>
+              </a:rPr>
+              <a:t>:If</a:t>
+            </a:r>
+            <a:r>
+              <a:rPr lang="en-US" dirty="0">
+                <a:latin typeface="Times New Roman" panose="02020603050405020304" pitchFamily="18" charset="0"/>
+                <a:cs typeface="Times New Roman" panose="02020603050405020304" pitchFamily="18" charset="0"/>
+              </a:rPr>
+              <a:t> you need to change logging or security, you only modify the aspect code, not the core logic.</a:t>
+            </a:r>
+          </a:p>
+          <a:p>
+            <a:pPr marL="285750" indent="-285750">
+              <a:lnSpc>
+                <a:spcPct val="150000"/>
+              </a:lnSpc>
+              <a:buFont typeface="Wingdings" pitchFamily="2" charset="2"/>
+              <a:buChar char="Ø"/>
+            </a:pPr>
+            <a:r>
+              <a:rPr lang="en-US" b="1" dirty="0">
+                <a:latin typeface="Times New Roman" panose="02020603050405020304" pitchFamily="18" charset="0"/>
+                <a:cs typeface="Times New Roman" panose="02020603050405020304" pitchFamily="18" charset="0"/>
+              </a:rPr>
+              <a:t>Improved </a:t>
+            </a:r>
+            <a:r>
+              <a:rPr lang="en-US" b="1" dirty="0" err="1">
+                <a:latin typeface="Times New Roman" panose="02020603050405020304" pitchFamily="18" charset="0"/>
+                <a:cs typeface="Times New Roman" panose="02020603050405020304" pitchFamily="18" charset="0"/>
+              </a:rPr>
+              <a:t>Reusability</a:t>
+            </a:r>
+            <a:r>
+              <a:rPr lang="en-US" dirty="0" err="1">
+                <a:latin typeface="Times New Roman" panose="02020603050405020304" pitchFamily="18" charset="0"/>
+                <a:cs typeface="Times New Roman" panose="02020603050405020304" pitchFamily="18" charset="0"/>
+              </a:rPr>
+              <a:t>:Code</a:t>
+            </a:r>
+            <a:r>
+              <a:rPr lang="en-US" dirty="0">
+                <a:latin typeface="Times New Roman" panose="02020603050405020304" pitchFamily="18" charset="0"/>
+                <a:cs typeface="Times New Roman" panose="02020603050405020304" pitchFamily="18" charset="0"/>
+              </a:rPr>
+              <a:t> for common concerns like logging can be reused across different parts of the program.</a:t>
+            </a:r>
+          </a:p>
+        </p:txBody>
+      </p:sp>
+      <p:sp>
+        <p:nvSpPr>
+          <p:cNvPr id="2" name="Rectangle 1">
+            <a:extLst>
+              <a:ext uri="{FF2B5EF4-FFF2-40B4-BE49-F238E27FC236}">
+                <a16:creationId xmlns:a16="http://schemas.microsoft.com/office/drawing/2014/main" id="{48F9CE81-C1F0-B68D-8064-60FA8458DF94}"/>
+              </a:ext>
+            </a:extLst>
+          </p:cNvPr>
+          <p:cNvSpPr/>
+          <p:nvPr/>
+        </p:nvSpPr>
+        <p:spPr>
+          <a:xfrm>
+            <a:off x="915249" y="620952"/>
+            <a:ext cx="4763100" cy="923330"/>
+          </a:xfrm>
+          <a:prstGeom prst="rect">
+            <a:avLst/>
+          </a:prstGeom>
+          <a:noFill/>
+        </p:spPr>
+        <p:txBody>
+          <a:bodyPr wrap="none" lIns="91440" tIns="45720" rIns="91440" bIns="45720">
+            <a:spAutoFit/>
+            <a:scene3d>
+              <a:camera prst="orthographicFront"/>
+              <a:lightRig rig="soft" dir="t">
+                <a:rot lat="0" lon="0" rev="15600000"/>
+              </a:lightRig>
+            </a:scene3d>
+            <a:sp3d extrusionH="57150" prstMaterial="softEdge">
+              <a:bevelT w="25400" h="38100"/>
+            </a:sp3d>
+          </a:bodyPr>
+          <a:lstStyle/>
+          <a:p>
+            <a:pPr algn="ctr"/>
+            <a:r>
+              <a:rPr lang="en-GB" sz="5400" dirty="0">
+                <a:ln w="0"/>
+                <a:gradFill>
+                  <a:gsLst>
+                    <a:gs pos="0">
+                      <a:schemeClr val="accent5">
+                        <a:lumMod val="50000"/>
+                      </a:schemeClr>
+                    </a:gs>
+                    <a:gs pos="50000">
+                      <a:schemeClr val="accent5"/>
+                    </a:gs>
+                    <a:gs pos="100000">
+                      <a:schemeClr val="accent5">
+                        <a:lumMod val="60000"/>
+                        <a:lumOff val="40000"/>
+                      </a:schemeClr>
+                    </a:gs>
+                  </a:gsLst>
+                  <a:lin ang="5400000"/>
+                </a:gradFill>
+                <a:effectLst>
+                  <a:reflection blurRad="6350" stA="53000" endA="300" endPos="35500" dir="5400000" sy="-90000" algn="bl" rotWithShape="0"/>
+                </a:effectLst>
+                <a:latin typeface="Times New Roman" panose="02020603050405020304" pitchFamily="18" charset="0"/>
+                <a:cs typeface="Times New Roman" panose="02020603050405020304" pitchFamily="18" charset="0"/>
+              </a:rPr>
+              <a:t>Benefits of AOP</a:t>
+            </a:r>
+          </a:p>
+        </p:txBody>
+      </p:sp>
+    </p:spTree>
+    <p:extLst>
+      <p:ext uri="{BB962C8B-B14F-4D97-AF65-F5344CB8AC3E}">
+        <p14:creationId xmlns:p14="http://schemas.microsoft.com/office/powerpoint/2010/main" val="2319016495"/>
+      </p:ext>
+    </p:extLst>
+  </p:cSld>
+  <p:clrMapOvr>
+    <a:masterClrMapping/>
+  </p:clrMapOvr>
+  <mc:AlternateContent xmlns:mc="http://schemas.openxmlformats.org/markup-compatibility/2006">
+    <mc:Choice xmlns:p14="http://schemas.microsoft.com/office/powerpoint/2010/main" Requires="p14">
+      <p:transition spd="med" p14:dur="700">
+        <p:fade/>
+      </p:transition>
+    </mc:Choice>
+    <mc:Fallback>
+      <p:transition spd="med">
+        <p:fade/>
+      </p:transition>
+    </mc:Fallback>
+  </mc:AlternateContent>
+  <p:timing>
+    <p:tnLst>
+      <p:par>
+        <p:cTn id="1" dur="indefinite" restart="never" nodeType="tmRoot">
+          <p:childTnLst>
+            <p:seq concurrent="1" nextAc="seek">
+              <p:cTn id="2" dur="indefinite" nodeType="mainSeq">
+                <p:childTnLst>
+                  <p:par>
+                    <p:cTn id="3" fill="hold">
+                      <p:stCondLst>
+                        <p:cond delay="indefinite"/>
+                      </p:stCondLst>
+                      <p:childTnLst>
+                        <p:par>
+                          <p:cTn id="4" fill="hold">
+                            <p:stCondLst>
+                              <p:cond delay="0"/>
+                            </p:stCondLst>
+                            <p:childTnLst>
+                              <p:par>
+                                <p:cTn id="5" presetID="1" presetClass="entr" presetSubtype="0" fill="hold" nodeType="clickEffect">
+                                  <p:stCondLst>
+                                    <p:cond delay="0"/>
+                                  </p:stCondLst>
+                                  <p:childTnLst>
+                                    <p:set>
+                                      <p:cBhvr>
+                                        <p:cTn id="6" dur="1" fill="hold">
+                                          <p:stCondLst>
+                                            <p:cond delay="0"/>
+                                          </p:stCondLst>
+                                        </p:cTn>
+                                        <p:tgtEl>
+                                          <p:spTgt spid="3">
+                                            <p:txEl>
+                                              <p:pRg st="0" end="0"/>
+                                            </p:txEl>
+                                          </p:spTgt>
+                                        </p:tgtEl>
+                                        <p:attrNameLst>
+                                          <p:attrName>style.visibility</p:attrName>
+                                        </p:attrNameLst>
+                                      </p:cBhvr>
+                                      <p:to>
+                                        <p:strVal val="visible"/>
+                                      </p:to>
+                                    </p:set>
+                                  </p:childTnLst>
+                                </p:cTn>
+                              </p:par>
+                            </p:childTnLst>
+                          </p:cTn>
+                        </p:par>
+                      </p:childTnLst>
+                    </p:cTn>
+                  </p:par>
+                  <p:par>
+                    <p:cTn id="7" fill="hold">
+                      <p:stCondLst>
+                        <p:cond delay="indefinite"/>
+                      </p:stCondLst>
+                      <p:childTnLst>
+                        <p:par>
+                          <p:cTn id="8" fill="hold">
+                            <p:stCondLst>
+                              <p:cond delay="0"/>
+                            </p:stCondLst>
+                            <p:childTnLst>
+                              <p:par>
+                                <p:cTn id="9" presetID="1" presetClass="entr" presetSubtype="0" fill="hold" nodeType="clickEffect">
+                                  <p:stCondLst>
+                                    <p:cond delay="0"/>
+                                  </p:stCondLst>
+                                  <p:childTnLst>
+                                    <p:set>
+                                      <p:cBhvr>
+                                        <p:cTn id="10" dur="1" fill="hold">
+                                          <p:stCondLst>
+                                            <p:cond delay="0"/>
+                                          </p:stCondLst>
+                                        </p:cTn>
+                                        <p:tgtEl>
+                                          <p:spTgt spid="3">
+                                            <p:txEl>
+                                              <p:pRg st="1" end="1"/>
+                                            </p:txEl>
+                                          </p:spTgt>
+                                        </p:tgtEl>
+                                        <p:attrNameLst>
+                                          <p:attrName>style.visibility</p:attrName>
+                                        </p:attrNameLst>
+                                      </p:cBhvr>
+                                      <p:to>
+                                        <p:strVal val="visible"/>
+                                      </p:to>
+                                    </p:set>
+                                  </p:childTnLst>
+                                </p:cTn>
+                              </p:par>
+                            </p:childTnLst>
+                          </p:cTn>
+                        </p:par>
+                      </p:childTnLst>
+                    </p:cTn>
+                  </p:par>
+                  <p:par>
+                    <p:cTn id="11" fill="hold">
+                      <p:stCondLst>
+                        <p:cond delay="indefinite"/>
+                      </p:stCondLst>
+                      <p:childTnLst>
+                        <p:par>
+                          <p:cTn id="12" fill="hold">
+                            <p:stCondLst>
+                              <p:cond delay="0"/>
+                            </p:stCondLst>
+                            <p:childTnLst>
+                              <p:par>
+                                <p:cTn id="13" presetID="1" presetClass="entr" presetSubtype="0" fill="hold" nodeType="clickEffect">
+                                  <p:stCondLst>
+                                    <p:cond delay="0"/>
+                                  </p:stCondLst>
+                                  <p:childTnLst>
+                                    <p:set>
+                                      <p:cBhvr>
+                                        <p:cTn id="14" dur="1" fill="hold">
+                                          <p:stCondLst>
+                                            <p:cond delay="0"/>
+                                          </p:stCondLst>
+                                        </p:cTn>
+                                        <p:tgtEl>
+                                          <p:spTgt spid="3">
+                                            <p:txEl>
+                                              <p:pRg st="2" end="2"/>
+                                            </p:txEl>
+                                          </p:spTgt>
+                                        </p:tgtEl>
+                                        <p:attrNameLst>
+                                          <p:attrName>style.visibility</p:attrName>
+                                        </p:attrNameLst>
+                                      </p:cBhvr>
+                                      <p:to>
+                                        <p:strVal val="visible"/>
+                                      </p:to>
+                                    </p:set>
+                                  </p:childTnLst>
+                                </p:cTn>
+                              </p:par>
+                            </p:childTnLst>
+                          </p:cTn>
+                        </p:par>
+                      </p:childTnLst>
+                    </p:cTn>
+                  </p:par>
+                </p:childTnLst>
+              </p:cTn>
+              <p:prevCondLst>
+                <p:cond evt="onPrev" delay="0">
+                  <p:tgtEl>
+                    <p:sldTgt/>
+                  </p:tgtEl>
+                </p:cond>
+              </p:prevCondLst>
+              <p:nextCondLst>
+                <p:cond evt="onNext" delay="0">
+                  <p:tgtEl>
+                    <p:sldTgt/>
+                  </p:tgtEl>
+                </p:cond>
+              </p:nextCondLst>
+            </p:seq>
+          </p:childTnLst>
+        </p:cTn>
+      </p:par>
+    </p:tnLst>
+  </p:timing>
+</p:sld>
+</file>
+
+<file path=ppt/slides/slide17.xml><?xml version="1.0" encoding="utf-8"?>
+<p:sld xmlns:a="http://schemas.openxmlformats.org/drawingml/2006/main" xmlns:r="http://schemas.openxmlformats.org/officeDocument/2006/relationships" xmlns:p="http://schemas.openxmlformats.org/presentationml/2006/main">
+  <p:cSld>
+    <p:bg>
+      <p:bgPr>
+        <a:blipFill dpi="0" rotWithShape="1">
+          <a:blip r:embed="rId2">
+            <a:lum/>
+          </a:blip>
+          <a:srcRect/>
+          <a:stretch>
+            <a:fillRect/>
+          </a:stretch>
+        </a:blipFill>
+        <a:effectLst/>
+      </p:bgPr>
+    </p:bg>
+    <p:spTree>
+      <p:nvGrpSpPr>
+        <p:cNvPr id="1" name=""/>
+        <p:cNvGrpSpPr/>
+        <p:nvPr/>
+      </p:nvGrpSpPr>
+      <p:grpSpPr>
+        <a:xfrm>
+          <a:off x="0" y="0"/>
+          <a:ext cx="0" cy="0"/>
+          <a:chOff x="0" y="0"/>
+          <a:chExt cx="0" cy="0"/>
+        </a:xfrm>
+      </p:grpSpPr>
+      <p:sp>
+        <p:nvSpPr>
+          <p:cNvPr id="3" name="TextBox 2">
+            <a:extLst>
+              <a:ext uri="{FF2B5EF4-FFF2-40B4-BE49-F238E27FC236}">
+                <a16:creationId xmlns:a16="http://schemas.microsoft.com/office/drawing/2014/main" id="{E634EB09-B96B-3B94-C9B4-780CAFDCDF1C}"/>
+              </a:ext>
+            </a:extLst>
+          </p:cNvPr>
+          <p:cNvSpPr txBox="1"/>
+          <p:nvPr/>
+        </p:nvSpPr>
+        <p:spPr>
+          <a:xfrm>
+            <a:off x="906195" y="1508068"/>
+            <a:ext cx="9134763" cy="5028556"/>
+          </a:xfrm>
+          <a:prstGeom prst="rect">
+            <a:avLst/>
+          </a:prstGeom>
+          <a:noFill/>
+        </p:spPr>
+        <p:txBody>
+          <a:bodyPr wrap="square" rtlCol="0">
+            <a:spAutoFit/>
+          </a:bodyPr>
+          <a:lstStyle/>
+          <a:p>
+            <a:pPr marL="285750" indent="-285750">
+              <a:lnSpc>
+                <a:spcPct val="150000"/>
+              </a:lnSpc>
+              <a:buFont typeface="Wingdings" pitchFamily="2" charset="2"/>
+              <a:buChar char="Ø"/>
+            </a:pPr>
+            <a:r>
+              <a:rPr lang="en-US" b="1" dirty="0">
+                <a:latin typeface="Times New Roman" panose="02020603050405020304" pitchFamily="18" charset="0"/>
+                <a:cs typeface="Times New Roman" panose="02020603050405020304" pitchFamily="18" charset="0"/>
+              </a:rPr>
+              <a:t>Aspect</a:t>
+            </a:r>
+            <a:r>
+              <a:rPr lang="en-US" dirty="0">
+                <a:latin typeface="Times New Roman" panose="02020603050405020304" pitchFamily="18" charset="0"/>
+                <a:cs typeface="Times New Roman" panose="02020603050405020304" pitchFamily="18" charset="0"/>
+              </a:rPr>
+              <a:t>:  An aspect is a class that encapsulates a cross-cutting concern like logging, security, or transaction management. It defines the advice (what to do) and pointcut (where to do it).</a:t>
+            </a:r>
+          </a:p>
+          <a:p>
+            <a:pPr marL="285750" indent="-285750">
+              <a:lnSpc>
+                <a:spcPct val="150000"/>
+              </a:lnSpc>
+              <a:buFont typeface="Wingdings" pitchFamily="2" charset="2"/>
+              <a:buChar char="Ø"/>
+            </a:pPr>
+            <a:r>
+              <a:rPr lang="en-US" b="1" dirty="0">
+                <a:latin typeface="Times New Roman" panose="02020603050405020304" pitchFamily="18" charset="0"/>
+                <a:cs typeface="Times New Roman" panose="02020603050405020304" pitchFamily="18" charset="0"/>
+              </a:rPr>
+              <a:t>Advice</a:t>
+            </a:r>
+            <a:r>
+              <a:rPr lang="en-US" dirty="0">
+                <a:latin typeface="Times New Roman" panose="02020603050405020304" pitchFamily="18" charset="0"/>
+                <a:cs typeface="Times New Roman" panose="02020603050405020304" pitchFamily="18" charset="0"/>
+              </a:rPr>
+              <a:t>: Advice is the actual code that gets executed at specific points in your application's execution.</a:t>
+            </a:r>
+          </a:p>
+          <a:p>
+            <a:pPr marL="742950" lvl="1" indent="-285750">
+              <a:lnSpc>
+                <a:spcPct val="150000"/>
+              </a:lnSpc>
+              <a:buFont typeface="Wingdings" pitchFamily="2" charset="2"/>
+              <a:buChar char="Ø"/>
+            </a:pPr>
+            <a:r>
+              <a:rPr lang="en-US" dirty="0">
+                <a:latin typeface="Times New Roman" panose="02020603050405020304" pitchFamily="18" charset="0"/>
+                <a:cs typeface="Times New Roman" panose="02020603050405020304" pitchFamily="18" charset="0"/>
+              </a:rPr>
+              <a:t>@</a:t>
+            </a:r>
+            <a:r>
+              <a:rPr lang="en-US" b="1" dirty="0">
+                <a:latin typeface="Times New Roman" panose="02020603050405020304" pitchFamily="18" charset="0"/>
+                <a:cs typeface="Times New Roman" panose="02020603050405020304" pitchFamily="18" charset="0"/>
+              </a:rPr>
+              <a:t>Before</a:t>
+            </a:r>
+            <a:r>
+              <a:rPr lang="en-US" dirty="0">
+                <a:latin typeface="Times New Roman" panose="02020603050405020304" pitchFamily="18" charset="0"/>
+                <a:cs typeface="Times New Roman" panose="02020603050405020304" pitchFamily="18" charset="0"/>
+              </a:rPr>
+              <a:t>: Advice executed before a method is called.</a:t>
+            </a:r>
+          </a:p>
+          <a:p>
+            <a:pPr marL="742950" lvl="1" indent="-285750">
+              <a:lnSpc>
+                <a:spcPct val="150000"/>
+              </a:lnSpc>
+              <a:buFont typeface="Wingdings" pitchFamily="2" charset="2"/>
+              <a:buChar char="Ø"/>
+            </a:pPr>
+            <a:r>
+              <a:rPr lang="en-US" dirty="0">
+                <a:latin typeface="Times New Roman" panose="02020603050405020304" pitchFamily="18" charset="0"/>
+                <a:cs typeface="Times New Roman" panose="02020603050405020304" pitchFamily="18" charset="0"/>
+              </a:rPr>
+              <a:t>@</a:t>
+            </a:r>
+            <a:r>
+              <a:rPr lang="en-US" b="1" dirty="0">
+                <a:latin typeface="Times New Roman" panose="02020603050405020304" pitchFamily="18" charset="0"/>
+                <a:cs typeface="Times New Roman" panose="02020603050405020304" pitchFamily="18" charset="0"/>
+              </a:rPr>
+              <a:t>After</a:t>
+            </a:r>
+            <a:r>
+              <a:rPr lang="en-US" dirty="0">
+                <a:latin typeface="Times New Roman" panose="02020603050405020304" pitchFamily="18" charset="0"/>
+                <a:cs typeface="Times New Roman" panose="02020603050405020304" pitchFamily="18" charset="0"/>
+              </a:rPr>
+              <a:t>: Advice executed after a method is called, regardless of whether it throws an exception.</a:t>
+            </a:r>
+          </a:p>
+          <a:p>
+            <a:pPr marL="742950" lvl="1" indent="-285750">
+              <a:lnSpc>
+                <a:spcPct val="150000"/>
+              </a:lnSpc>
+              <a:buFont typeface="Wingdings" pitchFamily="2" charset="2"/>
+              <a:buChar char="Ø"/>
+            </a:pPr>
+            <a:r>
+              <a:rPr lang="en-US" dirty="0">
+                <a:latin typeface="Times New Roman" panose="02020603050405020304" pitchFamily="18" charset="0"/>
+                <a:cs typeface="Times New Roman" panose="02020603050405020304" pitchFamily="18" charset="0"/>
+              </a:rPr>
+              <a:t>@</a:t>
+            </a:r>
+            <a:r>
+              <a:rPr lang="en-US" b="1" dirty="0" err="1">
+                <a:latin typeface="Times New Roman" panose="02020603050405020304" pitchFamily="18" charset="0"/>
+                <a:cs typeface="Times New Roman" panose="02020603050405020304" pitchFamily="18" charset="0"/>
+              </a:rPr>
+              <a:t>AfterReturning</a:t>
+            </a:r>
+            <a:r>
+              <a:rPr lang="en-US" dirty="0">
+                <a:latin typeface="Times New Roman" panose="02020603050405020304" pitchFamily="18" charset="0"/>
+                <a:cs typeface="Times New Roman" panose="02020603050405020304" pitchFamily="18" charset="0"/>
+              </a:rPr>
+              <a:t>: Advice executed after a method returns successfully.</a:t>
+            </a:r>
+          </a:p>
+          <a:p>
+            <a:pPr marL="742950" lvl="1" indent="-285750">
+              <a:lnSpc>
+                <a:spcPct val="150000"/>
+              </a:lnSpc>
+              <a:buFont typeface="Wingdings" pitchFamily="2" charset="2"/>
+              <a:buChar char="Ø"/>
+            </a:pPr>
+            <a:r>
+              <a:rPr lang="en-US" dirty="0">
+                <a:latin typeface="Times New Roman" panose="02020603050405020304" pitchFamily="18" charset="0"/>
+                <a:cs typeface="Times New Roman" panose="02020603050405020304" pitchFamily="18" charset="0"/>
+              </a:rPr>
+              <a:t>@</a:t>
+            </a:r>
+            <a:r>
+              <a:rPr lang="en-US" b="1" dirty="0" err="1">
+                <a:latin typeface="Times New Roman" panose="02020603050405020304" pitchFamily="18" charset="0"/>
+                <a:cs typeface="Times New Roman" panose="02020603050405020304" pitchFamily="18" charset="0"/>
+              </a:rPr>
+              <a:t>AfterThrowing</a:t>
+            </a:r>
+            <a:r>
+              <a:rPr lang="en-US" dirty="0">
+                <a:latin typeface="Times New Roman" panose="02020603050405020304" pitchFamily="18" charset="0"/>
+                <a:cs typeface="Times New Roman" panose="02020603050405020304" pitchFamily="18" charset="0"/>
+              </a:rPr>
+              <a:t>: Advice executed after a method throws an exception.</a:t>
+            </a:r>
+          </a:p>
+          <a:p>
+            <a:pPr marL="742950" lvl="1" indent="-285750">
+              <a:lnSpc>
+                <a:spcPct val="150000"/>
+              </a:lnSpc>
+              <a:buFont typeface="Wingdings" pitchFamily="2" charset="2"/>
+              <a:buChar char="Ø"/>
+            </a:pPr>
+            <a:r>
+              <a:rPr lang="en-US" dirty="0">
+                <a:latin typeface="Times New Roman" panose="02020603050405020304" pitchFamily="18" charset="0"/>
+                <a:cs typeface="Times New Roman" panose="02020603050405020304" pitchFamily="18" charset="0"/>
+              </a:rPr>
+              <a:t>@</a:t>
+            </a:r>
+            <a:r>
+              <a:rPr lang="en-US" b="1" dirty="0">
+                <a:latin typeface="Times New Roman" panose="02020603050405020304" pitchFamily="18" charset="0"/>
+                <a:cs typeface="Times New Roman" panose="02020603050405020304" pitchFamily="18" charset="0"/>
+              </a:rPr>
+              <a:t>Around</a:t>
+            </a:r>
+            <a:r>
+              <a:rPr lang="en-US" dirty="0">
+                <a:latin typeface="Times New Roman" panose="02020603050405020304" pitchFamily="18" charset="0"/>
+                <a:cs typeface="Times New Roman" panose="02020603050405020304" pitchFamily="18" charset="0"/>
+              </a:rPr>
+              <a:t>: The most powerful advice type. It surrounds the method execution, allowing you to control the method call and potentially modify the return value or throw an exception.</a:t>
+            </a:r>
+          </a:p>
+        </p:txBody>
+      </p:sp>
+      <p:sp>
+        <p:nvSpPr>
+          <p:cNvPr id="2" name="Rectangle 1">
+            <a:extLst>
+              <a:ext uri="{FF2B5EF4-FFF2-40B4-BE49-F238E27FC236}">
+                <a16:creationId xmlns:a16="http://schemas.microsoft.com/office/drawing/2014/main" id="{48F9CE81-C1F0-B68D-8064-60FA8458DF94}"/>
+              </a:ext>
+            </a:extLst>
+          </p:cNvPr>
+          <p:cNvSpPr/>
+          <p:nvPr/>
+        </p:nvSpPr>
+        <p:spPr>
+          <a:xfrm>
+            <a:off x="1227592" y="584738"/>
+            <a:ext cx="2762295" cy="923330"/>
+          </a:xfrm>
+          <a:prstGeom prst="rect">
+            <a:avLst/>
+          </a:prstGeom>
+          <a:noFill/>
+        </p:spPr>
+        <p:txBody>
+          <a:bodyPr wrap="none" lIns="91440" tIns="45720" rIns="91440" bIns="45720">
+            <a:spAutoFit/>
+            <a:scene3d>
+              <a:camera prst="orthographicFront"/>
+              <a:lightRig rig="soft" dir="t">
+                <a:rot lat="0" lon="0" rev="15600000"/>
+              </a:lightRig>
+            </a:scene3d>
+            <a:sp3d extrusionH="57150" prstMaterial="softEdge">
+              <a:bevelT w="25400" h="38100"/>
+            </a:sp3d>
+          </a:bodyPr>
+          <a:lstStyle/>
+          <a:p>
+            <a:pPr algn="ctr"/>
+            <a:r>
+              <a:rPr lang="en-GB" sz="5400" dirty="0">
+                <a:ln w="0"/>
+                <a:gradFill>
+                  <a:gsLst>
+                    <a:gs pos="0">
+                      <a:schemeClr val="accent5">
+                        <a:lumMod val="50000"/>
+                      </a:schemeClr>
+                    </a:gs>
+                    <a:gs pos="50000">
+                      <a:schemeClr val="accent5"/>
+                    </a:gs>
+                    <a:gs pos="100000">
+                      <a:schemeClr val="accent5">
+                        <a:lumMod val="60000"/>
+                        <a:lumOff val="40000"/>
+                      </a:schemeClr>
+                    </a:gs>
+                  </a:gsLst>
+                  <a:lin ang="5400000"/>
+                </a:gradFill>
+                <a:effectLst>
+                  <a:reflection blurRad="6350" stA="53000" endA="300" endPos="35500" dir="5400000" sy="-90000" algn="bl" rotWithShape="0"/>
+                </a:effectLst>
+                <a:latin typeface="Times New Roman" panose="02020603050405020304" pitchFamily="18" charset="0"/>
+                <a:cs typeface="Times New Roman" panose="02020603050405020304" pitchFamily="18" charset="0"/>
+              </a:rPr>
+              <a:t>Concepts</a:t>
+            </a:r>
+          </a:p>
+        </p:txBody>
+      </p:sp>
+    </p:spTree>
+    <p:extLst>
+      <p:ext uri="{BB962C8B-B14F-4D97-AF65-F5344CB8AC3E}">
+        <p14:creationId xmlns:p14="http://schemas.microsoft.com/office/powerpoint/2010/main" val="1307838287"/>
+      </p:ext>
+    </p:extLst>
+  </p:cSld>
+  <p:clrMapOvr>
+    <a:masterClrMapping/>
+  </p:clrMapOvr>
+  <mc:AlternateContent xmlns:mc="http://schemas.openxmlformats.org/markup-compatibility/2006">
+    <mc:Choice xmlns:p14="http://schemas.microsoft.com/office/powerpoint/2010/main" Requires="p14">
+      <p:transition spd="med" p14:dur="700">
+        <p:fade/>
+      </p:transition>
+    </mc:Choice>
+    <mc:Fallback>
+      <p:transition spd="med">
+        <p:fade/>
+      </p:transition>
+    </mc:Fallback>
+  </mc:AlternateContent>
+  <p:timing>
+    <p:tnLst>
+      <p:par>
+        <p:cTn id="1" dur="indefinite" restart="never" nodeType="tmRoot">
+          <p:childTnLst>
+            <p:seq concurrent="1" nextAc="seek">
+              <p:cTn id="2" dur="indefinite" nodeType="mainSeq">
+                <p:childTnLst>
+                  <p:par>
+                    <p:cTn id="3" fill="hold">
+                      <p:stCondLst>
+                        <p:cond delay="indefinite"/>
+                      </p:stCondLst>
+                      <p:childTnLst>
+                        <p:par>
+                          <p:cTn id="4" fill="hold">
+                            <p:stCondLst>
+                              <p:cond delay="0"/>
+                            </p:stCondLst>
+                            <p:childTnLst>
+                              <p:par>
+                                <p:cTn id="5" presetID="1" presetClass="entr" presetSubtype="0" fill="hold" nodeType="clickEffect">
+                                  <p:stCondLst>
+                                    <p:cond delay="0"/>
+                                  </p:stCondLst>
+                                  <p:childTnLst>
+                                    <p:set>
+                                      <p:cBhvr>
+                                        <p:cTn id="6" dur="1" fill="hold">
+                                          <p:stCondLst>
+                                            <p:cond delay="0"/>
+                                          </p:stCondLst>
+                                        </p:cTn>
+                                        <p:tgtEl>
+                                          <p:spTgt spid="3">
+                                            <p:txEl>
+                                              <p:pRg st="0" end="0"/>
+                                            </p:txEl>
+                                          </p:spTgt>
+                                        </p:tgtEl>
+                                        <p:attrNameLst>
+                                          <p:attrName>style.visibility</p:attrName>
+                                        </p:attrNameLst>
+                                      </p:cBhvr>
+                                      <p:to>
+                                        <p:strVal val="visible"/>
+                                      </p:to>
+                                    </p:set>
+                                  </p:childTnLst>
+                                </p:cTn>
+                              </p:par>
+                            </p:childTnLst>
+                          </p:cTn>
+                        </p:par>
+                      </p:childTnLst>
+                    </p:cTn>
+                  </p:par>
+                  <p:par>
+                    <p:cTn id="7" fill="hold">
+                      <p:stCondLst>
+                        <p:cond delay="indefinite"/>
+                      </p:stCondLst>
+                      <p:childTnLst>
+                        <p:par>
+                          <p:cTn id="8" fill="hold">
+                            <p:stCondLst>
+                              <p:cond delay="0"/>
+                            </p:stCondLst>
+                            <p:childTnLst>
+                              <p:par>
+                                <p:cTn id="9" presetID="1" presetClass="entr" presetSubtype="0" fill="hold" nodeType="clickEffect">
+                                  <p:stCondLst>
+                                    <p:cond delay="0"/>
+                                  </p:stCondLst>
+                                  <p:childTnLst>
+                                    <p:set>
+                                      <p:cBhvr>
+                                        <p:cTn id="10" dur="1" fill="hold">
+                                          <p:stCondLst>
+                                            <p:cond delay="0"/>
+                                          </p:stCondLst>
+                                        </p:cTn>
+                                        <p:tgtEl>
+                                          <p:spTgt spid="3">
+                                            <p:txEl>
+                                              <p:pRg st="1" end="1"/>
+                                            </p:txEl>
+                                          </p:spTgt>
+                                        </p:tgtEl>
+                                        <p:attrNameLst>
+                                          <p:attrName>style.visibility</p:attrName>
+                                        </p:attrNameLst>
+                                      </p:cBhvr>
+                                      <p:to>
+                                        <p:strVal val="visible"/>
+                                      </p:to>
+                                    </p:set>
+                                  </p:childTnLst>
+                                </p:cTn>
+                              </p:par>
+                            </p:childTnLst>
+                          </p:cTn>
+                        </p:par>
+                      </p:childTnLst>
+                    </p:cTn>
+                  </p:par>
+                  <p:par>
+                    <p:cTn id="11" fill="hold">
+                      <p:stCondLst>
+                        <p:cond delay="indefinite"/>
+                      </p:stCondLst>
+                      <p:childTnLst>
+                        <p:par>
+                          <p:cTn id="12" fill="hold">
+                            <p:stCondLst>
+                              <p:cond delay="0"/>
+                            </p:stCondLst>
+                            <p:childTnLst>
+                              <p:par>
+                                <p:cTn id="13" presetID="1" presetClass="entr" presetSubtype="0" fill="hold" nodeType="clickEffect">
+                                  <p:stCondLst>
+                                    <p:cond delay="0"/>
+                                  </p:stCondLst>
+                                  <p:childTnLst>
+                                    <p:set>
+                                      <p:cBhvr>
+                                        <p:cTn id="14" dur="1" fill="hold">
+                                          <p:stCondLst>
+                                            <p:cond delay="0"/>
+                                          </p:stCondLst>
+                                        </p:cTn>
+                                        <p:tgtEl>
+                                          <p:spTgt spid="3">
+                                            <p:txEl>
+                                              <p:pRg st="2" end="2"/>
+                                            </p:txEl>
+                                          </p:spTgt>
+                                        </p:tgtEl>
+                                        <p:attrNameLst>
+                                          <p:attrName>style.visibility</p:attrName>
+                                        </p:attrNameLst>
+                                      </p:cBhvr>
+                                      <p:to>
+                                        <p:strVal val="visible"/>
+                                      </p:to>
+                                    </p:set>
+                                  </p:childTnLst>
+                                </p:cTn>
+                              </p:par>
+                            </p:childTnLst>
+                          </p:cTn>
+                        </p:par>
+                      </p:childTnLst>
+                    </p:cTn>
+                  </p:par>
+                  <p:par>
+                    <p:cTn id="15" fill="hold">
+                      <p:stCondLst>
+                        <p:cond delay="indefinite"/>
+                      </p:stCondLst>
+                      <p:childTnLst>
+                        <p:par>
+                          <p:cTn id="16" fill="hold">
+                            <p:stCondLst>
+                              <p:cond delay="0"/>
+                            </p:stCondLst>
+                            <p:childTnLst>
+                              <p:par>
+                                <p:cTn id="17" presetID="1" presetClass="entr" presetSubtype="0" fill="hold" nodeType="clickEffect">
+                                  <p:stCondLst>
+                                    <p:cond delay="0"/>
+                                  </p:stCondLst>
+                                  <p:childTnLst>
+                                    <p:set>
+                                      <p:cBhvr>
+                                        <p:cTn id="18" dur="1" fill="hold">
+                                          <p:stCondLst>
+                                            <p:cond delay="0"/>
+                                          </p:stCondLst>
+                                        </p:cTn>
+                                        <p:tgtEl>
+                                          <p:spTgt spid="3">
+                                            <p:txEl>
+                                              <p:pRg st="3" end="3"/>
+                                            </p:txEl>
+                                          </p:spTgt>
+                                        </p:tgtEl>
+                                        <p:attrNameLst>
+                                          <p:attrName>style.visibility</p:attrName>
+                                        </p:attrNameLst>
+                                      </p:cBhvr>
+                                      <p:to>
+                                        <p:strVal val="visible"/>
+                                      </p:to>
+                                    </p:set>
+                                  </p:childTnLst>
+                                </p:cTn>
+                              </p:par>
+                            </p:childTnLst>
+                          </p:cTn>
+                        </p:par>
+                      </p:childTnLst>
+                    </p:cTn>
+                  </p:par>
+                  <p:par>
+                    <p:cTn id="19" fill="hold">
+                      <p:stCondLst>
+                        <p:cond delay="indefinite"/>
+                      </p:stCondLst>
+                      <p:childTnLst>
+                        <p:par>
+                          <p:cTn id="20" fill="hold">
+                            <p:stCondLst>
+                              <p:cond delay="0"/>
+                            </p:stCondLst>
+                            <p:childTnLst>
+                              <p:par>
+                                <p:cTn id="21" presetID="1" presetClass="entr" presetSubtype="0" fill="hold" nodeType="clickEffect">
+                                  <p:stCondLst>
+                                    <p:cond delay="0"/>
+                                  </p:stCondLst>
+                                  <p:childTnLst>
+                                    <p:set>
+                                      <p:cBhvr>
+                                        <p:cTn id="22" dur="1" fill="hold">
+                                          <p:stCondLst>
+                                            <p:cond delay="0"/>
+                                          </p:stCondLst>
+                                        </p:cTn>
+                                        <p:tgtEl>
+                                          <p:spTgt spid="3">
+                                            <p:txEl>
+                                              <p:pRg st="4" end="4"/>
+                                            </p:txEl>
+                                          </p:spTgt>
+                                        </p:tgtEl>
+                                        <p:attrNameLst>
+                                          <p:attrName>style.visibility</p:attrName>
+                                        </p:attrNameLst>
+                                      </p:cBhvr>
+                                      <p:to>
+                                        <p:strVal val="visible"/>
+                                      </p:to>
+                                    </p:set>
+                                  </p:childTnLst>
+                                </p:cTn>
+                              </p:par>
+                            </p:childTnLst>
+                          </p:cTn>
+                        </p:par>
+                      </p:childTnLst>
+                    </p:cTn>
+                  </p:par>
+                  <p:par>
+                    <p:cTn id="23" fill="hold">
+                      <p:stCondLst>
+                        <p:cond delay="indefinite"/>
+                      </p:stCondLst>
+                      <p:childTnLst>
+                        <p:par>
+                          <p:cTn id="24" fill="hold">
+                            <p:stCondLst>
+                              <p:cond delay="0"/>
+                            </p:stCondLst>
+                            <p:childTnLst>
+                              <p:par>
+                                <p:cTn id="25" presetID="1" presetClass="entr" presetSubtype="0" fill="hold" nodeType="clickEffect">
+                                  <p:stCondLst>
+                                    <p:cond delay="0"/>
+                                  </p:stCondLst>
+                                  <p:childTnLst>
+                                    <p:set>
+                                      <p:cBhvr>
+                                        <p:cTn id="26" dur="1" fill="hold">
+                                          <p:stCondLst>
+                                            <p:cond delay="0"/>
+                                          </p:stCondLst>
+                                        </p:cTn>
+                                        <p:tgtEl>
+                                          <p:spTgt spid="3">
+                                            <p:txEl>
+                                              <p:pRg st="5" end="5"/>
+                                            </p:txEl>
+                                          </p:spTgt>
+                                        </p:tgtEl>
+                                        <p:attrNameLst>
+                                          <p:attrName>style.visibility</p:attrName>
+                                        </p:attrNameLst>
+                                      </p:cBhvr>
+                                      <p:to>
+                                        <p:strVal val="visible"/>
+                                      </p:to>
+                                    </p:set>
+                                  </p:childTnLst>
+                                </p:cTn>
+                              </p:par>
+                            </p:childTnLst>
+                          </p:cTn>
+                        </p:par>
+                      </p:childTnLst>
+                    </p:cTn>
+                  </p:par>
+                  <p:par>
+                    <p:cTn id="27" fill="hold">
+                      <p:stCondLst>
+                        <p:cond delay="indefinite"/>
+                      </p:stCondLst>
+                      <p:childTnLst>
+                        <p:par>
+                          <p:cTn id="28" fill="hold">
+                            <p:stCondLst>
+                              <p:cond delay="0"/>
+                            </p:stCondLst>
+                            <p:childTnLst>
+                              <p:par>
+                                <p:cTn id="29" presetID="1" presetClass="entr" presetSubtype="0" fill="hold" nodeType="clickEffect">
+                                  <p:stCondLst>
+                                    <p:cond delay="0"/>
+                                  </p:stCondLst>
+                                  <p:childTnLst>
+                                    <p:set>
+                                      <p:cBhvr>
+                                        <p:cTn id="30" dur="1" fill="hold">
+                                          <p:stCondLst>
+                                            <p:cond delay="0"/>
+                                          </p:stCondLst>
+                                        </p:cTn>
+                                        <p:tgtEl>
+                                          <p:spTgt spid="3">
+                                            <p:txEl>
+                                              <p:pRg st="6" end="6"/>
+                                            </p:txEl>
+                                          </p:spTgt>
+                                        </p:tgtEl>
+                                        <p:attrNameLst>
+                                          <p:attrName>style.visibility</p:attrName>
+                                        </p:attrNameLst>
+                                      </p:cBhvr>
+                                      <p:to>
+                                        <p:strVal val="visible"/>
+                                      </p:to>
+                                    </p:set>
+                                  </p:childTnLst>
+                                </p:cTn>
+                              </p:par>
+                            </p:childTnLst>
+                          </p:cTn>
+                        </p:par>
+                      </p:childTnLst>
+                    </p:cTn>
+                  </p:par>
+                </p:childTnLst>
+              </p:cTn>
+              <p:prevCondLst>
+                <p:cond evt="onPrev" delay="0">
+                  <p:tgtEl>
+                    <p:sldTgt/>
+                  </p:tgtEl>
+                </p:cond>
+              </p:prevCondLst>
+              <p:nextCondLst>
+                <p:cond evt="onNext" delay="0">
+                  <p:tgtEl>
+                    <p:sldTgt/>
+                  </p:tgtEl>
+                </p:cond>
+              </p:nextCondLst>
+            </p:seq>
+          </p:childTnLst>
+        </p:cTn>
+      </p:par>
+    </p:tnLst>
+  </p:timing>
+</p:sld>
+</file>
+
+<file path=ppt/slides/slide18.xml><?xml version="1.0" encoding="utf-8"?>
+<p:sld xmlns:a="http://schemas.openxmlformats.org/drawingml/2006/main" xmlns:r="http://schemas.openxmlformats.org/officeDocument/2006/relationships" xmlns:p="http://schemas.openxmlformats.org/presentationml/2006/main">
+  <p:cSld>
+    <p:bg>
+      <p:bgPr>
+        <a:blipFill dpi="0" rotWithShape="1">
+          <a:blip r:embed="rId3">
+            <a:lum/>
+          </a:blip>
+          <a:srcRect/>
+          <a:stretch>
+            <a:fillRect/>
+          </a:stretch>
+        </a:blipFill>
+        <a:effectLst/>
+      </p:bgPr>
+    </p:bg>
+    <p:spTree>
+      <p:nvGrpSpPr>
+        <p:cNvPr id="1" name=""/>
+        <p:cNvGrpSpPr/>
+        <p:nvPr/>
+      </p:nvGrpSpPr>
+      <p:grpSpPr>
+        <a:xfrm>
+          <a:off x="0" y="0"/>
+          <a:ext cx="0" cy="0"/>
+          <a:chOff x="0" y="0"/>
+          <a:chExt cx="0" cy="0"/>
+        </a:xfrm>
+      </p:grpSpPr>
+      <p:sp>
+        <p:nvSpPr>
+          <p:cNvPr id="3" name="TextBox 2">
+            <a:extLst>
+              <a:ext uri="{FF2B5EF4-FFF2-40B4-BE49-F238E27FC236}">
+                <a16:creationId xmlns:a16="http://schemas.microsoft.com/office/drawing/2014/main" id="{E634EB09-B96B-3B94-C9B4-780CAFDCDF1C}"/>
+              </a:ext>
+            </a:extLst>
+          </p:cNvPr>
+          <p:cNvSpPr txBox="1"/>
+          <p:nvPr/>
+        </p:nvSpPr>
+        <p:spPr>
+          <a:xfrm>
+            <a:off x="915249" y="1625763"/>
+            <a:ext cx="9134763" cy="2120068"/>
+          </a:xfrm>
+          <a:prstGeom prst="rect">
+            <a:avLst/>
+          </a:prstGeom>
+          <a:noFill/>
+        </p:spPr>
+        <p:txBody>
+          <a:bodyPr wrap="square" rtlCol="0">
+            <a:spAutoFit/>
+          </a:bodyPr>
+          <a:lstStyle/>
+          <a:p>
+            <a:pPr marL="285750" indent="-285750">
+              <a:lnSpc>
+                <a:spcPct val="150000"/>
+              </a:lnSpc>
+              <a:buFont typeface="Wingdings" pitchFamily="2" charset="2"/>
+              <a:buChar char="Ø"/>
+            </a:pPr>
+            <a:r>
+              <a:rPr lang="en-US" b="1" dirty="0">
+                <a:latin typeface="Times New Roman" panose="02020603050405020304" pitchFamily="18" charset="0"/>
+                <a:cs typeface="Times New Roman" panose="02020603050405020304" pitchFamily="18" charset="0"/>
+              </a:rPr>
+              <a:t>Pointcut: </a:t>
+            </a:r>
+            <a:r>
+              <a:rPr lang="en-US" dirty="0">
+                <a:latin typeface="Times New Roman" panose="02020603050405020304" pitchFamily="18" charset="0"/>
+                <a:cs typeface="Times New Roman" panose="02020603050405020304" pitchFamily="18" charset="0"/>
+              </a:rPr>
+              <a:t>A pointcut is an expression that defines where the advice should be applied in your code. Spring AOP offers pointcut expressions to target specific methods, method arguments, or execution types.</a:t>
+            </a:r>
+          </a:p>
+          <a:p>
+            <a:pPr marL="285750" indent="-285750">
+              <a:lnSpc>
+                <a:spcPct val="150000"/>
+              </a:lnSpc>
+              <a:buFont typeface="Wingdings" pitchFamily="2" charset="2"/>
+              <a:buChar char="Ø"/>
+            </a:pPr>
+            <a:r>
+              <a:rPr lang="en-US" b="1" dirty="0" err="1">
+                <a:latin typeface="Times New Roman" panose="02020603050405020304" pitchFamily="18" charset="0"/>
+                <a:cs typeface="Times New Roman" panose="02020603050405020304" pitchFamily="18" charset="0"/>
+              </a:rPr>
+              <a:t>JoinPoint</a:t>
+            </a:r>
+            <a:r>
+              <a:rPr lang="en-US" dirty="0">
+                <a:latin typeface="Times New Roman" panose="02020603050405020304" pitchFamily="18" charset="0"/>
+                <a:cs typeface="Times New Roman" panose="02020603050405020304" pitchFamily="18" charset="0"/>
+              </a:rPr>
+              <a:t>: A point in your application's execution where an aspect can be applied. This could be a method call, field access, or exception throw.</a:t>
+            </a:r>
+          </a:p>
+        </p:txBody>
+      </p:sp>
+      <p:sp>
+        <p:nvSpPr>
+          <p:cNvPr id="2" name="Rectangle 1">
+            <a:extLst>
+              <a:ext uri="{FF2B5EF4-FFF2-40B4-BE49-F238E27FC236}">
+                <a16:creationId xmlns:a16="http://schemas.microsoft.com/office/drawing/2014/main" id="{48F9CE81-C1F0-B68D-8064-60FA8458DF94}"/>
+              </a:ext>
+            </a:extLst>
+          </p:cNvPr>
+          <p:cNvSpPr/>
+          <p:nvPr/>
+        </p:nvSpPr>
+        <p:spPr>
+          <a:xfrm>
+            <a:off x="1227592" y="584738"/>
+            <a:ext cx="2762295" cy="923330"/>
+          </a:xfrm>
+          <a:prstGeom prst="rect">
+            <a:avLst/>
+          </a:prstGeom>
+          <a:noFill/>
+        </p:spPr>
+        <p:txBody>
+          <a:bodyPr wrap="none" lIns="91440" tIns="45720" rIns="91440" bIns="45720">
+            <a:spAutoFit/>
+            <a:scene3d>
+              <a:camera prst="orthographicFront"/>
+              <a:lightRig rig="soft" dir="t">
+                <a:rot lat="0" lon="0" rev="15600000"/>
+              </a:lightRig>
+            </a:scene3d>
+            <a:sp3d extrusionH="57150" prstMaterial="softEdge">
+              <a:bevelT w="25400" h="38100"/>
+            </a:sp3d>
+          </a:bodyPr>
+          <a:lstStyle/>
+          <a:p>
+            <a:pPr algn="ctr"/>
+            <a:r>
+              <a:rPr lang="en-GB" sz="5400" dirty="0">
+                <a:ln w="0"/>
+                <a:gradFill>
+                  <a:gsLst>
+                    <a:gs pos="0">
+                      <a:schemeClr val="accent5">
+                        <a:lumMod val="50000"/>
+                      </a:schemeClr>
+                    </a:gs>
+                    <a:gs pos="50000">
+                      <a:schemeClr val="accent5"/>
+                    </a:gs>
+                    <a:gs pos="100000">
+                      <a:schemeClr val="accent5">
+                        <a:lumMod val="60000"/>
+                        <a:lumOff val="40000"/>
+                      </a:schemeClr>
+                    </a:gs>
+                  </a:gsLst>
+                  <a:lin ang="5400000"/>
+                </a:gradFill>
+                <a:effectLst>
+                  <a:reflection blurRad="6350" stA="53000" endA="300" endPos="35500" dir="5400000" sy="-90000" algn="bl" rotWithShape="0"/>
+                </a:effectLst>
+                <a:latin typeface="Times New Roman" panose="02020603050405020304" pitchFamily="18" charset="0"/>
+                <a:cs typeface="Times New Roman" panose="02020603050405020304" pitchFamily="18" charset="0"/>
+              </a:rPr>
+              <a:t>Concepts</a:t>
+            </a:r>
+          </a:p>
+        </p:txBody>
+      </p:sp>
+    </p:spTree>
+    <p:extLst>
+      <p:ext uri="{BB962C8B-B14F-4D97-AF65-F5344CB8AC3E}">
+        <p14:creationId xmlns:p14="http://schemas.microsoft.com/office/powerpoint/2010/main" val="4139949773"/>
+      </p:ext>
+    </p:extLst>
+  </p:cSld>
+  <p:clrMapOvr>
+    <a:masterClrMapping/>
+  </p:clrMapOvr>
+  <mc:AlternateContent xmlns:mc="http://schemas.openxmlformats.org/markup-compatibility/2006">
+    <mc:Choice xmlns:p14="http://schemas.microsoft.com/office/powerpoint/2010/main" Requires="p14">
+      <p:transition spd="med" p14:dur="700">
+        <p:fade/>
+      </p:transition>
+    </mc:Choice>
+    <mc:Fallback>
       <p:transition spd="med">
         <p:fade/>
       </p:transition>
@@ -8252,4 +10713,299 @@
     </a:ext>
   </a:extLst>
 </a:theme>
+</file>
+
+<file path=ppt/theme/theme2.xml><?xml version="1.0" encoding="utf-8"?>
+<a:theme xmlns:a="http://schemas.openxmlformats.org/drawingml/2006/main" name="Office Theme">
+  <a:themeElements>
+    <a:clrScheme name="Office">
+      <a:dk1>
+        <a:sysClr val="windowText" lastClr="000000"/>
+      </a:dk1>
+      <a:lt1>
+        <a:sysClr val="window" lastClr="FFFFFF"/>
+      </a:lt1>
+      <a:dk2>
+        <a:srgbClr val="44546A"/>
+      </a:dk2>
+      <a:lt2>
+        <a:srgbClr val="E7E6E6"/>
+      </a:lt2>
+      <a:accent1>
+        <a:srgbClr val="4472C4"/>
+      </a:accent1>
+      <a:accent2>
+        <a:srgbClr val="ED7D31"/>
+      </a:accent2>
+      <a:accent3>
+        <a:srgbClr val="A5A5A5"/>
+      </a:accent3>
+      <a:accent4>
+        <a:srgbClr val="FFC000"/>
+      </a:accent4>
+      <a:accent5>
+        <a:srgbClr val="5B9BD5"/>
+      </a:accent5>
+      <a:accent6>
+        <a:srgbClr val="70AD47"/>
+      </a:accent6>
+      <a:hlink>
+        <a:srgbClr val="0563C1"/>
+      </a:hlink>
+      <a:folHlink>
+        <a:srgbClr val="954F72"/>
+      </a:folHlink>
+    </a:clrScheme>
+    <a:fontScheme name="Office">
+      <a:majorFont>
+        <a:latin typeface="Calibri Light" panose="020F0302020204030204"/>
+        <a:ea typeface=""/>
+        <a:cs typeface=""/>
+        <a:font script="Jpan" typeface="游ゴシック Light"/>
+        <a:font script="Hang" typeface="맑은 고딕"/>
+        <a:font script="Hans" typeface="等线 Light"/>
+        <a:font script="Hant" typeface="新細明體"/>
+        <a:font script="Arab" typeface="Times New Roman"/>
+        <a:font script="Hebr" typeface="Times New Roman"/>
+        <a:font script="Thai" typeface="Angsana New"/>
+        <a:font script="Ethi" typeface="Nyala"/>
+        <a:font script="Beng" typeface="Vrinda"/>
+        <a:font script="Gujr" typeface="Shruti"/>
+        <a:font script="Khmr" typeface="MoolBoran"/>
+        <a:font script="Knda" typeface="Tunga"/>
+        <a:font script="Guru" typeface="Raavi"/>
+        <a:font script="Cans" typeface="Euphemia"/>
+        <a:font script="Cher" typeface="Plantagenet Cherokee"/>
+        <a:font script="Yiii" typeface="Microsoft Yi Baiti"/>
+        <a:font script="Tibt" typeface="Microsoft Himalaya"/>
+        <a:font script="Thaa" typeface="MV Boli"/>
+        <a:font script="Deva" typeface="Mangal"/>
+        <a:font script="Telu" typeface="Gautami"/>
+        <a:font script="Taml" typeface="Latha"/>
+        <a:font script="Syrc" typeface="Estrangelo Edessa"/>
+        <a:font script="Orya" typeface="Kalinga"/>
+        <a:font script="Mlym" typeface="Kartika"/>
+        <a:font script="Laoo" typeface="DokChampa"/>
+        <a:font script="Sinh" typeface="Iskoola Pota"/>
+        <a:font script="Mong" typeface="Mongolian Baiti"/>
+        <a:font script="Viet" typeface="Times New Roman"/>
+        <a:font script="Uigh" typeface="Microsoft Uighur"/>
+        <a:font script="Geor" typeface="Sylfaen"/>
+        <a:font script="Armn" typeface="Arial"/>
+        <a:font script="Bugi" typeface="Leelawadee UI"/>
+        <a:font script="Bopo" typeface="Microsoft JhengHei"/>
+        <a:font script="Java" typeface="Javanese Text"/>
+        <a:font script="Lisu" typeface="Segoe UI"/>
+        <a:font script="Mymr" typeface="Myanmar Text"/>
+        <a:font script="Nkoo" typeface="Ebrima"/>
+        <a:font script="Olck" typeface="Nirmala UI"/>
+        <a:font script="Osma" typeface="Ebrima"/>
+        <a:font script="Phag" typeface="Phagspa"/>
+        <a:font script="Syrn" typeface="Estrangelo Edessa"/>
+        <a:font script="Syrj" typeface="Estrangelo Edessa"/>
+        <a:font script="Syre" typeface="Estrangelo Edessa"/>
+        <a:font script="Sora" typeface="Nirmala UI"/>
+        <a:font script="Tale" typeface="Microsoft Tai Le"/>
+        <a:font script="Talu" typeface="Microsoft New Tai Lue"/>
+        <a:font script="Tfng" typeface="Ebrima"/>
+      </a:majorFont>
+      <a:minorFont>
+        <a:latin typeface="Calibri" panose="020F0502020204030204"/>
+        <a:ea typeface=""/>
+        <a:cs typeface=""/>
+        <a:font script="Jpan" typeface="游ゴシック"/>
+        <a:font script="Hang" typeface="맑은 고딕"/>
+        <a:font script="Hans" typeface="等线"/>
+        <a:font script="Hant" typeface="新細明體"/>
+        <a:font script="Arab" typeface="Arial"/>
+        <a:font script="Hebr" typeface="Arial"/>
+        <a:font script="Thai" typeface="Cordia New"/>
+        <a:font script="Ethi" typeface="Nyala"/>
+        <a:font script="Beng" typeface="Vrinda"/>
+        <a:font script="Gujr" typeface="Shruti"/>
+        <a:font script="Khmr" typeface="DaunPenh"/>
+        <a:font script="Knda" typeface="Tunga"/>
+        <a:font script="Guru" typeface="Raavi"/>
+        <a:font script="Cans" typeface="Euphemia"/>
+        <a:font script="Cher" typeface="Plantagenet Cherokee"/>
+        <a:font script="Yiii" typeface="Microsoft Yi Baiti"/>
+        <a:font script="Tibt" typeface="Microsoft Himalaya"/>
+        <a:font script="Thaa" typeface="MV Boli"/>
+        <a:font script="Deva" typeface="Mangal"/>
+        <a:font script="Telu" typeface="Gautami"/>
+        <a:font script="Taml" typeface="Latha"/>
+        <a:font script="Syrc" typeface="Estrangelo Edessa"/>
+        <a:font script="Orya" typeface="Kalinga"/>
+        <a:font script="Mlym" typeface="Kartika"/>
+        <a:font script="Laoo" typeface="DokChampa"/>
+        <a:font script="Sinh" typeface="Iskoola Pota"/>
+        <a:font script="Mong" typeface="Mongolian Baiti"/>
+        <a:font script="Viet" typeface="Arial"/>
+        <a:font script="Uigh" typeface="Microsoft Uighur"/>
+        <a:font script="Geor" typeface="Sylfaen"/>
+        <a:font script="Armn" typeface="Arial"/>
+        <a:font script="Bugi" typeface="Leelawadee UI"/>
+        <a:font script="Bopo" typeface="Microsoft JhengHei"/>
+        <a:font script="Java" typeface="Javanese Text"/>
+        <a:font script="Lisu" typeface="Segoe UI"/>
+        <a:font script="Mymr" typeface="Myanmar Text"/>
+        <a:font script="Nkoo" typeface="Ebrima"/>
+        <a:font script="Olck" typeface="Nirmala UI"/>
+        <a:font script="Osma" typeface="Ebrima"/>
+        <a:font script="Phag" typeface="Phagspa"/>
+        <a:font script="Syrn" typeface="Estrangelo Edessa"/>
+        <a:font script="Syrj" typeface="Estrangelo Edessa"/>
+        <a:font script="Syre" typeface="Estrangelo Edessa"/>
+        <a:font script="Sora" typeface="Nirmala UI"/>
+        <a:font script="Tale" typeface="Microsoft Tai Le"/>
+        <a:font script="Talu" typeface="Microsoft New Tai Lue"/>
+        <a:font script="Tfng" typeface="Ebrima"/>
+      </a:minorFont>
+    </a:fontScheme>
+    <a:fmtScheme name="Office">
+      <a:fillStyleLst>
+        <a:solidFill>
+          <a:schemeClr val="phClr"/>
+        </a:solidFill>
+        <a:gradFill rotWithShape="1">
+          <a:gsLst>
+            <a:gs pos="0">
+              <a:schemeClr val="phClr">
+                <a:lumMod val="110000"/>
+                <a:satMod val="105000"/>
+                <a:tint val="67000"/>
+              </a:schemeClr>
+            </a:gs>
+            <a:gs pos="50000">
+              <a:schemeClr val="phClr">
+                <a:lumMod val="105000"/>
+                <a:satMod val="103000"/>
+                <a:tint val="73000"/>
+              </a:schemeClr>
+            </a:gs>
+            <a:gs pos="100000">
+              <a:schemeClr val="phClr">
+                <a:lumMod val="105000"/>
+                <a:satMod val="109000"/>
+                <a:tint val="81000"/>
+              </a:schemeClr>
+            </a:gs>
+          </a:gsLst>
+          <a:lin ang="5400000" scaled="0"/>
+        </a:gradFill>
+        <a:gradFill rotWithShape="1">
+          <a:gsLst>
+            <a:gs pos="0">
+              <a:schemeClr val="phClr">
+                <a:satMod val="103000"/>
+                <a:lumMod val="102000"/>
+                <a:tint val="94000"/>
+              </a:schemeClr>
+            </a:gs>
+            <a:gs pos="50000">
+              <a:schemeClr val="phClr">
+                <a:satMod val="110000"/>
+                <a:lumMod val="100000"/>
+                <a:shade val="100000"/>
+              </a:schemeClr>
+            </a:gs>
+            <a:gs pos="100000">
+              <a:schemeClr val="phClr">
+                <a:lumMod val="99000"/>
+                <a:satMod val="120000"/>
+                <a:shade val="78000"/>
+              </a:schemeClr>
+            </a:gs>
+          </a:gsLst>
+          <a:lin ang="5400000" scaled="0"/>
+        </a:gradFill>
+      </a:fillStyleLst>
+      <a:lnStyleLst>
+        <a:ln w="6350" cap="flat" cmpd="sng" algn="ctr">
+          <a:solidFill>
+            <a:schemeClr val="phClr"/>
+          </a:solidFill>
+          <a:prstDash val="solid"/>
+          <a:miter lim="800000"/>
+        </a:ln>
+        <a:ln w="12700" cap="flat" cmpd="sng" algn="ctr">
+          <a:solidFill>
+            <a:schemeClr val="phClr"/>
+          </a:solidFill>
+          <a:prstDash val="solid"/>
+          <a:miter lim="800000"/>
+        </a:ln>
+        <a:ln w="19050" cap="flat" cmpd="sng" algn="ctr">
+          <a:solidFill>
+            <a:schemeClr val="phClr"/>
+          </a:solidFill>
+          <a:prstDash val="solid"/>
+          <a:miter lim="800000"/>
+        </a:ln>
+      </a:lnStyleLst>
+      <a:effectStyleLst>
+        <a:effectStyle>
+          <a:effectLst/>
+        </a:effectStyle>
+        <a:effectStyle>
+          <a:effectLst/>
+        </a:effectStyle>
+        <a:effectStyle>
+          <a:effectLst>
+            <a:outerShdw blurRad="57150" dist="19050" dir="5400000" algn="ctr" rotWithShape="0">
+              <a:srgbClr val="000000">
+                <a:alpha val="63000"/>
+              </a:srgbClr>
+            </a:outerShdw>
+          </a:effectLst>
+        </a:effectStyle>
+      </a:effectStyleLst>
+      <a:bgFillStyleLst>
+        <a:solidFill>
+          <a:schemeClr val="phClr"/>
+        </a:solidFill>
+        <a:solidFill>
+          <a:schemeClr val="phClr">
+            <a:tint val="95000"/>
+            <a:satMod val="170000"/>
+          </a:schemeClr>
+        </a:solidFill>
+        <a:gradFill rotWithShape="1">
+          <a:gsLst>
+            <a:gs pos="0">
+              <a:schemeClr val="phClr">
+                <a:tint val="93000"/>
+                <a:satMod val="150000"/>
+                <a:shade val="98000"/>
+                <a:lumMod val="102000"/>
+              </a:schemeClr>
+            </a:gs>
+            <a:gs pos="50000">
+              <a:schemeClr val="phClr">
+                <a:tint val="98000"/>
+                <a:satMod val="130000"/>
+                <a:shade val="90000"/>
+                <a:lumMod val="103000"/>
+              </a:schemeClr>
+            </a:gs>
+            <a:gs pos="100000">
+              <a:schemeClr val="phClr">
+                <a:shade val="63000"/>
+                <a:satMod val="120000"/>
+              </a:schemeClr>
+            </a:gs>
+          </a:gsLst>
+          <a:lin ang="5400000" scaled="0"/>
+        </a:gradFill>
+      </a:bgFillStyleLst>
+    </a:fmtScheme>
+  </a:themeElements>
+  <a:objectDefaults/>
+  <a:extraClrSchemeLst/>
+  <a:extLst>
+    <a:ext uri="{05A4C25C-085E-4340-85A3-A5531E510DB2}">
+      <thm15:themeFamily xmlns:thm15="http://schemas.microsoft.com/office/thememl/2012/main" name="Office Theme" id="{62F939B6-93AF-4DB8-9C6B-D6C7DFDC589F}" vid="{4A3C46E8-61CC-4603-A589-7422A47A8E4A}"/>
+    </a:ext>
+  </a:extLst>
+</a:theme>
 </file>